--- a/Module 04 Building a CI:CD pipeline for serverless applications within AWS (Lambda).pptx
+++ b/Module 04 Building a CI:CD pipeline for serverless applications within AWS (Lambda).pptx
@@ -5,7 +5,7 @@
     <p:sldMasterId id="2147483648" r:id="rId1"/>
   </p:sldMasterIdLst>
   <p:notesMasterIdLst>
-    <p:notesMasterId r:id="rId10"/>
+    <p:notesMasterId r:id="rId25"/>
   </p:notesMasterIdLst>
   <p:sldIdLst>
     <p:sldId id="256" r:id="rId2"/>
@@ -15,7 +15,22 @@
     <p:sldId id="275" r:id="rId6"/>
     <p:sldId id="271" r:id="rId7"/>
     <p:sldId id="317" r:id="rId8"/>
-    <p:sldId id="268" r:id="rId9"/>
+    <p:sldId id="318" r:id="rId9"/>
+    <p:sldId id="319" r:id="rId10"/>
+    <p:sldId id="320" r:id="rId11"/>
+    <p:sldId id="321" r:id="rId12"/>
+    <p:sldId id="322" r:id="rId13"/>
+    <p:sldId id="323" r:id="rId14"/>
+    <p:sldId id="324" r:id="rId15"/>
+    <p:sldId id="325" r:id="rId16"/>
+    <p:sldId id="326" r:id="rId17"/>
+    <p:sldId id="327" r:id="rId18"/>
+    <p:sldId id="328" r:id="rId19"/>
+    <p:sldId id="329" r:id="rId20"/>
+    <p:sldId id="330" r:id="rId21"/>
+    <p:sldId id="331" r:id="rId22"/>
+    <p:sldId id="332" r:id="rId23"/>
+    <p:sldId id="268" r:id="rId24"/>
   </p:sldIdLst>
   <p:sldSz cx="9144000" cy="6858000" type="screen4x3"/>
   <p:notesSz cx="6858000" cy="9144000"/>
@@ -595,6 +610,956 @@
 </p:notes>
 </file>
 
+<file path=ppt/notesSlides/notesSlide10.xml><?xml version="1.0" encoding="utf-8"?>
+<p:notes xmlns:a="http://schemas.openxmlformats.org/drawingml/2006/main" xmlns:r="http://schemas.openxmlformats.org/officeDocument/2006/relationships" xmlns:p="http://schemas.openxmlformats.org/presentationml/2006/main">
+  <p:cSld>
+    <p:spTree>
+      <p:nvGrpSpPr>
+        <p:cNvPr id="1" name=""/>
+        <p:cNvGrpSpPr/>
+        <p:nvPr/>
+      </p:nvGrpSpPr>
+      <p:grpSpPr>
+        <a:xfrm>
+          <a:off x="0" y="0"/>
+          <a:ext cx="0" cy="0"/>
+          <a:chOff x="0" y="0"/>
+          <a:chExt cx="0" cy="0"/>
+        </a:xfrm>
+      </p:grpSpPr>
+      <p:sp>
+        <p:nvSpPr>
+          <p:cNvPr id="2" name="Slide Image Placeholder 1"/>
+          <p:cNvSpPr>
+            <a:spLocks noGrp="1" noRot="1" noChangeAspect="1"/>
+          </p:cNvSpPr>
+          <p:nvPr>
+            <p:ph type="sldImg"/>
+          </p:nvPr>
+        </p:nvSpPr>
+        <p:spPr/>
+      </p:sp>
+      <p:sp>
+        <p:nvSpPr>
+          <p:cNvPr id="3" name="Notes Placeholder 2"/>
+          <p:cNvSpPr>
+            <a:spLocks noGrp="1"/>
+          </p:cNvSpPr>
+          <p:nvPr>
+            <p:ph type="body" idx="1"/>
+          </p:nvPr>
+        </p:nvSpPr>
+        <p:spPr/>
+        <p:txBody>
+          <a:bodyPr>
+            <a:normAutofit/>
+          </a:bodyPr>
+          <a:lstStyle/>
+          <a:p>
+            <a:endParaRPr lang="en-US" sz="1200" b="0" i="0" kern="1200" dirty="0">
+              <a:solidFill>
+                <a:schemeClr val="tx1"/>
+              </a:solidFill>
+              <a:effectLst/>
+              <a:latin typeface="+mn-lt"/>
+              <a:ea typeface="+mn-ea"/>
+              <a:cs typeface="+mn-cs"/>
+            </a:endParaRPr>
+          </a:p>
+        </p:txBody>
+      </p:sp>
+      <p:sp>
+        <p:nvSpPr>
+          <p:cNvPr id="4" name="Slide Number Placeholder 3"/>
+          <p:cNvSpPr>
+            <a:spLocks noGrp="1"/>
+          </p:cNvSpPr>
+          <p:nvPr>
+            <p:ph type="sldNum" sz="quarter" idx="10"/>
+          </p:nvPr>
+        </p:nvSpPr>
+        <p:spPr/>
+        <p:txBody>
+          <a:bodyPr/>
+          <a:lstStyle/>
+          <a:p>
+            <a:fld id="{C18343ED-3762-4D46-A439-B4D407E13EF8}" type="slidenum">
+              <a:rPr lang="en-US" smtClean="0"/>
+              <a:pPr/>
+              <a:t>11</a:t>
+            </a:fld>
+            <a:endParaRPr lang="en-US"/>
+          </a:p>
+        </p:txBody>
+      </p:sp>
+    </p:spTree>
+    <p:extLst>
+      <p:ext uri="{BB962C8B-B14F-4D97-AF65-F5344CB8AC3E}">
+        <p14:creationId xmlns:p14="http://schemas.microsoft.com/office/powerpoint/2010/main" val="1385688163"/>
+      </p:ext>
+    </p:extLst>
+  </p:cSld>
+  <p:clrMapOvr>
+    <a:masterClrMapping/>
+  </p:clrMapOvr>
+</p:notes>
+</file>
+
+<file path=ppt/notesSlides/notesSlide11.xml><?xml version="1.0" encoding="utf-8"?>
+<p:notes xmlns:a="http://schemas.openxmlformats.org/drawingml/2006/main" xmlns:r="http://schemas.openxmlformats.org/officeDocument/2006/relationships" xmlns:p="http://schemas.openxmlformats.org/presentationml/2006/main">
+  <p:cSld>
+    <p:spTree>
+      <p:nvGrpSpPr>
+        <p:cNvPr id="1" name=""/>
+        <p:cNvGrpSpPr/>
+        <p:nvPr/>
+      </p:nvGrpSpPr>
+      <p:grpSpPr>
+        <a:xfrm>
+          <a:off x="0" y="0"/>
+          <a:ext cx="0" cy="0"/>
+          <a:chOff x="0" y="0"/>
+          <a:chExt cx="0" cy="0"/>
+        </a:xfrm>
+      </p:grpSpPr>
+      <p:sp>
+        <p:nvSpPr>
+          <p:cNvPr id="2" name="Slide Image Placeholder 1"/>
+          <p:cNvSpPr>
+            <a:spLocks noGrp="1" noRot="1" noChangeAspect="1"/>
+          </p:cNvSpPr>
+          <p:nvPr>
+            <p:ph type="sldImg"/>
+          </p:nvPr>
+        </p:nvSpPr>
+        <p:spPr/>
+      </p:sp>
+      <p:sp>
+        <p:nvSpPr>
+          <p:cNvPr id="3" name="Notes Placeholder 2"/>
+          <p:cNvSpPr>
+            <a:spLocks noGrp="1"/>
+          </p:cNvSpPr>
+          <p:nvPr>
+            <p:ph type="body" idx="1"/>
+          </p:nvPr>
+        </p:nvSpPr>
+        <p:spPr/>
+        <p:txBody>
+          <a:bodyPr>
+            <a:normAutofit/>
+          </a:bodyPr>
+          <a:lstStyle/>
+          <a:p>
+            <a:endParaRPr lang="en-US" sz="1200" b="0" i="0" kern="1200" dirty="0">
+              <a:solidFill>
+                <a:schemeClr val="tx1"/>
+              </a:solidFill>
+              <a:effectLst/>
+              <a:latin typeface="+mn-lt"/>
+              <a:ea typeface="+mn-ea"/>
+              <a:cs typeface="+mn-cs"/>
+            </a:endParaRPr>
+          </a:p>
+        </p:txBody>
+      </p:sp>
+      <p:sp>
+        <p:nvSpPr>
+          <p:cNvPr id="4" name="Slide Number Placeholder 3"/>
+          <p:cNvSpPr>
+            <a:spLocks noGrp="1"/>
+          </p:cNvSpPr>
+          <p:nvPr>
+            <p:ph type="sldNum" sz="quarter" idx="10"/>
+          </p:nvPr>
+        </p:nvSpPr>
+        <p:spPr/>
+        <p:txBody>
+          <a:bodyPr/>
+          <a:lstStyle/>
+          <a:p>
+            <a:fld id="{C18343ED-3762-4D46-A439-B4D407E13EF8}" type="slidenum">
+              <a:rPr lang="en-US" smtClean="0"/>
+              <a:pPr/>
+              <a:t>12</a:t>
+            </a:fld>
+            <a:endParaRPr lang="en-US"/>
+          </a:p>
+        </p:txBody>
+      </p:sp>
+    </p:spTree>
+    <p:extLst>
+      <p:ext uri="{BB962C8B-B14F-4D97-AF65-F5344CB8AC3E}">
+        <p14:creationId xmlns:p14="http://schemas.microsoft.com/office/powerpoint/2010/main" val="1098344002"/>
+      </p:ext>
+    </p:extLst>
+  </p:cSld>
+  <p:clrMapOvr>
+    <a:masterClrMapping/>
+  </p:clrMapOvr>
+</p:notes>
+</file>
+
+<file path=ppt/notesSlides/notesSlide12.xml><?xml version="1.0" encoding="utf-8"?>
+<p:notes xmlns:a="http://schemas.openxmlformats.org/drawingml/2006/main" xmlns:r="http://schemas.openxmlformats.org/officeDocument/2006/relationships" xmlns:p="http://schemas.openxmlformats.org/presentationml/2006/main">
+  <p:cSld>
+    <p:spTree>
+      <p:nvGrpSpPr>
+        <p:cNvPr id="1" name=""/>
+        <p:cNvGrpSpPr/>
+        <p:nvPr/>
+      </p:nvGrpSpPr>
+      <p:grpSpPr>
+        <a:xfrm>
+          <a:off x="0" y="0"/>
+          <a:ext cx="0" cy="0"/>
+          <a:chOff x="0" y="0"/>
+          <a:chExt cx="0" cy="0"/>
+        </a:xfrm>
+      </p:grpSpPr>
+      <p:sp>
+        <p:nvSpPr>
+          <p:cNvPr id="2" name="Slide Image Placeholder 1"/>
+          <p:cNvSpPr>
+            <a:spLocks noGrp="1" noRot="1" noChangeAspect="1"/>
+          </p:cNvSpPr>
+          <p:nvPr>
+            <p:ph type="sldImg"/>
+          </p:nvPr>
+        </p:nvSpPr>
+        <p:spPr/>
+      </p:sp>
+      <p:sp>
+        <p:nvSpPr>
+          <p:cNvPr id="3" name="Notes Placeholder 2"/>
+          <p:cNvSpPr>
+            <a:spLocks noGrp="1"/>
+          </p:cNvSpPr>
+          <p:nvPr>
+            <p:ph type="body" idx="1"/>
+          </p:nvPr>
+        </p:nvSpPr>
+        <p:spPr/>
+        <p:txBody>
+          <a:bodyPr>
+            <a:normAutofit/>
+          </a:bodyPr>
+          <a:lstStyle/>
+          <a:p>
+            <a:endParaRPr lang="en-US" sz="1200" b="0" i="0" kern="1200" dirty="0">
+              <a:solidFill>
+                <a:schemeClr val="tx1"/>
+              </a:solidFill>
+              <a:effectLst/>
+              <a:latin typeface="+mn-lt"/>
+              <a:ea typeface="+mn-ea"/>
+              <a:cs typeface="+mn-cs"/>
+            </a:endParaRPr>
+          </a:p>
+        </p:txBody>
+      </p:sp>
+      <p:sp>
+        <p:nvSpPr>
+          <p:cNvPr id="4" name="Slide Number Placeholder 3"/>
+          <p:cNvSpPr>
+            <a:spLocks noGrp="1"/>
+          </p:cNvSpPr>
+          <p:nvPr>
+            <p:ph type="sldNum" sz="quarter" idx="10"/>
+          </p:nvPr>
+        </p:nvSpPr>
+        <p:spPr/>
+        <p:txBody>
+          <a:bodyPr/>
+          <a:lstStyle/>
+          <a:p>
+            <a:fld id="{C18343ED-3762-4D46-A439-B4D407E13EF8}" type="slidenum">
+              <a:rPr lang="en-US" smtClean="0"/>
+              <a:pPr/>
+              <a:t>13</a:t>
+            </a:fld>
+            <a:endParaRPr lang="en-US"/>
+          </a:p>
+        </p:txBody>
+      </p:sp>
+    </p:spTree>
+    <p:extLst>
+      <p:ext uri="{BB962C8B-B14F-4D97-AF65-F5344CB8AC3E}">
+        <p14:creationId xmlns:p14="http://schemas.microsoft.com/office/powerpoint/2010/main" val="3061634417"/>
+      </p:ext>
+    </p:extLst>
+  </p:cSld>
+  <p:clrMapOvr>
+    <a:masterClrMapping/>
+  </p:clrMapOvr>
+</p:notes>
+</file>
+
+<file path=ppt/notesSlides/notesSlide13.xml><?xml version="1.0" encoding="utf-8"?>
+<p:notes xmlns:a="http://schemas.openxmlformats.org/drawingml/2006/main" xmlns:r="http://schemas.openxmlformats.org/officeDocument/2006/relationships" xmlns:p="http://schemas.openxmlformats.org/presentationml/2006/main">
+  <p:cSld>
+    <p:spTree>
+      <p:nvGrpSpPr>
+        <p:cNvPr id="1" name=""/>
+        <p:cNvGrpSpPr/>
+        <p:nvPr/>
+      </p:nvGrpSpPr>
+      <p:grpSpPr>
+        <a:xfrm>
+          <a:off x="0" y="0"/>
+          <a:ext cx="0" cy="0"/>
+          <a:chOff x="0" y="0"/>
+          <a:chExt cx="0" cy="0"/>
+        </a:xfrm>
+      </p:grpSpPr>
+      <p:sp>
+        <p:nvSpPr>
+          <p:cNvPr id="2" name="Slide Image Placeholder 1"/>
+          <p:cNvSpPr>
+            <a:spLocks noGrp="1" noRot="1" noChangeAspect="1"/>
+          </p:cNvSpPr>
+          <p:nvPr>
+            <p:ph type="sldImg"/>
+          </p:nvPr>
+        </p:nvSpPr>
+        <p:spPr/>
+      </p:sp>
+      <p:sp>
+        <p:nvSpPr>
+          <p:cNvPr id="3" name="Notes Placeholder 2"/>
+          <p:cNvSpPr>
+            <a:spLocks noGrp="1"/>
+          </p:cNvSpPr>
+          <p:nvPr>
+            <p:ph type="body" idx="1"/>
+          </p:nvPr>
+        </p:nvSpPr>
+        <p:spPr/>
+        <p:txBody>
+          <a:bodyPr>
+            <a:normAutofit/>
+          </a:bodyPr>
+          <a:lstStyle/>
+          <a:p>
+            <a:endParaRPr lang="en-US" sz="1200" b="0" i="0" kern="1200" dirty="0">
+              <a:solidFill>
+                <a:schemeClr val="tx1"/>
+              </a:solidFill>
+              <a:effectLst/>
+              <a:latin typeface="+mn-lt"/>
+              <a:ea typeface="+mn-ea"/>
+              <a:cs typeface="+mn-cs"/>
+            </a:endParaRPr>
+          </a:p>
+        </p:txBody>
+      </p:sp>
+      <p:sp>
+        <p:nvSpPr>
+          <p:cNvPr id="4" name="Slide Number Placeholder 3"/>
+          <p:cNvSpPr>
+            <a:spLocks noGrp="1"/>
+          </p:cNvSpPr>
+          <p:nvPr>
+            <p:ph type="sldNum" sz="quarter" idx="10"/>
+          </p:nvPr>
+        </p:nvSpPr>
+        <p:spPr/>
+        <p:txBody>
+          <a:bodyPr/>
+          <a:lstStyle/>
+          <a:p>
+            <a:fld id="{C18343ED-3762-4D46-A439-B4D407E13EF8}" type="slidenum">
+              <a:rPr lang="en-US" smtClean="0"/>
+              <a:pPr/>
+              <a:t>14</a:t>
+            </a:fld>
+            <a:endParaRPr lang="en-US"/>
+          </a:p>
+        </p:txBody>
+      </p:sp>
+    </p:spTree>
+    <p:extLst>
+      <p:ext uri="{BB962C8B-B14F-4D97-AF65-F5344CB8AC3E}">
+        <p14:creationId xmlns:p14="http://schemas.microsoft.com/office/powerpoint/2010/main" val="3178417288"/>
+      </p:ext>
+    </p:extLst>
+  </p:cSld>
+  <p:clrMapOvr>
+    <a:masterClrMapping/>
+  </p:clrMapOvr>
+</p:notes>
+</file>
+
+<file path=ppt/notesSlides/notesSlide14.xml><?xml version="1.0" encoding="utf-8"?>
+<p:notes xmlns:a="http://schemas.openxmlformats.org/drawingml/2006/main" xmlns:r="http://schemas.openxmlformats.org/officeDocument/2006/relationships" xmlns:p="http://schemas.openxmlformats.org/presentationml/2006/main">
+  <p:cSld>
+    <p:spTree>
+      <p:nvGrpSpPr>
+        <p:cNvPr id="1" name=""/>
+        <p:cNvGrpSpPr/>
+        <p:nvPr/>
+      </p:nvGrpSpPr>
+      <p:grpSpPr>
+        <a:xfrm>
+          <a:off x="0" y="0"/>
+          <a:ext cx="0" cy="0"/>
+          <a:chOff x="0" y="0"/>
+          <a:chExt cx="0" cy="0"/>
+        </a:xfrm>
+      </p:grpSpPr>
+      <p:sp>
+        <p:nvSpPr>
+          <p:cNvPr id="2" name="Slide Image Placeholder 1"/>
+          <p:cNvSpPr>
+            <a:spLocks noGrp="1" noRot="1" noChangeAspect="1"/>
+          </p:cNvSpPr>
+          <p:nvPr>
+            <p:ph type="sldImg"/>
+          </p:nvPr>
+        </p:nvSpPr>
+        <p:spPr/>
+      </p:sp>
+      <p:sp>
+        <p:nvSpPr>
+          <p:cNvPr id="3" name="Notes Placeholder 2"/>
+          <p:cNvSpPr>
+            <a:spLocks noGrp="1"/>
+          </p:cNvSpPr>
+          <p:nvPr>
+            <p:ph type="body" idx="1"/>
+          </p:nvPr>
+        </p:nvSpPr>
+        <p:spPr/>
+        <p:txBody>
+          <a:bodyPr>
+            <a:normAutofit/>
+          </a:bodyPr>
+          <a:lstStyle/>
+          <a:p>
+            <a:endParaRPr lang="en-US" sz="1200" b="0" i="0" kern="1200" dirty="0">
+              <a:solidFill>
+                <a:schemeClr val="tx1"/>
+              </a:solidFill>
+              <a:effectLst/>
+              <a:latin typeface="+mn-lt"/>
+              <a:ea typeface="+mn-ea"/>
+              <a:cs typeface="+mn-cs"/>
+            </a:endParaRPr>
+          </a:p>
+        </p:txBody>
+      </p:sp>
+      <p:sp>
+        <p:nvSpPr>
+          <p:cNvPr id="4" name="Slide Number Placeholder 3"/>
+          <p:cNvSpPr>
+            <a:spLocks noGrp="1"/>
+          </p:cNvSpPr>
+          <p:nvPr>
+            <p:ph type="sldNum" sz="quarter" idx="10"/>
+          </p:nvPr>
+        </p:nvSpPr>
+        <p:spPr/>
+        <p:txBody>
+          <a:bodyPr/>
+          <a:lstStyle/>
+          <a:p>
+            <a:fld id="{C18343ED-3762-4D46-A439-B4D407E13EF8}" type="slidenum">
+              <a:rPr lang="en-US" smtClean="0"/>
+              <a:pPr/>
+              <a:t>15</a:t>
+            </a:fld>
+            <a:endParaRPr lang="en-US"/>
+          </a:p>
+        </p:txBody>
+      </p:sp>
+    </p:spTree>
+    <p:extLst>
+      <p:ext uri="{BB962C8B-B14F-4D97-AF65-F5344CB8AC3E}">
+        <p14:creationId xmlns:p14="http://schemas.microsoft.com/office/powerpoint/2010/main" val="2657564473"/>
+      </p:ext>
+    </p:extLst>
+  </p:cSld>
+  <p:clrMapOvr>
+    <a:masterClrMapping/>
+  </p:clrMapOvr>
+</p:notes>
+</file>
+
+<file path=ppt/notesSlides/notesSlide15.xml><?xml version="1.0" encoding="utf-8"?>
+<p:notes xmlns:a="http://schemas.openxmlformats.org/drawingml/2006/main" xmlns:r="http://schemas.openxmlformats.org/officeDocument/2006/relationships" xmlns:p="http://schemas.openxmlformats.org/presentationml/2006/main">
+  <p:cSld>
+    <p:spTree>
+      <p:nvGrpSpPr>
+        <p:cNvPr id="1" name=""/>
+        <p:cNvGrpSpPr/>
+        <p:nvPr/>
+      </p:nvGrpSpPr>
+      <p:grpSpPr>
+        <a:xfrm>
+          <a:off x="0" y="0"/>
+          <a:ext cx="0" cy="0"/>
+          <a:chOff x="0" y="0"/>
+          <a:chExt cx="0" cy="0"/>
+        </a:xfrm>
+      </p:grpSpPr>
+      <p:sp>
+        <p:nvSpPr>
+          <p:cNvPr id="2" name="Slide Image Placeholder 1"/>
+          <p:cNvSpPr>
+            <a:spLocks noGrp="1" noRot="1" noChangeAspect="1"/>
+          </p:cNvSpPr>
+          <p:nvPr>
+            <p:ph type="sldImg"/>
+          </p:nvPr>
+        </p:nvSpPr>
+        <p:spPr/>
+      </p:sp>
+      <p:sp>
+        <p:nvSpPr>
+          <p:cNvPr id="3" name="Notes Placeholder 2"/>
+          <p:cNvSpPr>
+            <a:spLocks noGrp="1"/>
+          </p:cNvSpPr>
+          <p:nvPr>
+            <p:ph type="body" idx="1"/>
+          </p:nvPr>
+        </p:nvSpPr>
+        <p:spPr/>
+        <p:txBody>
+          <a:bodyPr>
+            <a:normAutofit/>
+          </a:bodyPr>
+          <a:lstStyle/>
+          <a:p>
+            <a:endParaRPr lang="en-US" sz="1200" b="0" i="0" kern="1200" dirty="0">
+              <a:solidFill>
+                <a:schemeClr val="tx1"/>
+              </a:solidFill>
+              <a:effectLst/>
+              <a:latin typeface="+mn-lt"/>
+              <a:ea typeface="+mn-ea"/>
+              <a:cs typeface="+mn-cs"/>
+            </a:endParaRPr>
+          </a:p>
+        </p:txBody>
+      </p:sp>
+      <p:sp>
+        <p:nvSpPr>
+          <p:cNvPr id="4" name="Slide Number Placeholder 3"/>
+          <p:cNvSpPr>
+            <a:spLocks noGrp="1"/>
+          </p:cNvSpPr>
+          <p:nvPr>
+            <p:ph type="sldNum" sz="quarter" idx="10"/>
+          </p:nvPr>
+        </p:nvSpPr>
+        <p:spPr/>
+        <p:txBody>
+          <a:bodyPr/>
+          <a:lstStyle/>
+          <a:p>
+            <a:fld id="{C18343ED-3762-4D46-A439-B4D407E13EF8}" type="slidenum">
+              <a:rPr lang="en-US" smtClean="0"/>
+              <a:pPr/>
+              <a:t>17</a:t>
+            </a:fld>
+            <a:endParaRPr lang="en-US"/>
+          </a:p>
+        </p:txBody>
+      </p:sp>
+    </p:spTree>
+    <p:extLst>
+      <p:ext uri="{BB962C8B-B14F-4D97-AF65-F5344CB8AC3E}">
+        <p14:creationId xmlns:p14="http://schemas.microsoft.com/office/powerpoint/2010/main" val="1560557773"/>
+      </p:ext>
+    </p:extLst>
+  </p:cSld>
+  <p:clrMapOvr>
+    <a:masterClrMapping/>
+  </p:clrMapOvr>
+</p:notes>
+</file>
+
+<file path=ppt/notesSlides/notesSlide16.xml><?xml version="1.0" encoding="utf-8"?>
+<p:notes xmlns:a="http://schemas.openxmlformats.org/drawingml/2006/main" xmlns:r="http://schemas.openxmlformats.org/officeDocument/2006/relationships" xmlns:p="http://schemas.openxmlformats.org/presentationml/2006/main">
+  <p:cSld>
+    <p:spTree>
+      <p:nvGrpSpPr>
+        <p:cNvPr id="1" name=""/>
+        <p:cNvGrpSpPr/>
+        <p:nvPr/>
+      </p:nvGrpSpPr>
+      <p:grpSpPr>
+        <a:xfrm>
+          <a:off x="0" y="0"/>
+          <a:ext cx="0" cy="0"/>
+          <a:chOff x="0" y="0"/>
+          <a:chExt cx="0" cy="0"/>
+        </a:xfrm>
+      </p:grpSpPr>
+      <p:sp>
+        <p:nvSpPr>
+          <p:cNvPr id="2" name="Slide Image Placeholder 1"/>
+          <p:cNvSpPr>
+            <a:spLocks noGrp="1" noRot="1" noChangeAspect="1"/>
+          </p:cNvSpPr>
+          <p:nvPr>
+            <p:ph type="sldImg"/>
+          </p:nvPr>
+        </p:nvSpPr>
+        <p:spPr/>
+      </p:sp>
+      <p:sp>
+        <p:nvSpPr>
+          <p:cNvPr id="3" name="Notes Placeholder 2"/>
+          <p:cNvSpPr>
+            <a:spLocks noGrp="1"/>
+          </p:cNvSpPr>
+          <p:nvPr>
+            <p:ph type="body" idx="1"/>
+          </p:nvPr>
+        </p:nvSpPr>
+        <p:spPr/>
+        <p:txBody>
+          <a:bodyPr>
+            <a:normAutofit/>
+          </a:bodyPr>
+          <a:lstStyle/>
+          <a:p>
+            <a:endParaRPr lang="en-US" sz="1200" b="0" i="0" kern="1200" dirty="0">
+              <a:solidFill>
+                <a:schemeClr val="tx1"/>
+              </a:solidFill>
+              <a:effectLst/>
+              <a:latin typeface="+mn-lt"/>
+              <a:ea typeface="+mn-ea"/>
+              <a:cs typeface="+mn-cs"/>
+            </a:endParaRPr>
+          </a:p>
+        </p:txBody>
+      </p:sp>
+      <p:sp>
+        <p:nvSpPr>
+          <p:cNvPr id="4" name="Slide Number Placeholder 3"/>
+          <p:cNvSpPr>
+            <a:spLocks noGrp="1"/>
+          </p:cNvSpPr>
+          <p:nvPr>
+            <p:ph type="sldNum" sz="quarter" idx="10"/>
+          </p:nvPr>
+        </p:nvSpPr>
+        <p:spPr/>
+        <p:txBody>
+          <a:bodyPr/>
+          <a:lstStyle/>
+          <a:p>
+            <a:fld id="{C18343ED-3762-4D46-A439-B4D407E13EF8}" type="slidenum">
+              <a:rPr lang="en-US" smtClean="0"/>
+              <a:pPr/>
+              <a:t>18</a:t>
+            </a:fld>
+            <a:endParaRPr lang="en-US"/>
+          </a:p>
+        </p:txBody>
+      </p:sp>
+    </p:spTree>
+    <p:extLst>
+      <p:ext uri="{BB962C8B-B14F-4D97-AF65-F5344CB8AC3E}">
+        <p14:creationId xmlns:p14="http://schemas.microsoft.com/office/powerpoint/2010/main" val="3209468193"/>
+      </p:ext>
+    </p:extLst>
+  </p:cSld>
+  <p:clrMapOvr>
+    <a:masterClrMapping/>
+  </p:clrMapOvr>
+</p:notes>
+</file>
+
+<file path=ppt/notesSlides/notesSlide17.xml><?xml version="1.0" encoding="utf-8"?>
+<p:notes xmlns:a="http://schemas.openxmlformats.org/drawingml/2006/main" xmlns:r="http://schemas.openxmlformats.org/officeDocument/2006/relationships" xmlns:p="http://schemas.openxmlformats.org/presentationml/2006/main">
+  <p:cSld>
+    <p:spTree>
+      <p:nvGrpSpPr>
+        <p:cNvPr id="1" name=""/>
+        <p:cNvGrpSpPr/>
+        <p:nvPr/>
+      </p:nvGrpSpPr>
+      <p:grpSpPr>
+        <a:xfrm>
+          <a:off x="0" y="0"/>
+          <a:ext cx="0" cy="0"/>
+          <a:chOff x="0" y="0"/>
+          <a:chExt cx="0" cy="0"/>
+        </a:xfrm>
+      </p:grpSpPr>
+      <p:sp>
+        <p:nvSpPr>
+          <p:cNvPr id="2" name="Slide Image Placeholder 1"/>
+          <p:cNvSpPr>
+            <a:spLocks noGrp="1" noRot="1" noChangeAspect="1"/>
+          </p:cNvSpPr>
+          <p:nvPr>
+            <p:ph type="sldImg"/>
+          </p:nvPr>
+        </p:nvSpPr>
+        <p:spPr/>
+      </p:sp>
+      <p:sp>
+        <p:nvSpPr>
+          <p:cNvPr id="3" name="Notes Placeholder 2"/>
+          <p:cNvSpPr>
+            <a:spLocks noGrp="1"/>
+          </p:cNvSpPr>
+          <p:nvPr>
+            <p:ph type="body" idx="1"/>
+          </p:nvPr>
+        </p:nvSpPr>
+        <p:spPr/>
+        <p:txBody>
+          <a:bodyPr>
+            <a:normAutofit/>
+          </a:bodyPr>
+          <a:lstStyle/>
+          <a:p>
+            <a:endParaRPr lang="en-US" sz="1200" b="0" i="0" kern="1200" dirty="0">
+              <a:solidFill>
+                <a:schemeClr val="tx1"/>
+              </a:solidFill>
+              <a:effectLst/>
+              <a:latin typeface="+mn-lt"/>
+              <a:ea typeface="+mn-ea"/>
+              <a:cs typeface="+mn-cs"/>
+            </a:endParaRPr>
+          </a:p>
+        </p:txBody>
+      </p:sp>
+      <p:sp>
+        <p:nvSpPr>
+          <p:cNvPr id="4" name="Slide Number Placeholder 3"/>
+          <p:cNvSpPr>
+            <a:spLocks noGrp="1"/>
+          </p:cNvSpPr>
+          <p:nvPr>
+            <p:ph type="sldNum" sz="quarter" idx="10"/>
+          </p:nvPr>
+        </p:nvSpPr>
+        <p:spPr/>
+        <p:txBody>
+          <a:bodyPr/>
+          <a:lstStyle/>
+          <a:p>
+            <a:fld id="{C18343ED-3762-4D46-A439-B4D407E13EF8}" type="slidenum">
+              <a:rPr lang="en-US" smtClean="0"/>
+              <a:pPr/>
+              <a:t>19</a:t>
+            </a:fld>
+            <a:endParaRPr lang="en-US"/>
+          </a:p>
+        </p:txBody>
+      </p:sp>
+    </p:spTree>
+    <p:extLst>
+      <p:ext uri="{BB962C8B-B14F-4D97-AF65-F5344CB8AC3E}">
+        <p14:creationId xmlns:p14="http://schemas.microsoft.com/office/powerpoint/2010/main" val="1211123092"/>
+      </p:ext>
+    </p:extLst>
+  </p:cSld>
+  <p:clrMapOvr>
+    <a:masterClrMapping/>
+  </p:clrMapOvr>
+</p:notes>
+</file>
+
+<file path=ppt/notesSlides/notesSlide18.xml><?xml version="1.0" encoding="utf-8"?>
+<p:notes xmlns:a="http://schemas.openxmlformats.org/drawingml/2006/main" xmlns:r="http://schemas.openxmlformats.org/officeDocument/2006/relationships" xmlns:p="http://schemas.openxmlformats.org/presentationml/2006/main">
+  <p:cSld>
+    <p:spTree>
+      <p:nvGrpSpPr>
+        <p:cNvPr id="1" name=""/>
+        <p:cNvGrpSpPr/>
+        <p:nvPr/>
+      </p:nvGrpSpPr>
+      <p:grpSpPr>
+        <a:xfrm>
+          <a:off x="0" y="0"/>
+          <a:ext cx="0" cy="0"/>
+          <a:chOff x="0" y="0"/>
+          <a:chExt cx="0" cy="0"/>
+        </a:xfrm>
+      </p:grpSpPr>
+      <p:sp>
+        <p:nvSpPr>
+          <p:cNvPr id="2" name="Slide Image Placeholder 1"/>
+          <p:cNvSpPr>
+            <a:spLocks noGrp="1" noRot="1" noChangeAspect="1"/>
+          </p:cNvSpPr>
+          <p:nvPr>
+            <p:ph type="sldImg"/>
+          </p:nvPr>
+        </p:nvSpPr>
+        <p:spPr/>
+      </p:sp>
+      <p:sp>
+        <p:nvSpPr>
+          <p:cNvPr id="3" name="Notes Placeholder 2"/>
+          <p:cNvSpPr>
+            <a:spLocks noGrp="1"/>
+          </p:cNvSpPr>
+          <p:nvPr>
+            <p:ph type="body" idx="1"/>
+          </p:nvPr>
+        </p:nvSpPr>
+        <p:spPr/>
+        <p:txBody>
+          <a:bodyPr>
+            <a:normAutofit/>
+          </a:bodyPr>
+          <a:lstStyle/>
+          <a:p>
+            <a:endParaRPr lang="en-US" sz="1200" b="0" i="0" kern="1200" dirty="0">
+              <a:solidFill>
+                <a:schemeClr val="tx1"/>
+              </a:solidFill>
+              <a:effectLst/>
+              <a:latin typeface="+mn-lt"/>
+              <a:ea typeface="+mn-ea"/>
+              <a:cs typeface="+mn-cs"/>
+            </a:endParaRPr>
+          </a:p>
+        </p:txBody>
+      </p:sp>
+      <p:sp>
+        <p:nvSpPr>
+          <p:cNvPr id="4" name="Slide Number Placeholder 3"/>
+          <p:cNvSpPr>
+            <a:spLocks noGrp="1"/>
+          </p:cNvSpPr>
+          <p:nvPr>
+            <p:ph type="sldNum" sz="quarter" idx="10"/>
+          </p:nvPr>
+        </p:nvSpPr>
+        <p:spPr/>
+        <p:txBody>
+          <a:bodyPr/>
+          <a:lstStyle/>
+          <a:p>
+            <a:fld id="{C18343ED-3762-4D46-A439-B4D407E13EF8}" type="slidenum">
+              <a:rPr lang="en-US" smtClean="0"/>
+              <a:pPr/>
+              <a:t>20</a:t>
+            </a:fld>
+            <a:endParaRPr lang="en-US"/>
+          </a:p>
+        </p:txBody>
+      </p:sp>
+    </p:spTree>
+    <p:extLst>
+      <p:ext uri="{BB962C8B-B14F-4D97-AF65-F5344CB8AC3E}">
+        <p14:creationId xmlns:p14="http://schemas.microsoft.com/office/powerpoint/2010/main" val="2894097483"/>
+      </p:ext>
+    </p:extLst>
+  </p:cSld>
+  <p:clrMapOvr>
+    <a:masterClrMapping/>
+  </p:clrMapOvr>
+</p:notes>
+</file>
+
+<file path=ppt/notesSlides/notesSlide19.xml><?xml version="1.0" encoding="utf-8"?>
+<p:notes xmlns:a="http://schemas.openxmlformats.org/drawingml/2006/main" xmlns:r="http://schemas.openxmlformats.org/officeDocument/2006/relationships" xmlns:p="http://schemas.openxmlformats.org/presentationml/2006/main">
+  <p:cSld>
+    <p:spTree>
+      <p:nvGrpSpPr>
+        <p:cNvPr id="1" name=""/>
+        <p:cNvGrpSpPr/>
+        <p:nvPr/>
+      </p:nvGrpSpPr>
+      <p:grpSpPr>
+        <a:xfrm>
+          <a:off x="0" y="0"/>
+          <a:ext cx="0" cy="0"/>
+          <a:chOff x="0" y="0"/>
+          <a:chExt cx="0" cy="0"/>
+        </a:xfrm>
+      </p:grpSpPr>
+      <p:sp>
+        <p:nvSpPr>
+          <p:cNvPr id="2" name="Slide Image Placeholder 1"/>
+          <p:cNvSpPr>
+            <a:spLocks noGrp="1" noRot="1" noChangeAspect="1"/>
+          </p:cNvSpPr>
+          <p:nvPr>
+            <p:ph type="sldImg"/>
+          </p:nvPr>
+        </p:nvSpPr>
+        <p:spPr/>
+      </p:sp>
+      <p:sp>
+        <p:nvSpPr>
+          <p:cNvPr id="3" name="Notes Placeholder 2"/>
+          <p:cNvSpPr>
+            <a:spLocks noGrp="1"/>
+          </p:cNvSpPr>
+          <p:nvPr>
+            <p:ph type="body" idx="1"/>
+          </p:nvPr>
+        </p:nvSpPr>
+        <p:spPr/>
+        <p:txBody>
+          <a:bodyPr>
+            <a:normAutofit/>
+          </a:bodyPr>
+          <a:lstStyle/>
+          <a:p>
+            <a:endParaRPr lang="en-US" sz="1200" b="0" i="0" kern="1200" dirty="0">
+              <a:solidFill>
+                <a:schemeClr val="tx1"/>
+              </a:solidFill>
+              <a:effectLst/>
+              <a:latin typeface="+mn-lt"/>
+              <a:ea typeface="+mn-ea"/>
+              <a:cs typeface="+mn-cs"/>
+            </a:endParaRPr>
+          </a:p>
+        </p:txBody>
+      </p:sp>
+      <p:sp>
+        <p:nvSpPr>
+          <p:cNvPr id="4" name="Slide Number Placeholder 3"/>
+          <p:cNvSpPr>
+            <a:spLocks noGrp="1"/>
+          </p:cNvSpPr>
+          <p:nvPr>
+            <p:ph type="sldNum" sz="quarter" idx="10"/>
+          </p:nvPr>
+        </p:nvSpPr>
+        <p:spPr/>
+        <p:txBody>
+          <a:bodyPr/>
+          <a:lstStyle/>
+          <a:p>
+            <a:fld id="{C18343ED-3762-4D46-A439-B4D407E13EF8}" type="slidenum">
+              <a:rPr lang="en-US" smtClean="0"/>
+              <a:pPr/>
+              <a:t>21</a:t>
+            </a:fld>
+            <a:endParaRPr lang="en-US"/>
+          </a:p>
+        </p:txBody>
+      </p:sp>
+    </p:spTree>
+    <p:extLst>
+      <p:ext uri="{BB962C8B-B14F-4D97-AF65-F5344CB8AC3E}">
+        <p14:creationId xmlns:p14="http://schemas.microsoft.com/office/powerpoint/2010/main" val="586796419"/>
+      </p:ext>
+    </p:extLst>
+  </p:cSld>
+  <p:clrMapOvr>
+    <a:masterClrMapping/>
+  </p:clrMapOvr>
+</p:notes>
+</file>
+
 <file path=ppt/notesSlides/notesSlide2.xml><?xml version="1.0" encoding="utf-8"?>
 <p:notes xmlns:a="http://schemas.openxmlformats.org/drawingml/2006/main" xmlns:r="http://schemas.openxmlformats.org/officeDocument/2006/relationships" xmlns:p="http://schemas.openxmlformats.org/presentationml/2006/main">
   <p:cSld>
@@ -671,6 +1636,101 @@
     <p:extLst>
       <p:ext uri="{BB962C8B-B14F-4D97-AF65-F5344CB8AC3E}">
         <p14:creationId xmlns:p14="http://schemas.microsoft.com/office/powerpoint/2010/main" val="2459937507"/>
+      </p:ext>
+    </p:extLst>
+  </p:cSld>
+  <p:clrMapOvr>
+    <a:masterClrMapping/>
+  </p:clrMapOvr>
+</p:notes>
+</file>
+
+<file path=ppt/notesSlides/notesSlide20.xml><?xml version="1.0" encoding="utf-8"?>
+<p:notes xmlns:a="http://schemas.openxmlformats.org/drawingml/2006/main" xmlns:r="http://schemas.openxmlformats.org/officeDocument/2006/relationships" xmlns:p="http://schemas.openxmlformats.org/presentationml/2006/main">
+  <p:cSld>
+    <p:spTree>
+      <p:nvGrpSpPr>
+        <p:cNvPr id="1" name=""/>
+        <p:cNvGrpSpPr/>
+        <p:nvPr/>
+      </p:nvGrpSpPr>
+      <p:grpSpPr>
+        <a:xfrm>
+          <a:off x="0" y="0"/>
+          <a:ext cx="0" cy="0"/>
+          <a:chOff x="0" y="0"/>
+          <a:chExt cx="0" cy="0"/>
+        </a:xfrm>
+      </p:grpSpPr>
+      <p:sp>
+        <p:nvSpPr>
+          <p:cNvPr id="2" name="Slide Image Placeholder 1"/>
+          <p:cNvSpPr>
+            <a:spLocks noGrp="1" noRot="1" noChangeAspect="1"/>
+          </p:cNvSpPr>
+          <p:nvPr>
+            <p:ph type="sldImg"/>
+          </p:nvPr>
+        </p:nvSpPr>
+        <p:spPr/>
+      </p:sp>
+      <p:sp>
+        <p:nvSpPr>
+          <p:cNvPr id="3" name="Notes Placeholder 2"/>
+          <p:cNvSpPr>
+            <a:spLocks noGrp="1"/>
+          </p:cNvSpPr>
+          <p:nvPr>
+            <p:ph type="body" idx="1"/>
+          </p:nvPr>
+        </p:nvSpPr>
+        <p:spPr/>
+        <p:txBody>
+          <a:bodyPr>
+            <a:normAutofit/>
+          </a:bodyPr>
+          <a:lstStyle/>
+          <a:p>
+            <a:endParaRPr lang="en-US" sz="1200" b="0" i="0" kern="1200" dirty="0">
+              <a:solidFill>
+                <a:schemeClr val="tx1"/>
+              </a:solidFill>
+              <a:effectLst/>
+              <a:latin typeface="+mn-lt"/>
+              <a:ea typeface="+mn-ea"/>
+              <a:cs typeface="+mn-cs"/>
+            </a:endParaRPr>
+          </a:p>
+        </p:txBody>
+      </p:sp>
+      <p:sp>
+        <p:nvSpPr>
+          <p:cNvPr id="4" name="Slide Number Placeholder 3"/>
+          <p:cNvSpPr>
+            <a:spLocks noGrp="1"/>
+          </p:cNvSpPr>
+          <p:nvPr>
+            <p:ph type="sldNum" sz="quarter" idx="10"/>
+          </p:nvPr>
+        </p:nvSpPr>
+        <p:spPr/>
+        <p:txBody>
+          <a:bodyPr/>
+          <a:lstStyle/>
+          <a:p>
+            <a:fld id="{C18343ED-3762-4D46-A439-B4D407E13EF8}" type="slidenum">
+              <a:rPr lang="en-US" smtClean="0"/>
+              <a:pPr/>
+              <a:t>22</a:t>
+            </a:fld>
+            <a:endParaRPr lang="en-US"/>
+          </a:p>
+        </p:txBody>
+      </p:sp>
+    </p:spTree>
+    <p:extLst>
+      <p:ext uri="{BB962C8B-B14F-4D97-AF65-F5344CB8AC3E}">
+        <p14:creationId xmlns:p14="http://schemas.microsoft.com/office/powerpoint/2010/main" val="3159338216"/>
       </p:ext>
     </p:extLst>
   </p:cSld>
@@ -1027,6 +2087,291 @@
     <p:extLst>
       <p:ext uri="{BB962C8B-B14F-4D97-AF65-F5344CB8AC3E}">
         <p14:creationId xmlns:p14="http://schemas.microsoft.com/office/powerpoint/2010/main" val="3262400561"/>
+      </p:ext>
+    </p:extLst>
+  </p:cSld>
+  <p:clrMapOvr>
+    <a:masterClrMapping/>
+  </p:clrMapOvr>
+</p:notes>
+</file>
+
+<file path=ppt/notesSlides/notesSlide7.xml><?xml version="1.0" encoding="utf-8"?>
+<p:notes xmlns:a="http://schemas.openxmlformats.org/drawingml/2006/main" xmlns:r="http://schemas.openxmlformats.org/officeDocument/2006/relationships" xmlns:p="http://schemas.openxmlformats.org/presentationml/2006/main">
+  <p:cSld>
+    <p:spTree>
+      <p:nvGrpSpPr>
+        <p:cNvPr id="1" name=""/>
+        <p:cNvGrpSpPr/>
+        <p:nvPr/>
+      </p:nvGrpSpPr>
+      <p:grpSpPr>
+        <a:xfrm>
+          <a:off x="0" y="0"/>
+          <a:ext cx="0" cy="0"/>
+          <a:chOff x="0" y="0"/>
+          <a:chExt cx="0" cy="0"/>
+        </a:xfrm>
+      </p:grpSpPr>
+      <p:sp>
+        <p:nvSpPr>
+          <p:cNvPr id="2" name="Slide Image Placeholder 1"/>
+          <p:cNvSpPr>
+            <a:spLocks noGrp="1" noRot="1" noChangeAspect="1"/>
+          </p:cNvSpPr>
+          <p:nvPr>
+            <p:ph type="sldImg"/>
+          </p:nvPr>
+        </p:nvSpPr>
+        <p:spPr/>
+      </p:sp>
+      <p:sp>
+        <p:nvSpPr>
+          <p:cNvPr id="3" name="Notes Placeholder 2"/>
+          <p:cNvSpPr>
+            <a:spLocks noGrp="1"/>
+          </p:cNvSpPr>
+          <p:nvPr>
+            <p:ph type="body" idx="1"/>
+          </p:nvPr>
+        </p:nvSpPr>
+        <p:spPr/>
+        <p:txBody>
+          <a:bodyPr>
+            <a:normAutofit/>
+          </a:bodyPr>
+          <a:lstStyle/>
+          <a:p>
+            <a:endParaRPr lang="en-US" sz="1200" b="0" i="0" kern="1200" dirty="0">
+              <a:solidFill>
+                <a:schemeClr val="tx1"/>
+              </a:solidFill>
+              <a:effectLst/>
+              <a:latin typeface="+mn-lt"/>
+              <a:ea typeface="+mn-ea"/>
+              <a:cs typeface="+mn-cs"/>
+            </a:endParaRPr>
+          </a:p>
+        </p:txBody>
+      </p:sp>
+      <p:sp>
+        <p:nvSpPr>
+          <p:cNvPr id="4" name="Slide Number Placeholder 3"/>
+          <p:cNvSpPr>
+            <a:spLocks noGrp="1"/>
+          </p:cNvSpPr>
+          <p:nvPr>
+            <p:ph type="sldNum" sz="quarter" idx="10"/>
+          </p:nvPr>
+        </p:nvSpPr>
+        <p:spPr/>
+        <p:txBody>
+          <a:bodyPr/>
+          <a:lstStyle/>
+          <a:p>
+            <a:fld id="{C18343ED-3762-4D46-A439-B4D407E13EF8}" type="slidenum">
+              <a:rPr lang="en-US" smtClean="0"/>
+              <a:pPr/>
+              <a:t>8</a:t>
+            </a:fld>
+            <a:endParaRPr lang="en-US"/>
+          </a:p>
+        </p:txBody>
+      </p:sp>
+    </p:spTree>
+    <p:extLst>
+      <p:ext uri="{BB962C8B-B14F-4D97-AF65-F5344CB8AC3E}">
+        <p14:creationId xmlns:p14="http://schemas.microsoft.com/office/powerpoint/2010/main" val="4187943552"/>
+      </p:ext>
+    </p:extLst>
+  </p:cSld>
+  <p:clrMapOvr>
+    <a:masterClrMapping/>
+  </p:clrMapOvr>
+</p:notes>
+</file>
+
+<file path=ppt/notesSlides/notesSlide8.xml><?xml version="1.0" encoding="utf-8"?>
+<p:notes xmlns:a="http://schemas.openxmlformats.org/drawingml/2006/main" xmlns:r="http://schemas.openxmlformats.org/officeDocument/2006/relationships" xmlns:p="http://schemas.openxmlformats.org/presentationml/2006/main">
+  <p:cSld>
+    <p:spTree>
+      <p:nvGrpSpPr>
+        <p:cNvPr id="1" name=""/>
+        <p:cNvGrpSpPr/>
+        <p:nvPr/>
+      </p:nvGrpSpPr>
+      <p:grpSpPr>
+        <a:xfrm>
+          <a:off x="0" y="0"/>
+          <a:ext cx="0" cy="0"/>
+          <a:chOff x="0" y="0"/>
+          <a:chExt cx="0" cy="0"/>
+        </a:xfrm>
+      </p:grpSpPr>
+      <p:sp>
+        <p:nvSpPr>
+          <p:cNvPr id="2" name="Slide Image Placeholder 1"/>
+          <p:cNvSpPr>
+            <a:spLocks noGrp="1" noRot="1" noChangeAspect="1"/>
+          </p:cNvSpPr>
+          <p:nvPr>
+            <p:ph type="sldImg"/>
+          </p:nvPr>
+        </p:nvSpPr>
+        <p:spPr/>
+      </p:sp>
+      <p:sp>
+        <p:nvSpPr>
+          <p:cNvPr id="3" name="Notes Placeholder 2"/>
+          <p:cNvSpPr>
+            <a:spLocks noGrp="1"/>
+          </p:cNvSpPr>
+          <p:nvPr>
+            <p:ph type="body" idx="1"/>
+          </p:nvPr>
+        </p:nvSpPr>
+        <p:spPr/>
+        <p:txBody>
+          <a:bodyPr>
+            <a:normAutofit/>
+          </a:bodyPr>
+          <a:lstStyle/>
+          <a:p>
+            <a:endParaRPr lang="en-US" sz="1200" b="0" i="0" kern="1200" dirty="0">
+              <a:solidFill>
+                <a:schemeClr val="tx1"/>
+              </a:solidFill>
+              <a:effectLst/>
+              <a:latin typeface="+mn-lt"/>
+              <a:ea typeface="+mn-ea"/>
+              <a:cs typeface="+mn-cs"/>
+            </a:endParaRPr>
+          </a:p>
+        </p:txBody>
+      </p:sp>
+      <p:sp>
+        <p:nvSpPr>
+          <p:cNvPr id="4" name="Slide Number Placeholder 3"/>
+          <p:cNvSpPr>
+            <a:spLocks noGrp="1"/>
+          </p:cNvSpPr>
+          <p:nvPr>
+            <p:ph type="sldNum" sz="quarter" idx="10"/>
+          </p:nvPr>
+        </p:nvSpPr>
+        <p:spPr/>
+        <p:txBody>
+          <a:bodyPr/>
+          <a:lstStyle/>
+          <a:p>
+            <a:fld id="{C18343ED-3762-4D46-A439-B4D407E13EF8}" type="slidenum">
+              <a:rPr lang="en-US" smtClean="0"/>
+              <a:pPr/>
+              <a:t>9</a:t>
+            </a:fld>
+            <a:endParaRPr lang="en-US"/>
+          </a:p>
+        </p:txBody>
+      </p:sp>
+    </p:spTree>
+    <p:extLst>
+      <p:ext uri="{BB962C8B-B14F-4D97-AF65-F5344CB8AC3E}">
+        <p14:creationId xmlns:p14="http://schemas.microsoft.com/office/powerpoint/2010/main" val="4242482447"/>
+      </p:ext>
+    </p:extLst>
+  </p:cSld>
+  <p:clrMapOvr>
+    <a:masterClrMapping/>
+  </p:clrMapOvr>
+</p:notes>
+</file>
+
+<file path=ppt/notesSlides/notesSlide9.xml><?xml version="1.0" encoding="utf-8"?>
+<p:notes xmlns:a="http://schemas.openxmlformats.org/drawingml/2006/main" xmlns:r="http://schemas.openxmlformats.org/officeDocument/2006/relationships" xmlns:p="http://schemas.openxmlformats.org/presentationml/2006/main">
+  <p:cSld>
+    <p:spTree>
+      <p:nvGrpSpPr>
+        <p:cNvPr id="1" name=""/>
+        <p:cNvGrpSpPr/>
+        <p:nvPr/>
+      </p:nvGrpSpPr>
+      <p:grpSpPr>
+        <a:xfrm>
+          <a:off x="0" y="0"/>
+          <a:ext cx="0" cy="0"/>
+          <a:chOff x="0" y="0"/>
+          <a:chExt cx="0" cy="0"/>
+        </a:xfrm>
+      </p:grpSpPr>
+      <p:sp>
+        <p:nvSpPr>
+          <p:cNvPr id="2" name="Slide Image Placeholder 1"/>
+          <p:cNvSpPr>
+            <a:spLocks noGrp="1" noRot="1" noChangeAspect="1"/>
+          </p:cNvSpPr>
+          <p:nvPr>
+            <p:ph type="sldImg"/>
+          </p:nvPr>
+        </p:nvSpPr>
+        <p:spPr/>
+      </p:sp>
+      <p:sp>
+        <p:nvSpPr>
+          <p:cNvPr id="3" name="Notes Placeholder 2"/>
+          <p:cNvSpPr>
+            <a:spLocks noGrp="1"/>
+          </p:cNvSpPr>
+          <p:nvPr>
+            <p:ph type="body" idx="1"/>
+          </p:nvPr>
+        </p:nvSpPr>
+        <p:spPr/>
+        <p:txBody>
+          <a:bodyPr>
+            <a:normAutofit/>
+          </a:bodyPr>
+          <a:lstStyle/>
+          <a:p>
+            <a:endParaRPr lang="en-US" sz="1200" b="0" i="0" kern="1200" dirty="0">
+              <a:solidFill>
+                <a:schemeClr val="tx1"/>
+              </a:solidFill>
+              <a:effectLst/>
+              <a:latin typeface="+mn-lt"/>
+              <a:ea typeface="+mn-ea"/>
+              <a:cs typeface="+mn-cs"/>
+            </a:endParaRPr>
+          </a:p>
+        </p:txBody>
+      </p:sp>
+      <p:sp>
+        <p:nvSpPr>
+          <p:cNvPr id="4" name="Slide Number Placeholder 3"/>
+          <p:cNvSpPr>
+            <a:spLocks noGrp="1"/>
+          </p:cNvSpPr>
+          <p:nvPr>
+            <p:ph type="sldNum" sz="quarter" idx="10"/>
+          </p:nvPr>
+        </p:nvSpPr>
+        <p:spPr/>
+        <p:txBody>
+          <a:bodyPr/>
+          <a:lstStyle/>
+          <a:p>
+            <a:fld id="{C18343ED-3762-4D46-A439-B4D407E13EF8}" type="slidenum">
+              <a:rPr lang="en-US" smtClean="0"/>
+              <a:pPr/>
+              <a:t>10</a:t>
+            </a:fld>
+            <a:endParaRPr lang="en-US"/>
+          </a:p>
+        </p:txBody>
+      </p:sp>
+    </p:spTree>
+    <p:extLst>
+      <p:ext uri="{BB962C8B-B14F-4D97-AF65-F5344CB8AC3E}">
+        <p14:creationId xmlns:p14="http://schemas.microsoft.com/office/powerpoint/2010/main" val="1185191722"/>
       </p:ext>
     </p:extLst>
   </p:cSld>
@@ -6146,6 +7491,1877 @@
 </p:sld>
 </file>
 
+<file path=ppt/slides/slide10.xml><?xml version="1.0" encoding="utf-8"?>
+<p:sld xmlns:a="http://schemas.openxmlformats.org/drawingml/2006/main" xmlns:r="http://schemas.openxmlformats.org/officeDocument/2006/relationships" xmlns:p="http://schemas.openxmlformats.org/presentationml/2006/main">
+  <p:cSld>
+    <p:spTree>
+      <p:nvGrpSpPr>
+        <p:cNvPr id="1" name=""/>
+        <p:cNvGrpSpPr/>
+        <p:nvPr/>
+      </p:nvGrpSpPr>
+      <p:grpSpPr>
+        <a:xfrm>
+          <a:off x="0" y="0"/>
+          <a:ext cx="0" cy="0"/>
+          <a:chOff x="0" y="0"/>
+          <a:chExt cx="0" cy="0"/>
+        </a:xfrm>
+      </p:grpSpPr>
+      <p:sp>
+        <p:nvSpPr>
+          <p:cNvPr id="2" name="Title 1"/>
+          <p:cNvSpPr>
+            <a:spLocks noGrp="1"/>
+          </p:cNvSpPr>
+          <p:nvPr>
+            <p:ph type="title"/>
+          </p:nvPr>
+        </p:nvSpPr>
+        <p:spPr/>
+        <p:txBody>
+          <a:bodyPr>
+            <a:normAutofit/>
+          </a:bodyPr>
+          <a:lstStyle/>
+          <a:p>
+            <a:r>
+              <a:rPr lang="en-US" dirty="0"/>
+              <a:t>AWS SAM</a:t>
+            </a:r>
+          </a:p>
+        </p:txBody>
+      </p:sp>
+      <p:sp>
+        <p:nvSpPr>
+          <p:cNvPr id="5" name="Content Placeholder 4">
+            <a:extLst>
+              <a:ext uri="{FF2B5EF4-FFF2-40B4-BE49-F238E27FC236}">
+                <a16:creationId xmlns:a16="http://schemas.microsoft.com/office/drawing/2014/main" id="{63F591BC-ACCE-834D-80A0-C88EB6FD5E33}"/>
+              </a:ext>
+            </a:extLst>
+          </p:cNvPr>
+          <p:cNvSpPr>
+            <a:spLocks noGrp="1"/>
+          </p:cNvSpPr>
+          <p:nvPr>
+            <p:ph idx="1"/>
+          </p:nvPr>
+        </p:nvSpPr>
+        <p:spPr/>
+        <p:txBody>
+          <a:bodyPr>
+            <a:normAutofit/>
+          </a:bodyPr>
+          <a:lstStyle/>
+          <a:p>
+            <a:r>
+              <a:rPr lang="en-US" dirty="0"/>
+              <a:t>The Unicorn API includes Amazon API Gateway HTTP endpoints that trigger AWS Lambda functions that read and write data to an Amazon DynamoDB database. </a:t>
+            </a:r>
+          </a:p>
+          <a:p>
+            <a:r>
+              <a:rPr lang="en-US" dirty="0"/>
+              <a:t>The SAM template for the Unicorn API describes a DynamoDB table with a hash key and Lambda functions to list, view and update Unicorns in the Wild </a:t>
+            </a:r>
+            <a:r>
+              <a:rPr lang="en-US" dirty="0" err="1"/>
+              <a:t>Rydes</a:t>
+            </a:r>
+            <a:r>
+              <a:rPr lang="en-US" dirty="0"/>
+              <a:t> stable.</a:t>
+            </a:r>
+            <a:br>
+              <a:rPr lang="en-US" dirty="0"/>
+            </a:br>
+            <a:endParaRPr lang="en-US" dirty="0"/>
+          </a:p>
+          <a:p>
+            <a:endParaRPr lang="en-US" dirty="0"/>
+          </a:p>
+        </p:txBody>
+      </p:sp>
+    </p:spTree>
+    <p:extLst>
+      <p:ext uri="{BB962C8B-B14F-4D97-AF65-F5344CB8AC3E}">
+        <p14:creationId xmlns:p14="http://schemas.microsoft.com/office/powerpoint/2010/main" val="4281915562"/>
+      </p:ext>
+    </p:extLst>
+  </p:cSld>
+  <p:clrMapOvr>
+    <a:masterClrMapping/>
+  </p:clrMapOvr>
+</p:sld>
+</file>
+
+<file path=ppt/slides/slide11.xml><?xml version="1.0" encoding="utf-8"?>
+<p:sld xmlns:a="http://schemas.openxmlformats.org/drawingml/2006/main" xmlns:r="http://schemas.openxmlformats.org/officeDocument/2006/relationships" xmlns:p="http://schemas.openxmlformats.org/presentationml/2006/main">
+  <p:cSld>
+    <p:spTree>
+      <p:nvGrpSpPr>
+        <p:cNvPr id="1" name=""/>
+        <p:cNvGrpSpPr/>
+        <p:nvPr/>
+      </p:nvGrpSpPr>
+      <p:grpSpPr>
+        <a:xfrm>
+          <a:off x="0" y="0"/>
+          <a:ext cx="0" cy="0"/>
+          <a:chOff x="0" y="0"/>
+          <a:chExt cx="0" cy="0"/>
+        </a:xfrm>
+      </p:grpSpPr>
+      <p:sp>
+        <p:nvSpPr>
+          <p:cNvPr id="2" name="Title 1"/>
+          <p:cNvSpPr>
+            <a:spLocks noGrp="1"/>
+          </p:cNvSpPr>
+          <p:nvPr>
+            <p:ph type="title"/>
+          </p:nvPr>
+        </p:nvSpPr>
+        <p:spPr/>
+        <p:txBody>
+          <a:bodyPr>
+            <a:normAutofit/>
+          </a:bodyPr>
+          <a:lstStyle/>
+          <a:p>
+            <a:r>
+              <a:rPr lang="en-US" dirty="0"/>
+              <a:t>AWS SAM</a:t>
+            </a:r>
+          </a:p>
+        </p:txBody>
+      </p:sp>
+      <p:sp>
+        <p:nvSpPr>
+          <p:cNvPr id="5" name="Content Placeholder 4">
+            <a:extLst>
+              <a:ext uri="{FF2B5EF4-FFF2-40B4-BE49-F238E27FC236}">
+                <a16:creationId xmlns:a16="http://schemas.microsoft.com/office/drawing/2014/main" id="{63F591BC-ACCE-834D-80A0-C88EB6FD5E33}"/>
+              </a:ext>
+            </a:extLst>
+          </p:cNvPr>
+          <p:cNvSpPr>
+            <a:spLocks noGrp="1"/>
+          </p:cNvSpPr>
+          <p:nvPr>
+            <p:ph idx="1"/>
+          </p:nvPr>
+        </p:nvSpPr>
+        <p:spPr>
+          <a:xfrm>
+            <a:off x="611560" y="1492161"/>
+            <a:ext cx="7992888" cy="1072743"/>
+          </a:xfrm>
+        </p:spPr>
+        <p:txBody>
+          <a:bodyPr>
+            <a:normAutofit/>
+          </a:bodyPr>
+          <a:lstStyle/>
+          <a:p>
+            <a:r>
+              <a:rPr lang="en-US" dirty="0"/>
+              <a:t>The Unicorn API components are defined in the </a:t>
+            </a:r>
+            <a:r>
+              <a:rPr lang="en-US" dirty="0" err="1"/>
+              <a:t>template.yml</a:t>
+            </a:r>
+            <a:r>
+              <a:rPr lang="en-US" dirty="0"/>
+              <a:t> SAM template</a:t>
+            </a:r>
+          </a:p>
+          <a:p>
+            <a:pPr marL="0" indent="0" algn="just">
+              <a:buNone/>
+            </a:pPr>
+            <a:endParaRPr lang="en-US" dirty="0"/>
+          </a:p>
+        </p:txBody>
+      </p:sp>
+      <p:sp>
+        <p:nvSpPr>
+          <p:cNvPr id="4" name="TextBox 3">
+            <a:extLst>
+              <a:ext uri="{FF2B5EF4-FFF2-40B4-BE49-F238E27FC236}">
+                <a16:creationId xmlns:a16="http://schemas.microsoft.com/office/drawing/2014/main" id="{191BE244-1EFD-604F-9B78-3A63A849C0BF}"/>
+              </a:ext>
+            </a:extLst>
+          </p:cNvPr>
+          <p:cNvSpPr txBox="1"/>
+          <p:nvPr/>
+        </p:nvSpPr>
+        <p:spPr>
+          <a:xfrm>
+            <a:off x="1259632" y="2420888"/>
+            <a:ext cx="6336704" cy="4016484"/>
+          </a:xfrm>
+          <a:prstGeom prst="rect">
+            <a:avLst/>
+          </a:prstGeom>
+          <a:noFill/>
+        </p:spPr>
+        <p:txBody>
+          <a:bodyPr wrap="square" rtlCol="0">
+            <a:spAutoFit/>
+          </a:bodyPr>
+          <a:lstStyle/>
+          <a:p>
+            <a:r>
+              <a:rPr lang="en-US" sz="1500" dirty="0" err="1">
+                <a:solidFill>
+                  <a:srgbClr val="569CD6"/>
+                </a:solidFill>
+                <a:latin typeface="Menlo" panose="020B0609030804020204" pitchFamily="49" charset="0"/>
+              </a:rPr>
+              <a:t>ListFunction</a:t>
+            </a:r>
+            <a:r>
+              <a:rPr lang="en-US" sz="1500" dirty="0">
+                <a:solidFill>
+                  <a:srgbClr val="D4D4D4"/>
+                </a:solidFill>
+                <a:latin typeface="Menlo" panose="020B0609030804020204" pitchFamily="49" charset="0"/>
+              </a:rPr>
+              <a:t>:</a:t>
+            </a:r>
+          </a:p>
+          <a:p>
+            <a:r>
+              <a:rPr lang="en-US" sz="1500" dirty="0">
+                <a:solidFill>
+                  <a:srgbClr val="569CD6"/>
+                </a:solidFill>
+                <a:latin typeface="Menlo" panose="020B0609030804020204" pitchFamily="49" charset="0"/>
+              </a:rPr>
+              <a:t>Type</a:t>
+            </a:r>
+            <a:r>
+              <a:rPr lang="en-US" sz="1500" dirty="0">
+                <a:solidFill>
+                  <a:srgbClr val="D4D4D4"/>
+                </a:solidFill>
+                <a:latin typeface="Menlo" panose="020B0609030804020204" pitchFamily="49" charset="0"/>
+              </a:rPr>
+              <a:t>: </a:t>
+            </a:r>
+            <a:r>
+              <a:rPr lang="en-US" sz="1500" dirty="0">
+                <a:solidFill>
+                  <a:srgbClr val="CE9178"/>
+                </a:solidFill>
+                <a:latin typeface="Menlo" panose="020B0609030804020204" pitchFamily="49" charset="0"/>
+              </a:rPr>
+              <a:t>'AWS::Serverless::Function'</a:t>
+            </a:r>
+            <a:endParaRPr lang="en-US" sz="1500" dirty="0">
+              <a:solidFill>
+                <a:srgbClr val="D4D4D4"/>
+              </a:solidFill>
+              <a:latin typeface="Menlo" panose="020B0609030804020204" pitchFamily="49" charset="0"/>
+            </a:endParaRPr>
+          </a:p>
+          <a:p>
+            <a:r>
+              <a:rPr lang="en-US" sz="1500" dirty="0">
+                <a:solidFill>
+                  <a:srgbClr val="569CD6"/>
+                </a:solidFill>
+                <a:latin typeface="Menlo" panose="020B0609030804020204" pitchFamily="49" charset="0"/>
+              </a:rPr>
+              <a:t>Properties</a:t>
+            </a:r>
+            <a:r>
+              <a:rPr lang="en-US" sz="1500" dirty="0">
+                <a:solidFill>
+                  <a:srgbClr val="D4D4D4"/>
+                </a:solidFill>
+                <a:latin typeface="Menlo" panose="020B0609030804020204" pitchFamily="49" charset="0"/>
+              </a:rPr>
+              <a:t>:</a:t>
+            </a:r>
+          </a:p>
+          <a:p>
+            <a:pPr lvl="1"/>
+            <a:r>
+              <a:rPr lang="en-US" sz="1500" dirty="0" err="1">
+                <a:solidFill>
+                  <a:srgbClr val="569CD6"/>
+                </a:solidFill>
+                <a:latin typeface="Menlo" panose="020B0609030804020204" pitchFamily="49" charset="0"/>
+              </a:rPr>
+              <a:t>FunctionName</a:t>
+            </a:r>
+            <a:r>
+              <a:rPr lang="en-US" sz="1500" dirty="0">
+                <a:solidFill>
+                  <a:srgbClr val="D4D4D4"/>
+                </a:solidFill>
+                <a:latin typeface="Menlo" panose="020B0609030804020204" pitchFamily="49" charset="0"/>
+              </a:rPr>
+              <a:t>: </a:t>
+            </a:r>
+            <a:r>
+              <a:rPr lang="en-US" sz="1500" dirty="0">
+                <a:solidFill>
+                  <a:srgbClr val="CE9178"/>
+                </a:solidFill>
+                <a:latin typeface="Menlo" panose="020B0609030804020204" pitchFamily="49" charset="0"/>
+              </a:rPr>
+              <a:t>'</a:t>
+            </a:r>
+            <a:r>
+              <a:rPr lang="en-US" sz="1500" dirty="0" err="1">
+                <a:solidFill>
+                  <a:srgbClr val="CE9178"/>
+                </a:solidFill>
+                <a:latin typeface="Menlo" panose="020B0609030804020204" pitchFamily="49" charset="0"/>
+              </a:rPr>
+              <a:t>uni</a:t>
+            </a:r>
+            <a:r>
+              <a:rPr lang="en-US" sz="1500" dirty="0">
+                <a:solidFill>
+                  <a:srgbClr val="CE9178"/>
+                </a:solidFill>
+                <a:latin typeface="Menlo" panose="020B0609030804020204" pitchFamily="49" charset="0"/>
+              </a:rPr>
+              <a:t>-</a:t>
+            </a:r>
+            <a:r>
+              <a:rPr lang="en-US" sz="1500" dirty="0" err="1">
+                <a:solidFill>
+                  <a:srgbClr val="CE9178"/>
+                </a:solidFill>
+                <a:latin typeface="Menlo" panose="020B0609030804020204" pitchFamily="49" charset="0"/>
+              </a:rPr>
+              <a:t>api</a:t>
+            </a:r>
+            <a:r>
+              <a:rPr lang="en-US" sz="1500" dirty="0">
+                <a:solidFill>
+                  <a:srgbClr val="CE9178"/>
+                </a:solidFill>
+                <a:latin typeface="Menlo" panose="020B0609030804020204" pitchFamily="49" charset="0"/>
+              </a:rPr>
+              <a:t>-list'</a:t>
+            </a:r>
+            <a:endParaRPr lang="en-US" sz="1500" dirty="0">
+              <a:solidFill>
+                <a:srgbClr val="D4D4D4"/>
+              </a:solidFill>
+              <a:latin typeface="Menlo" panose="020B0609030804020204" pitchFamily="49" charset="0"/>
+            </a:endParaRPr>
+          </a:p>
+          <a:p>
+            <a:pPr lvl="1"/>
+            <a:r>
+              <a:rPr lang="en-US" sz="1500" dirty="0">
+                <a:solidFill>
+                  <a:srgbClr val="569CD6"/>
+                </a:solidFill>
+                <a:latin typeface="Menlo" panose="020B0609030804020204" pitchFamily="49" charset="0"/>
+              </a:rPr>
+              <a:t>Runtime</a:t>
+            </a:r>
+            <a:r>
+              <a:rPr lang="en-US" sz="1500" dirty="0">
+                <a:solidFill>
+                  <a:srgbClr val="D4D4D4"/>
+                </a:solidFill>
+                <a:latin typeface="Menlo" panose="020B0609030804020204" pitchFamily="49" charset="0"/>
+              </a:rPr>
+              <a:t>: </a:t>
+            </a:r>
+            <a:r>
+              <a:rPr lang="en-US" sz="1500" dirty="0">
+                <a:solidFill>
+                  <a:srgbClr val="CE9178"/>
+                </a:solidFill>
+                <a:latin typeface="Menlo" panose="020B0609030804020204" pitchFamily="49" charset="0"/>
+              </a:rPr>
+              <a:t>nodejs8.10</a:t>
+            </a:r>
+            <a:endParaRPr lang="en-US" sz="1500" dirty="0">
+              <a:solidFill>
+                <a:srgbClr val="D4D4D4"/>
+              </a:solidFill>
+              <a:latin typeface="Menlo" panose="020B0609030804020204" pitchFamily="49" charset="0"/>
+            </a:endParaRPr>
+          </a:p>
+          <a:p>
+            <a:pPr lvl="1"/>
+            <a:r>
+              <a:rPr lang="en-US" sz="1500" dirty="0" err="1">
+                <a:solidFill>
+                  <a:srgbClr val="569CD6"/>
+                </a:solidFill>
+                <a:latin typeface="Menlo" panose="020B0609030804020204" pitchFamily="49" charset="0"/>
+              </a:rPr>
+              <a:t>CodeUri</a:t>
+            </a:r>
+            <a:r>
+              <a:rPr lang="en-US" sz="1500" dirty="0">
+                <a:solidFill>
+                  <a:srgbClr val="D4D4D4"/>
+                </a:solidFill>
+                <a:latin typeface="Menlo" panose="020B0609030804020204" pitchFamily="49" charset="0"/>
+              </a:rPr>
+              <a:t>: </a:t>
+            </a:r>
+            <a:r>
+              <a:rPr lang="en-US" sz="1500" dirty="0">
+                <a:solidFill>
+                  <a:srgbClr val="CE9178"/>
+                </a:solidFill>
+                <a:latin typeface="Menlo" panose="020B0609030804020204" pitchFamily="49" charset="0"/>
+              </a:rPr>
+              <a:t>app</a:t>
+            </a:r>
+            <a:endParaRPr lang="en-US" sz="1500" dirty="0">
+              <a:solidFill>
+                <a:srgbClr val="D4D4D4"/>
+              </a:solidFill>
+              <a:latin typeface="Menlo" panose="020B0609030804020204" pitchFamily="49" charset="0"/>
+            </a:endParaRPr>
+          </a:p>
+          <a:p>
+            <a:pPr lvl="1"/>
+            <a:r>
+              <a:rPr lang="en-US" sz="1500" dirty="0">
+                <a:solidFill>
+                  <a:srgbClr val="569CD6"/>
+                </a:solidFill>
+                <a:latin typeface="Menlo" panose="020B0609030804020204" pitchFamily="49" charset="0"/>
+              </a:rPr>
+              <a:t>Handler</a:t>
+            </a:r>
+            <a:r>
+              <a:rPr lang="en-US" sz="1500" dirty="0">
+                <a:solidFill>
+                  <a:srgbClr val="D4D4D4"/>
+                </a:solidFill>
+                <a:latin typeface="Menlo" panose="020B0609030804020204" pitchFamily="49" charset="0"/>
+              </a:rPr>
+              <a:t>: </a:t>
+            </a:r>
+            <a:r>
+              <a:rPr lang="en-US" sz="1500" dirty="0" err="1">
+                <a:solidFill>
+                  <a:srgbClr val="CE9178"/>
+                </a:solidFill>
+                <a:latin typeface="Menlo" panose="020B0609030804020204" pitchFamily="49" charset="0"/>
+              </a:rPr>
+              <a:t>list.lambda_handler</a:t>
+            </a:r>
+            <a:endParaRPr lang="en-US" sz="1500" dirty="0">
+              <a:solidFill>
+                <a:srgbClr val="D4D4D4"/>
+              </a:solidFill>
+              <a:latin typeface="Menlo" panose="020B0609030804020204" pitchFamily="49" charset="0"/>
+            </a:endParaRPr>
+          </a:p>
+          <a:p>
+            <a:pPr lvl="1"/>
+            <a:r>
+              <a:rPr lang="en-US" sz="1500" dirty="0">
+                <a:solidFill>
+                  <a:srgbClr val="569CD6"/>
+                </a:solidFill>
+                <a:latin typeface="Menlo" panose="020B0609030804020204" pitchFamily="49" charset="0"/>
+              </a:rPr>
+              <a:t>Description</a:t>
+            </a:r>
+            <a:r>
+              <a:rPr lang="en-US" sz="1500" dirty="0">
+                <a:solidFill>
+                  <a:srgbClr val="D4D4D4"/>
+                </a:solidFill>
+                <a:latin typeface="Menlo" panose="020B0609030804020204" pitchFamily="49" charset="0"/>
+              </a:rPr>
+              <a:t>: </a:t>
+            </a:r>
+            <a:r>
+              <a:rPr lang="en-US" sz="1500" dirty="0">
+                <a:solidFill>
+                  <a:srgbClr val="CE9178"/>
+                </a:solidFill>
+                <a:latin typeface="Menlo" panose="020B0609030804020204" pitchFamily="49" charset="0"/>
+              </a:rPr>
+              <a:t>List Unicorns</a:t>
+            </a:r>
+            <a:endParaRPr lang="en-US" sz="1500" dirty="0">
+              <a:solidFill>
+                <a:srgbClr val="D4D4D4"/>
+              </a:solidFill>
+              <a:latin typeface="Menlo" panose="020B0609030804020204" pitchFamily="49" charset="0"/>
+            </a:endParaRPr>
+          </a:p>
+          <a:p>
+            <a:pPr lvl="1"/>
+            <a:r>
+              <a:rPr lang="en-US" sz="1500" dirty="0">
+                <a:solidFill>
+                  <a:srgbClr val="569CD6"/>
+                </a:solidFill>
+                <a:latin typeface="Menlo" panose="020B0609030804020204" pitchFamily="49" charset="0"/>
+              </a:rPr>
+              <a:t>Timeout</a:t>
+            </a:r>
+            <a:r>
+              <a:rPr lang="en-US" sz="1500" dirty="0">
+                <a:solidFill>
+                  <a:srgbClr val="D4D4D4"/>
+                </a:solidFill>
+                <a:latin typeface="Menlo" panose="020B0609030804020204" pitchFamily="49" charset="0"/>
+              </a:rPr>
+              <a:t>: </a:t>
+            </a:r>
+            <a:r>
+              <a:rPr lang="en-US" sz="1500" dirty="0">
+                <a:solidFill>
+                  <a:srgbClr val="B5CEA8"/>
+                </a:solidFill>
+                <a:latin typeface="Menlo" panose="020B0609030804020204" pitchFamily="49" charset="0"/>
+              </a:rPr>
+              <a:t>10</a:t>
+            </a:r>
+            <a:endParaRPr lang="en-US" sz="1500" dirty="0">
+              <a:solidFill>
+                <a:srgbClr val="D4D4D4"/>
+              </a:solidFill>
+              <a:latin typeface="Menlo" panose="020B0609030804020204" pitchFamily="49" charset="0"/>
+            </a:endParaRPr>
+          </a:p>
+          <a:p>
+            <a:pPr lvl="1"/>
+            <a:r>
+              <a:rPr lang="en-US" sz="1500" dirty="0">
+                <a:solidFill>
+                  <a:srgbClr val="569CD6"/>
+                </a:solidFill>
+                <a:latin typeface="Menlo" panose="020B0609030804020204" pitchFamily="49" charset="0"/>
+              </a:rPr>
+              <a:t>Events</a:t>
+            </a:r>
+            <a:r>
+              <a:rPr lang="en-US" sz="1500" dirty="0">
+                <a:solidFill>
+                  <a:srgbClr val="D4D4D4"/>
+                </a:solidFill>
+                <a:latin typeface="Menlo" panose="020B0609030804020204" pitchFamily="49" charset="0"/>
+              </a:rPr>
+              <a:t>:</a:t>
+            </a:r>
+          </a:p>
+          <a:p>
+            <a:pPr lvl="2"/>
+            <a:r>
+              <a:rPr lang="en-US" sz="1500" dirty="0">
+                <a:solidFill>
+                  <a:srgbClr val="569CD6"/>
+                </a:solidFill>
+                <a:latin typeface="Menlo" panose="020B0609030804020204" pitchFamily="49" charset="0"/>
+              </a:rPr>
+              <a:t>GET</a:t>
+            </a:r>
+            <a:r>
+              <a:rPr lang="en-US" sz="1500" dirty="0">
+                <a:solidFill>
+                  <a:srgbClr val="D4D4D4"/>
+                </a:solidFill>
+                <a:latin typeface="Menlo" panose="020B0609030804020204" pitchFamily="49" charset="0"/>
+              </a:rPr>
+              <a:t>:</a:t>
+            </a:r>
+          </a:p>
+          <a:p>
+            <a:pPr lvl="2"/>
+            <a:r>
+              <a:rPr lang="en-US" sz="1500" dirty="0">
+                <a:solidFill>
+                  <a:srgbClr val="569CD6"/>
+                </a:solidFill>
+                <a:latin typeface="Menlo" panose="020B0609030804020204" pitchFamily="49" charset="0"/>
+              </a:rPr>
+              <a:t>Type</a:t>
+            </a:r>
+            <a:r>
+              <a:rPr lang="en-US" sz="1500" dirty="0">
+                <a:solidFill>
+                  <a:srgbClr val="D4D4D4"/>
+                </a:solidFill>
+                <a:latin typeface="Menlo" panose="020B0609030804020204" pitchFamily="49" charset="0"/>
+              </a:rPr>
+              <a:t>: </a:t>
+            </a:r>
+            <a:r>
+              <a:rPr lang="en-US" sz="1500" dirty="0" err="1">
+                <a:solidFill>
+                  <a:srgbClr val="CE9178"/>
+                </a:solidFill>
+                <a:latin typeface="Menlo" panose="020B0609030804020204" pitchFamily="49" charset="0"/>
+              </a:rPr>
+              <a:t>Api</a:t>
+            </a:r>
+            <a:endParaRPr lang="en-US" sz="1500" dirty="0">
+              <a:solidFill>
+                <a:srgbClr val="D4D4D4"/>
+              </a:solidFill>
+              <a:latin typeface="Menlo" panose="020B0609030804020204" pitchFamily="49" charset="0"/>
+            </a:endParaRPr>
+          </a:p>
+          <a:p>
+            <a:pPr lvl="2"/>
+            <a:r>
+              <a:rPr lang="en-US" sz="1500" dirty="0">
+                <a:solidFill>
+                  <a:srgbClr val="569CD6"/>
+                </a:solidFill>
+                <a:latin typeface="Menlo" panose="020B0609030804020204" pitchFamily="49" charset="0"/>
+              </a:rPr>
+              <a:t>Properties</a:t>
+            </a:r>
+            <a:r>
+              <a:rPr lang="en-US" sz="1500" dirty="0">
+                <a:solidFill>
+                  <a:srgbClr val="D4D4D4"/>
+                </a:solidFill>
+                <a:latin typeface="Menlo" panose="020B0609030804020204" pitchFamily="49" charset="0"/>
+              </a:rPr>
+              <a:t>:</a:t>
+            </a:r>
+          </a:p>
+          <a:p>
+            <a:pPr lvl="2"/>
+            <a:r>
+              <a:rPr lang="en-US" sz="1500" dirty="0">
+                <a:solidFill>
+                  <a:srgbClr val="569CD6"/>
+                </a:solidFill>
+                <a:latin typeface="Menlo" panose="020B0609030804020204" pitchFamily="49" charset="0"/>
+              </a:rPr>
+              <a:t>Path</a:t>
+            </a:r>
+            <a:r>
+              <a:rPr lang="en-US" sz="1500" dirty="0">
+                <a:solidFill>
+                  <a:srgbClr val="D4D4D4"/>
+                </a:solidFill>
+                <a:latin typeface="Menlo" panose="020B0609030804020204" pitchFamily="49" charset="0"/>
+              </a:rPr>
+              <a:t>: </a:t>
+            </a:r>
+            <a:r>
+              <a:rPr lang="en-US" sz="1500" dirty="0">
+                <a:solidFill>
+                  <a:srgbClr val="CE9178"/>
+                </a:solidFill>
+                <a:latin typeface="Menlo" panose="020B0609030804020204" pitchFamily="49" charset="0"/>
+              </a:rPr>
+              <a:t>/unicorns</a:t>
+            </a:r>
+            <a:endParaRPr lang="en-US" sz="1500" dirty="0">
+              <a:solidFill>
+                <a:srgbClr val="D4D4D4"/>
+              </a:solidFill>
+              <a:latin typeface="Menlo" panose="020B0609030804020204" pitchFamily="49" charset="0"/>
+            </a:endParaRPr>
+          </a:p>
+          <a:p>
+            <a:pPr lvl="2"/>
+            <a:r>
+              <a:rPr lang="en-US" sz="1500" dirty="0">
+                <a:solidFill>
+                  <a:srgbClr val="569CD6"/>
+                </a:solidFill>
+                <a:latin typeface="Menlo" panose="020B0609030804020204" pitchFamily="49" charset="0"/>
+              </a:rPr>
+              <a:t>Method</a:t>
+            </a:r>
+            <a:r>
+              <a:rPr lang="en-US" sz="1500" dirty="0">
+                <a:solidFill>
+                  <a:srgbClr val="D4D4D4"/>
+                </a:solidFill>
+                <a:latin typeface="Menlo" panose="020B0609030804020204" pitchFamily="49" charset="0"/>
+              </a:rPr>
+              <a:t>: </a:t>
+            </a:r>
+            <a:r>
+              <a:rPr lang="en-US" sz="1500" dirty="0">
+                <a:solidFill>
+                  <a:srgbClr val="CE9178"/>
+                </a:solidFill>
+                <a:latin typeface="Menlo" panose="020B0609030804020204" pitchFamily="49" charset="0"/>
+              </a:rPr>
+              <a:t>get</a:t>
+            </a:r>
+            <a:endParaRPr lang="en-US" sz="1500" dirty="0">
+              <a:solidFill>
+                <a:srgbClr val="D4D4D4"/>
+              </a:solidFill>
+              <a:latin typeface="Menlo" panose="020B0609030804020204" pitchFamily="49" charset="0"/>
+            </a:endParaRPr>
+          </a:p>
+          <a:p>
+            <a:pPr lvl="1"/>
+            <a:r>
+              <a:rPr lang="en-US" sz="1500" dirty="0">
+                <a:solidFill>
+                  <a:srgbClr val="569CD6"/>
+                </a:solidFill>
+                <a:latin typeface="Menlo" panose="020B0609030804020204" pitchFamily="49" charset="0"/>
+              </a:rPr>
+              <a:t>Role</a:t>
+            </a:r>
+            <a:r>
+              <a:rPr lang="en-US" sz="1500" dirty="0">
+                <a:solidFill>
+                  <a:srgbClr val="D4D4D4"/>
+                </a:solidFill>
+                <a:latin typeface="Menlo" panose="020B0609030804020204" pitchFamily="49" charset="0"/>
+              </a:rPr>
+              <a:t>: </a:t>
+            </a:r>
+            <a:r>
+              <a:rPr lang="en-US" sz="1500" dirty="0">
+                <a:solidFill>
+                  <a:srgbClr val="569CD6"/>
+                </a:solidFill>
+                <a:latin typeface="Menlo" panose="020B0609030804020204" pitchFamily="49" charset="0"/>
+              </a:rPr>
+              <a:t>!</a:t>
+            </a:r>
+            <a:r>
+              <a:rPr lang="en-US" sz="1500" dirty="0" err="1">
+                <a:solidFill>
+                  <a:srgbClr val="569CD6"/>
+                </a:solidFill>
+                <a:latin typeface="Menlo" panose="020B0609030804020204" pitchFamily="49" charset="0"/>
+              </a:rPr>
+              <a:t>GetAtt</a:t>
+            </a:r>
+            <a:r>
+              <a:rPr lang="en-US" sz="1500" dirty="0">
+                <a:solidFill>
+                  <a:srgbClr val="D4D4D4"/>
+                </a:solidFill>
+                <a:latin typeface="Menlo" panose="020B0609030804020204" pitchFamily="49" charset="0"/>
+              </a:rPr>
+              <a:t> </a:t>
+            </a:r>
+            <a:r>
+              <a:rPr lang="en-US" sz="1500" dirty="0" err="1">
+                <a:solidFill>
+                  <a:srgbClr val="CE9178"/>
+                </a:solidFill>
+                <a:latin typeface="Menlo" panose="020B0609030804020204" pitchFamily="49" charset="0"/>
+              </a:rPr>
+              <a:t>LambdaExecutionRole.Arn</a:t>
+            </a:r>
+            <a:endParaRPr lang="en-US" sz="1500" dirty="0">
+              <a:solidFill>
+                <a:srgbClr val="D4D4D4"/>
+              </a:solidFill>
+              <a:latin typeface="Menlo" panose="020B0609030804020204" pitchFamily="49" charset="0"/>
+            </a:endParaRPr>
+          </a:p>
+          <a:p>
+            <a:endParaRPr lang="en-US" sz="1500" dirty="0"/>
+          </a:p>
+        </p:txBody>
+      </p:sp>
+    </p:spTree>
+    <p:extLst>
+      <p:ext uri="{BB962C8B-B14F-4D97-AF65-F5344CB8AC3E}">
+        <p14:creationId xmlns:p14="http://schemas.microsoft.com/office/powerpoint/2010/main" val="1342117030"/>
+      </p:ext>
+    </p:extLst>
+  </p:cSld>
+  <p:clrMapOvr>
+    <a:masterClrMapping/>
+  </p:clrMapOvr>
+</p:sld>
+</file>
+
+<file path=ppt/slides/slide12.xml><?xml version="1.0" encoding="utf-8"?>
+<p:sld xmlns:a="http://schemas.openxmlformats.org/drawingml/2006/main" xmlns:r="http://schemas.openxmlformats.org/officeDocument/2006/relationships" xmlns:p="http://schemas.openxmlformats.org/presentationml/2006/main">
+  <p:cSld>
+    <p:spTree>
+      <p:nvGrpSpPr>
+        <p:cNvPr id="1" name=""/>
+        <p:cNvGrpSpPr/>
+        <p:nvPr/>
+      </p:nvGrpSpPr>
+      <p:grpSpPr>
+        <a:xfrm>
+          <a:off x="0" y="0"/>
+          <a:ext cx="0" cy="0"/>
+          <a:chOff x="0" y="0"/>
+          <a:chExt cx="0" cy="0"/>
+        </a:xfrm>
+      </p:grpSpPr>
+      <p:sp>
+        <p:nvSpPr>
+          <p:cNvPr id="2" name="Title 1"/>
+          <p:cNvSpPr>
+            <a:spLocks noGrp="1"/>
+          </p:cNvSpPr>
+          <p:nvPr>
+            <p:ph type="title"/>
+          </p:nvPr>
+        </p:nvSpPr>
+        <p:spPr/>
+        <p:txBody>
+          <a:bodyPr>
+            <a:normAutofit/>
+          </a:bodyPr>
+          <a:lstStyle/>
+          <a:p>
+            <a:r>
+              <a:rPr lang="en-US" dirty="0"/>
+              <a:t>AWS SAM</a:t>
+            </a:r>
+          </a:p>
+        </p:txBody>
+      </p:sp>
+      <p:sp>
+        <p:nvSpPr>
+          <p:cNvPr id="5" name="Content Placeholder 4">
+            <a:extLst>
+              <a:ext uri="{FF2B5EF4-FFF2-40B4-BE49-F238E27FC236}">
+                <a16:creationId xmlns:a16="http://schemas.microsoft.com/office/drawing/2014/main" id="{63F591BC-ACCE-834D-80A0-C88EB6FD5E33}"/>
+              </a:ext>
+            </a:extLst>
+          </p:cNvPr>
+          <p:cNvSpPr>
+            <a:spLocks noGrp="1"/>
+          </p:cNvSpPr>
+          <p:nvPr>
+            <p:ph idx="1"/>
+          </p:nvPr>
+        </p:nvSpPr>
+        <p:spPr/>
+        <p:txBody>
+          <a:bodyPr>
+            <a:normAutofit/>
+          </a:bodyPr>
+          <a:lstStyle/>
+          <a:p>
+            <a:r>
+              <a:rPr lang="en-US" b="1" dirty="0" err="1"/>
+              <a:t>FunctionName</a:t>
+            </a:r>
+            <a:r>
+              <a:rPr lang="en-US" b="1" dirty="0"/>
+              <a:t> - </a:t>
+            </a:r>
+            <a:r>
+              <a:rPr lang="en-US" dirty="0"/>
+              <a:t>The </a:t>
+            </a:r>
+            <a:r>
+              <a:rPr lang="en-US" b="1" dirty="0" err="1"/>
+              <a:t>FunctionName</a:t>
+            </a:r>
+            <a:r>
+              <a:rPr lang="en-US" dirty="0"/>
+              <a:t> property defines a custom name for the Lambda function. If not specified, CloudFormation will generate a name using the CloudFormation Stack name, CloudFormation Resource name, and random ID.</a:t>
+            </a:r>
+          </a:p>
+          <a:p>
+            <a:r>
+              <a:rPr lang="en-US" b="1" dirty="0"/>
+              <a:t>Runtime - </a:t>
+            </a:r>
+            <a:r>
+              <a:rPr lang="en-US" dirty="0"/>
+              <a:t>The example API shown above is implemented in </a:t>
+            </a:r>
+            <a:r>
+              <a:rPr lang="en-US" b="1" dirty="0"/>
+              <a:t>Node.js 8.10</a:t>
+            </a:r>
+            <a:r>
+              <a:rPr lang="en-US" dirty="0"/>
+              <a:t>. Additional runtimes are available for AWS Lambda. Please refer to the </a:t>
+            </a:r>
+            <a:r>
+              <a:rPr lang="en-US" dirty="0">
+                <a:hlinkClick r:id="rId3"/>
+              </a:rPr>
+              <a:t>Lambda Execution Environment and Available Libraries</a:t>
+            </a:r>
+            <a:r>
+              <a:rPr lang="en-US" dirty="0"/>
+              <a:t> for the complete list.</a:t>
+            </a:r>
+          </a:p>
+          <a:p>
+            <a:endParaRPr lang="en-US" dirty="0"/>
+          </a:p>
+        </p:txBody>
+      </p:sp>
+    </p:spTree>
+    <p:extLst>
+      <p:ext uri="{BB962C8B-B14F-4D97-AF65-F5344CB8AC3E}">
+        <p14:creationId xmlns:p14="http://schemas.microsoft.com/office/powerpoint/2010/main" val="655262307"/>
+      </p:ext>
+    </p:extLst>
+  </p:cSld>
+  <p:clrMapOvr>
+    <a:masterClrMapping/>
+  </p:clrMapOvr>
+</p:sld>
+</file>
+
+<file path=ppt/slides/slide13.xml><?xml version="1.0" encoding="utf-8"?>
+<p:sld xmlns:a="http://schemas.openxmlformats.org/drawingml/2006/main" xmlns:r="http://schemas.openxmlformats.org/officeDocument/2006/relationships" xmlns:p="http://schemas.openxmlformats.org/presentationml/2006/main">
+  <p:cSld>
+    <p:spTree>
+      <p:nvGrpSpPr>
+        <p:cNvPr id="1" name=""/>
+        <p:cNvGrpSpPr/>
+        <p:nvPr/>
+      </p:nvGrpSpPr>
+      <p:grpSpPr>
+        <a:xfrm>
+          <a:off x="0" y="0"/>
+          <a:ext cx="0" cy="0"/>
+          <a:chOff x="0" y="0"/>
+          <a:chExt cx="0" cy="0"/>
+        </a:xfrm>
+      </p:grpSpPr>
+      <p:sp>
+        <p:nvSpPr>
+          <p:cNvPr id="2" name="Title 1"/>
+          <p:cNvSpPr>
+            <a:spLocks noGrp="1"/>
+          </p:cNvSpPr>
+          <p:nvPr>
+            <p:ph type="title"/>
+          </p:nvPr>
+        </p:nvSpPr>
+        <p:spPr/>
+        <p:txBody>
+          <a:bodyPr>
+            <a:normAutofit/>
+          </a:bodyPr>
+          <a:lstStyle/>
+          <a:p>
+            <a:r>
+              <a:rPr lang="en-US" dirty="0"/>
+              <a:t>AWS SAM</a:t>
+            </a:r>
+          </a:p>
+        </p:txBody>
+      </p:sp>
+      <p:sp>
+        <p:nvSpPr>
+          <p:cNvPr id="5" name="Content Placeholder 4">
+            <a:extLst>
+              <a:ext uri="{FF2B5EF4-FFF2-40B4-BE49-F238E27FC236}">
+                <a16:creationId xmlns:a16="http://schemas.microsoft.com/office/drawing/2014/main" id="{63F591BC-ACCE-834D-80A0-C88EB6FD5E33}"/>
+              </a:ext>
+            </a:extLst>
+          </p:cNvPr>
+          <p:cNvSpPr>
+            <a:spLocks noGrp="1"/>
+          </p:cNvSpPr>
+          <p:nvPr>
+            <p:ph idx="1"/>
+          </p:nvPr>
+        </p:nvSpPr>
+        <p:spPr/>
+        <p:txBody>
+          <a:bodyPr>
+            <a:normAutofit/>
+          </a:bodyPr>
+          <a:lstStyle/>
+          <a:p>
+            <a:r>
+              <a:rPr lang="en-US" b="1" dirty="0" err="1"/>
+              <a:t>FunctionName</a:t>
+            </a:r>
+            <a:r>
+              <a:rPr lang="en-US" b="1" dirty="0"/>
+              <a:t> - </a:t>
+            </a:r>
+            <a:r>
+              <a:rPr lang="en-US" dirty="0"/>
+              <a:t>The </a:t>
+            </a:r>
+            <a:r>
+              <a:rPr lang="en-US" b="1" dirty="0" err="1"/>
+              <a:t>FunctionName</a:t>
+            </a:r>
+            <a:r>
+              <a:rPr lang="en-US" dirty="0"/>
+              <a:t> property defines a custom name for the Lambda function. If not specified, CloudFormation will generate a name using the CloudFormation Stack name, CloudFormation Resource name, and random ID.</a:t>
+            </a:r>
+          </a:p>
+          <a:p>
+            <a:r>
+              <a:rPr lang="en-US" b="1" dirty="0"/>
+              <a:t>Runtime - </a:t>
+            </a:r>
+            <a:r>
+              <a:rPr lang="en-US" dirty="0"/>
+              <a:t>The example API shown above is implemented in </a:t>
+            </a:r>
+            <a:r>
+              <a:rPr lang="en-US" b="1" dirty="0"/>
+              <a:t>Node.js 8.10</a:t>
+            </a:r>
+            <a:r>
+              <a:rPr lang="en-US" dirty="0"/>
+              <a:t>. Additional runtimes are available for AWS Lambda. Please refer to the </a:t>
+            </a:r>
+            <a:r>
+              <a:rPr lang="en-US" dirty="0">
+                <a:hlinkClick r:id="rId3"/>
+              </a:rPr>
+              <a:t>Lambda Execution Environment and Available Libraries</a:t>
+            </a:r>
+            <a:r>
+              <a:rPr lang="en-US" dirty="0"/>
+              <a:t> for the complete list.</a:t>
+            </a:r>
+          </a:p>
+          <a:p>
+            <a:endParaRPr lang="en-US" dirty="0"/>
+          </a:p>
+        </p:txBody>
+      </p:sp>
+    </p:spTree>
+    <p:extLst>
+      <p:ext uri="{BB962C8B-B14F-4D97-AF65-F5344CB8AC3E}">
+        <p14:creationId xmlns:p14="http://schemas.microsoft.com/office/powerpoint/2010/main" val="3197852795"/>
+      </p:ext>
+    </p:extLst>
+  </p:cSld>
+  <p:clrMapOvr>
+    <a:masterClrMapping/>
+  </p:clrMapOvr>
+</p:sld>
+</file>
+
+<file path=ppt/slides/slide14.xml><?xml version="1.0" encoding="utf-8"?>
+<p:sld xmlns:a="http://schemas.openxmlformats.org/drawingml/2006/main" xmlns:r="http://schemas.openxmlformats.org/officeDocument/2006/relationships" xmlns:p="http://schemas.openxmlformats.org/presentationml/2006/main">
+  <p:cSld>
+    <p:spTree>
+      <p:nvGrpSpPr>
+        <p:cNvPr id="1" name=""/>
+        <p:cNvGrpSpPr/>
+        <p:nvPr/>
+      </p:nvGrpSpPr>
+      <p:grpSpPr>
+        <a:xfrm>
+          <a:off x="0" y="0"/>
+          <a:ext cx="0" cy="0"/>
+          <a:chOff x="0" y="0"/>
+          <a:chExt cx="0" cy="0"/>
+        </a:xfrm>
+      </p:grpSpPr>
+      <p:sp>
+        <p:nvSpPr>
+          <p:cNvPr id="2" name="Title 1"/>
+          <p:cNvSpPr>
+            <a:spLocks noGrp="1"/>
+          </p:cNvSpPr>
+          <p:nvPr>
+            <p:ph type="title"/>
+          </p:nvPr>
+        </p:nvSpPr>
+        <p:spPr/>
+        <p:txBody>
+          <a:bodyPr>
+            <a:normAutofit/>
+          </a:bodyPr>
+          <a:lstStyle/>
+          <a:p>
+            <a:r>
+              <a:rPr lang="en-US" dirty="0"/>
+              <a:t>AWS SAM</a:t>
+            </a:r>
+          </a:p>
+        </p:txBody>
+      </p:sp>
+      <p:sp>
+        <p:nvSpPr>
+          <p:cNvPr id="5" name="Content Placeholder 4">
+            <a:extLst>
+              <a:ext uri="{FF2B5EF4-FFF2-40B4-BE49-F238E27FC236}">
+                <a16:creationId xmlns:a16="http://schemas.microsoft.com/office/drawing/2014/main" id="{63F591BC-ACCE-834D-80A0-C88EB6FD5E33}"/>
+              </a:ext>
+            </a:extLst>
+          </p:cNvPr>
+          <p:cNvSpPr>
+            <a:spLocks noGrp="1"/>
+          </p:cNvSpPr>
+          <p:nvPr>
+            <p:ph idx="1"/>
+          </p:nvPr>
+        </p:nvSpPr>
+        <p:spPr/>
+        <p:txBody>
+          <a:bodyPr>
+            <a:normAutofit fontScale="92500" lnSpcReduction="10000"/>
+          </a:bodyPr>
+          <a:lstStyle/>
+          <a:p>
+            <a:r>
+              <a:rPr lang="en-US" b="1" dirty="0" err="1"/>
+              <a:t>CodeUri</a:t>
+            </a:r>
+            <a:r>
+              <a:rPr lang="en-US" b="1" dirty="0"/>
+              <a:t> - </a:t>
+            </a:r>
+            <a:r>
+              <a:rPr lang="en-US" dirty="0"/>
+              <a:t>The </a:t>
+            </a:r>
+            <a:r>
+              <a:rPr lang="en-US" b="1" dirty="0" err="1"/>
+              <a:t>CodeUri</a:t>
+            </a:r>
+            <a:r>
+              <a:rPr lang="en-US" dirty="0"/>
+              <a:t> property defines the location to the function code on your workstation relative to the SAM template. In this example, "</a:t>
+            </a:r>
+            <a:r>
+              <a:rPr lang="en-US" b="1" dirty="0"/>
+              <a:t>app</a:t>
+            </a:r>
+            <a:r>
+              <a:rPr lang="en-US" dirty="0"/>
+              <a:t>" is used for the property value because the function code is in the app directory relative to the SAM template.</a:t>
+            </a:r>
+          </a:p>
+          <a:p>
+            <a:r>
+              <a:rPr lang="en-US" b="1" dirty="0"/>
+              <a:t>Handler - </a:t>
+            </a:r>
+            <a:r>
+              <a:rPr lang="en-US" dirty="0"/>
+              <a:t>The </a:t>
+            </a:r>
+            <a:r>
+              <a:rPr lang="en-US" b="1" dirty="0"/>
+              <a:t>Handler</a:t>
+            </a:r>
+            <a:r>
+              <a:rPr lang="en-US" dirty="0"/>
+              <a:t> property defines the entry point for the Lambda function. For </a:t>
+            </a:r>
+            <a:r>
+              <a:rPr lang="en-US" dirty="0" err="1"/>
+              <a:t>Javascript</a:t>
+            </a:r>
+            <a:r>
+              <a:rPr lang="en-US" dirty="0"/>
+              <a:t>, This is formatted as "</a:t>
+            </a:r>
+            <a:r>
+              <a:rPr lang="en-US" b="1" dirty="0" err="1"/>
+              <a:t>file</a:t>
+            </a:r>
+            <a:r>
+              <a:rPr lang="en-US" dirty="0" err="1"/>
+              <a:t>.</a:t>
+            </a:r>
+            <a:r>
+              <a:rPr lang="en-US" b="1" dirty="0" err="1"/>
+              <a:t>function</a:t>
+            </a:r>
+            <a:r>
+              <a:rPr lang="en-US" dirty="0"/>
+              <a:t>", where </a:t>
+            </a:r>
+            <a:r>
+              <a:rPr lang="en-US" b="1" dirty="0"/>
+              <a:t>file</a:t>
+            </a:r>
+            <a:r>
+              <a:rPr lang="en-US" dirty="0"/>
+              <a:t> is the </a:t>
+            </a:r>
+            <a:r>
+              <a:rPr lang="en-US" dirty="0" err="1"/>
+              <a:t>Javascript</a:t>
+            </a:r>
+            <a:r>
+              <a:rPr lang="en-US" dirty="0"/>
+              <a:t> filename without the ".</a:t>
+            </a:r>
+            <a:r>
+              <a:rPr lang="en-US" dirty="0" err="1"/>
+              <a:t>js</a:t>
+            </a:r>
+            <a:r>
+              <a:rPr lang="en-US" dirty="0"/>
+              <a:t>" extension relative to the </a:t>
+            </a:r>
+            <a:r>
+              <a:rPr lang="en-US" b="1" dirty="0" err="1"/>
+              <a:t>CodeUri</a:t>
+            </a:r>
+            <a:r>
+              <a:rPr lang="en-US" dirty="0"/>
+              <a:t> path defined above and </a:t>
+            </a:r>
+            <a:r>
+              <a:rPr lang="en-US" b="1" dirty="0"/>
+              <a:t>function</a:t>
+            </a:r>
+            <a:r>
+              <a:rPr lang="en-US" dirty="0"/>
+              <a:t> is the name of the function in the file that will be executed with the Lambda function is invoked.</a:t>
+            </a:r>
+          </a:p>
+          <a:p>
+            <a:endParaRPr lang="en-US" dirty="0"/>
+          </a:p>
+        </p:txBody>
+      </p:sp>
+    </p:spTree>
+    <p:extLst>
+      <p:ext uri="{BB962C8B-B14F-4D97-AF65-F5344CB8AC3E}">
+        <p14:creationId xmlns:p14="http://schemas.microsoft.com/office/powerpoint/2010/main" val="1801806823"/>
+      </p:ext>
+    </p:extLst>
+  </p:cSld>
+  <p:clrMapOvr>
+    <a:masterClrMapping/>
+  </p:clrMapOvr>
+</p:sld>
+</file>
+
+<file path=ppt/slides/slide15.xml><?xml version="1.0" encoding="utf-8"?>
+<p:sld xmlns:a="http://schemas.openxmlformats.org/drawingml/2006/main" xmlns:r="http://schemas.openxmlformats.org/officeDocument/2006/relationships" xmlns:p="http://schemas.openxmlformats.org/presentationml/2006/main">
+  <p:cSld>
+    <p:spTree>
+      <p:nvGrpSpPr>
+        <p:cNvPr id="1" name=""/>
+        <p:cNvGrpSpPr/>
+        <p:nvPr/>
+      </p:nvGrpSpPr>
+      <p:grpSpPr>
+        <a:xfrm>
+          <a:off x="0" y="0"/>
+          <a:ext cx="0" cy="0"/>
+          <a:chOff x="0" y="0"/>
+          <a:chExt cx="0" cy="0"/>
+        </a:xfrm>
+      </p:grpSpPr>
+      <p:sp>
+        <p:nvSpPr>
+          <p:cNvPr id="2" name="Title 1"/>
+          <p:cNvSpPr>
+            <a:spLocks noGrp="1"/>
+          </p:cNvSpPr>
+          <p:nvPr>
+            <p:ph type="title"/>
+          </p:nvPr>
+        </p:nvSpPr>
+        <p:spPr/>
+        <p:txBody>
+          <a:bodyPr>
+            <a:normAutofit/>
+          </a:bodyPr>
+          <a:lstStyle/>
+          <a:p>
+            <a:r>
+              <a:rPr lang="en-US" dirty="0"/>
+              <a:t>AWS SAM</a:t>
+            </a:r>
+          </a:p>
+        </p:txBody>
+      </p:sp>
+      <p:sp>
+        <p:nvSpPr>
+          <p:cNvPr id="5" name="Content Placeholder 4">
+            <a:extLst>
+              <a:ext uri="{FF2B5EF4-FFF2-40B4-BE49-F238E27FC236}">
+                <a16:creationId xmlns:a16="http://schemas.microsoft.com/office/drawing/2014/main" id="{63F591BC-ACCE-834D-80A0-C88EB6FD5E33}"/>
+              </a:ext>
+            </a:extLst>
+          </p:cNvPr>
+          <p:cNvSpPr>
+            <a:spLocks noGrp="1"/>
+          </p:cNvSpPr>
+          <p:nvPr>
+            <p:ph idx="1"/>
+          </p:nvPr>
+        </p:nvSpPr>
+        <p:spPr/>
+        <p:txBody>
+          <a:bodyPr>
+            <a:normAutofit fontScale="92500"/>
+          </a:bodyPr>
+          <a:lstStyle/>
+          <a:p>
+            <a:r>
+              <a:rPr lang="en-US" b="1" dirty="0"/>
+              <a:t>Events - </a:t>
+            </a:r>
+            <a:r>
+              <a:rPr lang="en-US" dirty="0"/>
+              <a:t>The </a:t>
+            </a:r>
+            <a:r>
+              <a:rPr lang="en-US" b="1" dirty="0"/>
+              <a:t>Events</a:t>
+            </a:r>
+            <a:r>
+              <a:rPr lang="en-US" dirty="0"/>
+              <a:t> property defines the sources that trigger the Lambda function invocation. An </a:t>
+            </a:r>
+            <a:r>
+              <a:rPr lang="en-US" dirty="0">
+                <a:hlinkClick r:id="rId3"/>
+              </a:rPr>
+              <a:t>Api</a:t>
+            </a:r>
+            <a:r>
+              <a:rPr lang="en-US" dirty="0"/>
+              <a:t> event source is defined to integrate the Lambda function with an API Gateway endpoint, however SAM supports </a:t>
+            </a:r>
+            <a:r>
+              <a:rPr lang="en-US" dirty="0" err="1"/>
+              <a:t>Lamdba</a:t>
+            </a:r>
+            <a:r>
+              <a:rPr lang="en-US" dirty="0"/>
+              <a:t> function triggers from a variety of </a:t>
+            </a:r>
+            <a:r>
+              <a:rPr lang="en-US" dirty="0">
+                <a:hlinkClick r:id="rId4"/>
+              </a:rPr>
+              <a:t>sources</a:t>
+            </a:r>
+            <a:r>
+              <a:rPr lang="en-US" dirty="0"/>
+              <a:t>.</a:t>
+            </a:r>
+          </a:p>
+          <a:p>
+            <a:r>
+              <a:rPr lang="en-US" b="1" dirty="0"/>
+              <a:t>Role - </a:t>
+            </a:r>
+            <a:r>
+              <a:rPr lang="en-US" dirty="0"/>
+              <a:t>The </a:t>
+            </a:r>
+            <a:r>
+              <a:rPr lang="en-US" b="1" dirty="0"/>
+              <a:t>Role</a:t>
+            </a:r>
+            <a:r>
+              <a:rPr lang="en-US" dirty="0"/>
+              <a:t> property defines the IAM Role that specifies the access permissions to AWS resources in the </a:t>
+            </a:r>
+            <a:r>
+              <a:rPr lang="en-US" dirty="0">
+                <a:hlinkClick r:id="rId5"/>
+              </a:rPr>
+              <a:t>Lambda execution policy</a:t>
+            </a:r>
+            <a:r>
+              <a:rPr lang="en-US" dirty="0"/>
+              <a:t>. For each project, CodeStar generates a Lambda execution role that has access to a default set of AWS resources. This role can be modified with additional policies.</a:t>
+            </a:r>
+          </a:p>
+          <a:p>
+            <a:pPr marL="0" indent="0">
+              <a:buNone/>
+            </a:pPr>
+            <a:endParaRPr lang="en-US" dirty="0"/>
+          </a:p>
+        </p:txBody>
+      </p:sp>
+    </p:spTree>
+    <p:extLst>
+      <p:ext uri="{BB962C8B-B14F-4D97-AF65-F5344CB8AC3E}">
+        <p14:creationId xmlns:p14="http://schemas.microsoft.com/office/powerpoint/2010/main" val="2213805999"/>
+      </p:ext>
+    </p:extLst>
+  </p:cSld>
+  <p:clrMapOvr>
+    <a:masterClrMapping/>
+  </p:clrMapOvr>
+</p:sld>
+</file>
+
+<file path=ppt/slides/slide16.xml><?xml version="1.0" encoding="utf-8"?>
+<p:sld xmlns:a="http://schemas.openxmlformats.org/drawingml/2006/main" xmlns:r="http://schemas.openxmlformats.org/officeDocument/2006/relationships" xmlns:p="http://schemas.openxmlformats.org/presentationml/2006/main">
+  <p:cSld>
+    <p:spTree>
+      <p:nvGrpSpPr>
+        <p:cNvPr id="1" name=""/>
+        <p:cNvGrpSpPr/>
+        <p:nvPr/>
+      </p:nvGrpSpPr>
+      <p:grpSpPr>
+        <a:xfrm>
+          <a:off x="0" y="0"/>
+          <a:ext cx="0" cy="0"/>
+          <a:chOff x="0" y="0"/>
+          <a:chExt cx="0" cy="0"/>
+        </a:xfrm>
+      </p:grpSpPr>
+      <p:sp>
+        <p:nvSpPr>
+          <p:cNvPr id="4" name="Title 3"/>
+          <p:cNvSpPr>
+            <a:spLocks noGrp="1"/>
+          </p:cNvSpPr>
+          <p:nvPr>
+            <p:ph type="title"/>
+          </p:nvPr>
+        </p:nvSpPr>
+        <p:spPr/>
+        <p:txBody>
+          <a:bodyPr/>
+          <a:lstStyle/>
+          <a:p>
+            <a:r>
+              <a:rPr lang="en-US" dirty="0"/>
+              <a:t>Lab: AWS SAM</a:t>
+            </a:r>
+          </a:p>
+        </p:txBody>
+      </p:sp>
+      <p:sp>
+        <p:nvSpPr>
+          <p:cNvPr id="7" name="object 2">
+            <a:extLst>
+              <a:ext uri="{FF2B5EF4-FFF2-40B4-BE49-F238E27FC236}">
+                <a16:creationId xmlns:a16="http://schemas.microsoft.com/office/drawing/2014/main" id="{78E4DFED-6995-4008-B935-BB168A28B722}"/>
+              </a:ext>
+            </a:extLst>
+          </p:cNvPr>
+          <p:cNvSpPr txBox="1"/>
+          <p:nvPr/>
+        </p:nvSpPr>
+        <p:spPr>
+          <a:xfrm>
+            <a:off x="575556" y="5678306"/>
+            <a:ext cx="8046895" cy="126958"/>
+          </a:xfrm>
+          <a:prstGeom prst="rect">
+            <a:avLst/>
+          </a:prstGeom>
+        </p:spPr>
+        <p:txBody>
+          <a:bodyPr vert="horz" wrap="square" lIns="0" tIns="0" rIns="0" bIns="0" rtlCol="0">
+            <a:spAutoFit/>
+          </a:bodyPr>
+          <a:lstStyle/>
+          <a:p>
+            <a:pPr marL="9525"/>
+            <a:r>
+              <a:rPr lang="en-US" sz="825" dirty="0">
+                <a:solidFill>
+                  <a:schemeClr val="tx1">
+                    <a:lumMod val="85000"/>
+                    <a:lumOff val="15000"/>
+                  </a:schemeClr>
+                </a:solidFill>
+                <a:latin typeface="Segoe UI"/>
+                <a:cs typeface="Segoe UI"/>
+              </a:rPr>
+              <a:t>© Copyright SELA Software &amp; Education Labs Ltd. | 14-18 Baruch Hirsch St </a:t>
+            </a:r>
+            <a:r>
+              <a:rPr lang="en-US" sz="825" dirty="0" err="1">
+                <a:solidFill>
+                  <a:schemeClr val="tx1">
+                    <a:lumMod val="85000"/>
+                    <a:lumOff val="15000"/>
+                  </a:schemeClr>
+                </a:solidFill>
+                <a:latin typeface="Segoe UI"/>
+                <a:cs typeface="Segoe UI"/>
+              </a:rPr>
+              <a:t>Bnei</a:t>
+            </a:r>
+            <a:r>
+              <a:rPr lang="en-US" sz="825" dirty="0">
+                <a:solidFill>
+                  <a:schemeClr val="tx1">
+                    <a:lumMod val="85000"/>
+                    <a:lumOff val="15000"/>
+                  </a:schemeClr>
+                </a:solidFill>
+                <a:latin typeface="Segoe UI"/>
+                <a:cs typeface="Segoe UI"/>
+              </a:rPr>
+              <a:t> </a:t>
+            </a:r>
+            <a:r>
+              <a:rPr lang="en-US" sz="825" dirty="0" err="1">
+                <a:solidFill>
+                  <a:schemeClr val="tx1">
+                    <a:lumMod val="85000"/>
+                    <a:lumOff val="15000"/>
+                  </a:schemeClr>
+                </a:solidFill>
+                <a:latin typeface="Segoe UI"/>
+                <a:cs typeface="Segoe UI"/>
+              </a:rPr>
+              <a:t>Brak</a:t>
+            </a:r>
+            <a:r>
+              <a:rPr lang="en-US" sz="825" dirty="0">
+                <a:solidFill>
+                  <a:schemeClr val="tx1">
+                    <a:lumMod val="85000"/>
+                    <a:lumOff val="15000"/>
+                  </a:schemeClr>
+                </a:solidFill>
+                <a:latin typeface="Segoe UI"/>
+                <a:cs typeface="Segoe UI"/>
+              </a:rPr>
+              <a:t>, 51202 Israel | www.selagroup.com | DevOps Course | Trainer Name – trainer@email.com</a:t>
+            </a:r>
+            <a:endParaRPr sz="825" dirty="0">
+              <a:solidFill>
+                <a:schemeClr val="tx1">
+                  <a:lumMod val="85000"/>
+                  <a:lumOff val="15000"/>
+                </a:schemeClr>
+              </a:solidFill>
+              <a:latin typeface="Segoe UI"/>
+              <a:cs typeface="Segoe UI"/>
+            </a:endParaRPr>
+          </a:p>
+        </p:txBody>
+      </p:sp>
+    </p:spTree>
+    <p:extLst>
+      <p:ext uri="{BB962C8B-B14F-4D97-AF65-F5344CB8AC3E}">
+        <p14:creationId xmlns:p14="http://schemas.microsoft.com/office/powerpoint/2010/main" val="3639382878"/>
+      </p:ext>
+    </p:extLst>
+  </p:cSld>
+  <p:clrMapOvr>
+    <a:masterClrMapping/>
+  </p:clrMapOvr>
+</p:sld>
+</file>
+
+<file path=ppt/slides/slide17.xml><?xml version="1.0" encoding="utf-8"?>
+<p:sld xmlns:a="http://schemas.openxmlformats.org/drawingml/2006/main" xmlns:r="http://schemas.openxmlformats.org/officeDocument/2006/relationships" xmlns:p="http://schemas.openxmlformats.org/presentationml/2006/main">
+  <p:cSld>
+    <p:spTree>
+      <p:nvGrpSpPr>
+        <p:cNvPr id="1" name=""/>
+        <p:cNvGrpSpPr/>
+        <p:nvPr/>
+      </p:nvGrpSpPr>
+      <p:grpSpPr>
+        <a:xfrm>
+          <a:off x="0" y="0"/>
+          <a:ext cx="0" cy="0"/>
+          <a:chOff x="0" y="0"/>
+          <a:chExt cx="0" cy="0"/>
+        </a:xfrm>
+      </p:grpSpPr>
+      <p:sp>
+        <p:nvSpPr>
+          <p:cNvPr id="2" name="Title 1"/>
+          <p:cNvSpPr>
+            <a:spLocks noGrp="1"/>
+          </p:cNvSpPr>
+          <p:nvPr>
+            <p:ph type="title"/>
+          </p:nvPr>
+        </p:nvSpPr>
+        <p:spPr/>
+        <p:txBody>
+          <a:bodyPr>
+            <a:normAutofit/>
+          </a:bodyPr>
+          <a:lstStyle/>
+          <a:p>
+            <a:r>
+              <a:rPr lang="en-US" dirty="0"/>
+              <a:t>Continuous Delivery Pipeline</a:t>
+            </a:r>
+          </a:p>
+        </p:txBody>
+      </p:sp>
+      <p:sp>
+        <p:nvSpPr>
+          <p:cNvPr id="5" name="Content Placeholder 4">
+            <a:extLst>
+              <a:ext uri="{FF2B5EF4-FFF2-40B4-BE49-F238E27FC236}">
+                <a16:creationId xmlns:a16="http://schemas.microsoft.com/office/drawing/2014/main" id="{63F591BC-ACCE-834D-80A0-C88EB6FD5E33}"/>
+              </a:ext>
+            </a:extLst>
+          </p:cNvPr>
+          <p:cNvSpPr>
+            <a:spLocks noGrp="1"/>
+          </p:cNvSpPr>
+          <p:nvPr>
+            <p:ph idx="1"/>
+          </p:nvPr>
+        </p:nvSpPr>
+        <p:spPr/>
+        <p:txBody>
+          <a:bodyPr>
+            <a:normAutofit/>
+          </a:bodyPr>
+          <a:lstStyle/>
+          <a:p>
+            <a:pPr marL="0" indent="0">
+              <a:buNone/>
+            </a:pPr>
+            <a:r>
+              <a:rPr lang="en-US" dirty="0"/>
+              <a:t>In this module we will review the following AWS services</a:t>
+            </a:r>
+          </a:p>
+          <a:p>
+            <a:r>
+              <a:rPr lang="en-US" b="1" dirty="0"/>
+              <a:t>AWS CodePipeline</a:t>
+            </a:r>
+          </a:p>
+          <a:p>
+            <a:r>
+              <a:rPr lang="en-US" b="1" dirty="0"/>
+              <a:t>AWS CodeBuild</a:t>
+            </a:r>
+          </a:p>
+          <a:p>
+            <a:r>
+              <a:rPr lang="en-US" b="1" dirty="0"/>
+              <a:t>Amazon S3 Bucket</a:t>
+            </a:r>
+            <a:endParaRPr lang="en-US" dirty="0"/>
+          </a:p>
+        </p:txBody>
+      </p:sp>
+    </p:spTree>
+    <p:extLst>
+      <p:ext uri="{BB962C8B-B14F-4D97-AF65-F5344CB8AC3E}">
+        <p14:creationId xmlns:p14="http://schemas.microsoft.com/office/powerpoint/2010/main" val="1509562188"/>
+      </p:ext>
+    </p:extLst>
+  </p:cSld>
+  <p:clrMapOvr>
+    <a:masterClrMapping/>
+  </p:clrMapOvr>
+</p:sld>
+</file>
+
+<file path=ppt/slides/slide18.xml><?xml version="1.0" encoding="utf-8"?>
+<p:sld xmlns:a="http://schemas.openxmlformats.org/drawingml/2006/main" xmlns:r="http://schemas.openxmlformats.org/officeDocument/2006/relationships" xmlns:p="http://schemas.openxmlformats.org/presentationml/2006/main">
+  <p:cSld>
+    <p:spTree>
+      <p:nvGrpSpPr>
+        <p:cNvPr id="1" name=""/>
+        <p:cNvGrpSpPr/>
+        <p:nvPr/>
+      </p:nvGrpSpPr>
+      <p:grpSpPr>
+        <a:xfrm>
+          <a:off x="0" y="0"/>
+          <a:ext cx="0" cy="0"/>
+          <a:chOff x="0" y="0"/>
+          <a:chExt cx="0" cy="0"/>
+        </a:xfrm>
+      </p:grpSpPr>
+      <p:sp>
+        <p:nvSpPr>
+          <p:cNvPr id="2" name="Title 1"/>
+          <p:cNvSpPr>
+            <a:spLocks noGrp="1"/>
+          </p:cNvSpPr>
+          <p:nvPr>
+            <p:ph type="title"/>
+          </p:nvPr>
+        </p:nvSpPr>
+        <p:spPr/>
+        <p:txBody>
+          <a:bodyPr>
+            <a:normAutofit/>
+          </a:bodyPr>
+          <a:lstStyle/>
+          <a:p>
+            <a:r>
+              <a:rPr lang="en-US" b="1" dirty="0"/>
+              <a:t>CodePipeline</a:t>
+            </a:r>
+          </a:p>
+        </p:txBody>
+      </p:sp>
+      <p:sp>
+        <p:nvSpPr>
+          <p:cNvPr id="5" name="Content Placeholder 4">
+            <a:extLst>
+              <a:ext uri="{FF2B5EF4-FFF2-40B4-BE49-F238E27FC236}">
+                <a16:creationId xmlns:a16="http://schemas.microsoft.com/office/drawing/2014/main" id="{63F591BC-ACCE-834D-80A0-C88EB6FD5E33}"/>
+              </a:ext>
+            </a:extLst>
+          </p:cNvPr>
+          <p:cNvSpPr>
+            <a:spLocks noGrp="1"/>
+          </p:cNvSpPr>
+          <p:nvPr>
+            <p:ph idx="1"/>
+          </p:nvPr>
+        </p:nvSpPr>
+        <p:spPr/>
+        <p:txBody>
+          <a:bodyPr>
+            <a:normAutofit/>
+          </a:bodyPr>
+          <a:lstStyle/>
+          <a:p>
+            <a:r>
+              <a:rPr lang="en-US" dirty="0"/>
+              <a:t>CodePipeline orchestrates the steps to build, test, and deploy your code changes. </a:t>
+            </a:r>
+          </a:p>
+        </p:txBody>
+      </p:sp>
+    </p:spTree>
+    <p:extLst>
+      <p:ext uri="{BB962C8B-B14F-4D97-AF65-F5344CB8AC3E}">
+        <p14:creationId xmlns:p14="http://schemas.microsoft.com/office/powerpoint/2010/main" val="3711344498"/>
+      </p:ext>
+    </p:extLst>
+  </p:cSld>
+  <p:clrMapOvr>
+    <a:masterClrMapping/>
+  </p:clrMapOvr>
+</p:sld>
+</file>
+
+<file path=ppt/slides/slide19.xml><?xml version="1.0" encoding="utf-8"?>
+<p:sld xmlns:a="http://schemas.openxmlformats.org/drawingml/2006/main" xmlns:r="http://schemas.openxmlformats.org/officeDocument/2006/relationships" xmlns:p="http://schemas.openxmlformats.org/presentationml/2006/main">
+  <p:cSld>
+    <p:spTree>
+      <p:nvGrpSpPr>
+        <p:cNvPr id="1" name=""/>
+        <p:cNvGrpSpPr/>
+        <p:nvPr/>
+      </p:nvGrpSpPr>
+      <p:grpSpPr>
+        <a:xfrm>
+          <a:off x="0" y="0"/>
+          <a:ext cx="0" cy="0"/>
+          <a:chOff x="0" y="0"/>
+          <a:chExt cx="0" cy="0"/>
+        </a:xfrm>
+      </p:grpSpPr>
+      <p:pic>
+        <p:nvPicPr>
+          <p:cNvPr id="3" name="Picture 2">
+            <a:extLst>
+              <a:ext uri="{FF2B5EF4-FFF2-40B4-BE49-F238E27FC236}">
+                <a16:creationId xmlns:a16="http://schemas.microsoft.com/office/drawing/2014/main" id="{51B41317-E5D9-D740-9EC9-CCB0B0FED9B5}"/>
+              </a:ext>
+            </a:extLst>
+          </p:cNvPr>
+          <p:cNvPicPr>
+            <a:picLocks noChangeAspect="1"/>
+          </p:cNvPicPr>
+          <p:nvPr/>
+        </p:nvPicPr>
+        <p:blipFill>
+          <a:blip r:embed="rId3"/>
+          <a:stretch>
+            <a:fillRect/>
+          </a:stretch>
+        </p:blipFill>
+        <p:spPr>
+          <a:xfrm>
+            <a:off x="2987824" y="260648"/>
+            <a:ext cx="2774923" cy="5963132"/>
+          </a:xfrm>
+          <a:prstGeom prst="rect">
+            <a:avLst/>
+          </a:prstGeom>
+        </p:spPr>
+      </p:pic>
+      <p:sp>
+        <p:nvSpPr>
+          <p:cNvPr id="8" name="Rectangle 7">
+            <a:extLst>
+              <a:ext uri="{FF2B5EF4-FFF2-40B4-BE49-F238E27FC236}">
+                <a16:creationId xmlns:a16="http://schemas.microsoft.com/office/drawing/2014/main" id="{E4FB86AD-7470-CA42-BFE6-C53B03DF7BE0}"/>
+              </a:ext>
+            </a:extLst>
+          </p:cNvPr>
+          <p:cNvSpPr/>
+          <p:nvPr/>
+        </p:nvSpPr>
+        <p:spPr>
+          <a:xfrm>
+            <a:off x="2771800" y="0"/>
+            <a:ext cx="3240360" cy="548680"/>
+          </a:xfrm>
+          <a:prstGeom prst="rect">
+            <a:avLst/>
+          </a:prstGeom>
+        </p:spPr>
+        <p:style>
+          <a:lnRef idx="2">
+            <a:schemeClr val="accent1">
+              <a:shade val="50000"/>
+            </a:schemeClr>
+          </a:lnRef>
+          <a:fillRef idx="1">
+            <a:schemeClr val="accent1"/>
+          </a:fillRef>
+          <a:effectRef idx="0">
+            <a:schemeClr val="accent1"/>
+          </a:effectRef>
+          <a:fontRef idx="minor">
+            <a:schemeClr val="lt1"/>
+          </a:fontRef>
+        </p:style>
+        <p:txBody>
+          <a:bodyPr rtlCol="0" anchor="ctr"/>
+          <a:lstStyle/>
+          <a:p>
+            <a:pPr algn="ctr"/>
+            <a:r>
+              <a:rPr lang="en-US" dirty="0"/>
+              <a:t>Code Pipeline Demo</a:t>
+            </a:r>
+          </a:p>
+        </p:txBody>
+      </p:sp>
+    </p:spTree>
+    <p:extLst>
+      <p:ext uri="{BB962C8B-B14F-4D97-AF65-F5344CB8AC3E}">
+        <p14:creationId xmlns:p14="http://schemas.microsoft.com/office/powerpoint/2010/main" val="3225391215"/>
+      </p:ext>
+    </p:extLst>
+  </p:cSld>
+  <p:clrMapOvr>
+    <a:masterClrMapping/>
+  </p:clrMapOvr>
+</p:sld>
+</file>
+
 <file path=ppt/slides/slide2.xml><?xml version="1.0" encoding="utf-8"?>
 <p:sld xmlns:a="http://schemas.openxmlformats.org/drawingml/2006/main" xmlns:r="http://schemas.openxmlformats.org/officeDocument/2006/relationships" xmlns:p="http://schemas.openxmlformats.org/presentationml/2006/main">
   <p:cSld>
@@ -6242,6 +9458,573 @@
     <p:extLst>
       <p:ext uri="{BB962C8B-B14F-4D97-AF65-F5344CB8AC3E}">
         <p14:creationId xmlns:p14="http://schemas.microsoft.com/office/powerpoint/2010/main" val="89382516"/>
+      </p:ext>
+    </p:extLst>
+  </p:cSld>
+  <p:clrMapOvr>
+    <a:masterClrMapping/>
+  </p:clrMapOvr>
+</p:sld>
+</file>
+
+<file path=ppt/slides/slide20.xml><?xml version="1.0" encoding="utf-8"?>
+<p:sld xmlns:a="http://schemas.openxmlformats.org/drawingml/2006/main" xmlns:r="http://schemas.openxmlformats.org/officeDocument/2006/relationships" xmlns:p="http://schemas.openxmlformats.org/presentationml/2006/main">
+  <p:cSld>
+    <p:spTree>
+      <p:nvGrpSpPr>
+        <p:cNvPr id="1" name=""/>
+        <p:cNvGrpSpPr/>
+        <p:nvPr/>
+      </p:nvGrpSpPr>
+      <p:grpSpPr>
+        <a:xfrm>
+          <a:off x="0" y="0"/>
+          <a:ext cx="0" cy="0"/>
+          <a:chOff x="0" y="0"/>
+          <a:chExt cx="0" cy="0"/>
+        </a:xfrm>
+      </p:grpSpPr>
+      <p:sp>
+        <p:nvSpPr>
+          <p:cNvPr id="2" name="Title 1"/>
+          <p:cNvSpPr>
+            <a:spLocks noGrp="1"/>
+          </p:cNvSpPr>
+          <p:nvPr>
+            <p:ph type="title"/>
+          </p:nvPr>
+        </p:nvSpPr>
+        <p:spPr/>
+        <p:txBody>
+          <a:bodyPr>
+            <a:normAutofit/>
+          </a:bodyPr>
+          <a:lstStyle/>
+          <a:p>
+            <a:r>
+              <a:rPr lang="en-US" b="1" dirty="0"/>
+              <a:t>CodeBuild</a:t>
+            </a:r>
+          </a:p>
+        </p:txBody>
+      </p:sp>
+      <p:sp>
+        <p:nvSpPr>
+          <p:cNvPr id="5" name="Content Placeholder 4">
+            <a:extLst>
+              <a:ext uri="{FF2B5EF4-FFF2-40B4-BE49-F238E27FC236}">
+                <a16:creationId xmlns:a16="http://schemas.microsoft.com/office/drawing/2014/main" id="{63F591BC-ACCE-834D-80A0-C88EB6FD5E33}"/>
+              </a:ext>
+            </a:extLst>
+          </p:cNvPr>
+          <p:cNvSpPr>
+            <a:spLocks noGrp="1"/>
+          </p:cNvSpPr>
+          <p:nvPr>
+            <p:ph idx="1"/>
+          </p:nvPr>
+        </p:nvSpPr>
+        <p:spPr/>
+        <p:txBody>
+          <a:bodyPr>
+            <a:normAutofit/>
+          </a:bodyPr>
+          <a:lstStyle/>
+          <a:p>
+            <a:r>
+              <a:rPr lang="en-US" dirty="0"/>
+              <a:t>CodeBuild compiles source code, runs tests, and produces software packages that are ready to deploy to environments.</a:t>
+            </a:r>
+          </a:p>
+          <a:p>
+            <a:r>
+              <a:rPr lang="en-US" dirty="0"/>
+              <a:t>The </a:t>
+            </a:r>
+            <a:r>
+              <a:rPr lang="en-US" u="sng" dirty="0">
+                <a:hlinkClick r:id="rId3"/>
+              </a:rPr>
+              <a:t>buildspec.yml</a:t>
+            </a:r>
+            <a:r>
+              <a:rPr lang="en-US" dirty="0"/>
+              <a:t> defines the commands used to build the project and the output artifacts.</a:t>
+            </a:r>
+            <a:br>
+              <a:rPr lang="en-US" dirty="0"/>
+            </a:br>
+            <a:endParaRPr lang="en-US" dirty="0"/>
+          </a:p>
+        </p:txBody>
+      </p:sp>
+    </p:spTree>
+    <p:extLst>
+      <p:ext uri="{BB962C8B-B14F-4D97-AF65-F5344CB8AC3E}">
+        <p14:creationId xmlns:p14="http://schemas.microsoft.com/office/powerpoint/2010/main" val="2264023703"/>
+      </p:ext>
+    </p:extLst>
+  </p:cSld>
+  <p:clrMapOvr>
+    <a:masterClrMapping/>
+  </p:clrMapOvr>
+</p:sld>
+</file>
+
+<file path=ppt/slides/slide21.xml><?xml version="1.0" encoding="utf-8"?>
+<p:sld xmlns:a="http://schemas.openxmlformats.org/drawingml/2006/main" xmlns:r="http://schemas.openxmlformats.org/officeDocument/2006/relationships" xmlns:p="http://schemas.openxmlformats.org/presentationml/2006/main">
+  <p:cSld>
+    <p:spTree>
+      <p:nvGrpSpPr>
+        <p:cNvPr id="1" name=""/>
+        <p:cNvGrpSpPr/>
+        <p:nvPr/>
+      </p:nvGrpSpPr>
+      <p:grpSpPr>
+        <a:xfrm>
+          <a:off x="0" y="0"/>
+          <a:ext cx="0" cy="0"/>
+          <a:chOff x="0" y="0"/>
+          <a:chExt cx="0" cy="0"/>
+        </a:xfrm>
+      </p:grpSpPr>
+      <p:sp>
+        <p:nvSpPr>
+          <p:cNvPr id="2" name="Title 1"/>
+          <p:cNvSpPr>
+            <a:spLocks noGrp="1"/>
+          </p:cNvSpPr>
+          <p:nvPr>
+            <p:ph type="title"/>
+          </p:nvPr>
+        </p:nvSpPr>
+        <p:spPr/>
+        <p:txBody>
+          <a:bodyPr>
+            <a:normAutofit/>
+          </a:bodyPr>
+          <a:lstStyle/>
+          <a:p>
+            <a:r>
+              <a:rPr lang="en-US" b="1" dirty="0"/>
+              <a:t>CodeBuild</a:t>
+            </a:r>
+          </a:p>
+        </p:txBody>
+      </p:sp>
+      <p:sp>
+        <p:nvSpPr>
+          <p:cNvPr id="6" name="TextBox 5">
+            <a:extLst>
+              <a:ext uri="{FF2B5EF4-FFF2-40B4-BE49-F238E27FC236}">
+                <a16:creationId xmlns:a16="http://schemas.microsoft.com/office/drawing/2014/main" id="{0BC432C3-B373-4642-9091-D7143F88F6D1}"/>
+              </a:ext>
+            </a:extLst>
+          </p:cNvPr>
+          <p:cNvSpPr txBox="1"/>
+          <p:nvPr/>
+        </p:nvSpPr>
+        <p:spPr>
+          <a:xfrm>
+            <a:off x="611560" y="3001040"/>
+            <a:ext cx="7992888" cy="3139321"/>
+          </a:xfrm>
+          <a:prstGeom prst="rect">
+            <a:avLst/>
+          </a:prstGeom>
+          <a:solidFill>
+            <a:schemeClr val="bg1">
+              <a:lumMod val="85000"/>
+            </a:schemeClr>
+          </a:solidFill>
+        </p:spPr>
+        <p:txBody>
+          <a:bodyPr wrap="square" rtlCol="0">
+            <a:spAutoFit/>
+          </a:bodyPr>
+          <a:lstStyle/>
+          <a:p>
+            <a:r>
+              <a:rPr lang="en-US" dirty="0">
+                <a:solidFill>
+                  <a:srgbClr val="00B050"/>
+                </a:solidFill>
+              </a:rPr>
+              <a:t>version</a:t>
+            </a:r>
+            <a:r>
+              <a:rPr lang="en-US" dirty="0"/>
+              <a:t>: 0.1</a:t>
+            </a:r>
+          </a:p>
+          <a:p>
+            <a:r>
+              <a:rPr lang="en-US" dirty="0">
+                <a:solidFill>
+                  <a:srgbClr val="00B050"/>
+                </a:solidFill>
+              </a:rPr>
+              <a:t>phases</a:t>
+            </a:r>
+            <a:r>
+              <a:rPr lang="en-US" dirty="0"/>
+              <a:t>: </a:t>
+            </a:r>
+          </a:p>
+          <a:p>
+            <a:r>
+              <a:rPr lang="en-US" dirty="0"/>
+              <a:t>  </a:t>
+            </a:r>
+            <a:r>
+              <a:rPr lang="en-US" dirty="0">
+                <a:solidFill>
+                  <a:srgbClr val="00B050"/>
+                </a:solidFill>
+              </a:rPr>
+              <a:t>build</a:t>
+            </a:r>
+            <a:r>
+              <a:rPr lang="en-US" dirty="0"/>
+              <a:t>: </a:t>
+            </a:r>
+          </a:p>
+          <a:p>
+            <a:r>
+              <a:rPr lang="en-US" dirty="0"/>
+              <a:t>    </a:t>
+            </a:r>
+            <a:r>
+              <a:rPr lang="en-US" dirty="0">
+                <a:solidFill>
+                  <a:srgbClr val="00B050"/>
+                </a:solidFill>
+              </a:rPr>
+              <a:t>commands</a:t>
+            </a:r>
+            <a:r>
+              <a:rPr lang="en-US" dirty="0"/>
+              <a:t>: - cd app &amp;&amp; npm install</a:t>
+            </a:r>
+          </a:p>
+          <a:p>
+            <a:r>
+              <a:rPr lang="en-US" dirty="0"/>
+              <a:t>                          - </a:t>
+            </a:r>
+            <a:r>
+              <a:rPr lang="en-US" dirty="0" err="1"/>
+              <a:t>aws</a:t>
+            </a:r>
+            <a:r>
+              <a:rPr lang="en-US" dirty="0"/>
+              <a:t> </a:t>
+            </a:r>
+            <a:r>
+              <a:rPr lang="en-US" dirty="0" err="1"/>
+              <a:t>cloudformation</a:t>
+            </a:r>
+            <a:r>
+              <a:rPr lang="en-US" dirty="0"/>
+              <a:t> package --template </a:t>
+            </a:r>
+            <a:r>
+              <a:rPr lang="en-US" dirty="0" err="1"/>
+              <a:t>template.yml</a:t>
+            </a:r>
+            <a:r>
+              <a:rPr lang="en-US" dirty="0"/>
+              <a:t> --s3-bucket 	           $S3_BUCKET --output-template template-</a:t>
+            </a:r>
+            <a:r>
+              <a:rPr lang="en-US" dirty="0" err="1"/>
+              <a:t>export.yml</a:t>
+            </a:r>
+            <a:r>
+              <a:rPr lang="en-US" dirty="0"/>
+              <a:t> </a:t>
+            </a:r>
+          </a:p>
+          <a:p>
+            <a:r>
+              <a:rPr lang="en-US" dirty="0">
+                <a:solidFill>
+                  <a:srgbClr val="00B050"/>
+                </a:solidFill>
+              </a:rPr>
+              <a:t>artifacts</a:t>
+            </a:r>
+            <a:r>
+              <a:rPr lang="en-US" dirty="0"/>
+              <a:t>: </a:t>
+            </a:r>
+          </a:p>
+          <a:p>
+            <a:r>
+              <a:rPr lang="en-US" dirty="0"/>
+              <a:t>  </a:t>
+            </a:r>
+            <a:r>
+              <a:rPr lang="en-US" dirty="0">
+                <a:solidFill>
+                  <a:srgbClr val="00B050"/>
+                </a:solidFill>
+              </a:rPr>
+              <a:t>type</a:t>
+            </a:r>
+            <a:r>
+              <a:rPr lang="en-US" dirty="0"/>
+              <a:t>: zip</a:t>
+            </a:r>
+          </a:p>
+          <a:p>
+            <a:r>
+              <a:rPr lang="en-US" dirty="0"/>
+              <a:t>  </a:t>
+            </a:r>
+            <a:r>
+              <a:rPr lang="en-US" dirty="0">
+                <a:solidFill>
+                  <a:srgbClr val="00B050"/>
+                </a:solidFill>
+              </a:rPr>
+              <a:t>files</a:t>
+            </a:r>
+            <a:r>
+              <a:rPr lang="en-US" dirty="0"/>
+              <a:t>: - template-</a:t>
+            </a:r>
+            <a:r>
+              <a:rPr lang="en-US" dirty="0" err="1"/>
+              <a:t>export.yml</a:t>
+            </a:r>
+            <a:endParaRPr lang="en-US" dirty="0"/>
+          </a:p>
+          <a:p>
+            <a:br>
+              <a:rPr lang="en-US" dirty="0"/>
+            </a:br>
+            <a:endParaRPr lang="en-US" dirty="0"/>
+          </a:p>
+        </p:txBody>
+      </p:sp>
+      <p:sp>
+        <p:nvSpPr>
+          <p:cNvPr id="7" name="Content Placeholder 4">
+            <a:extLst>
+              <a:ext uri="{FF2B5EF4-FFF2-40B4-BE49-F238E27FC236}">
+                <a16:creationId xmlns:a16="http://schemas.microsoft.com/office/drawing/2014/main" id="{E7E4FB82-0726-224A-B827-AB74385322EE}"/>
+              </a:ext>
+            </a:extLst>
+          </p:cNvPr>
+          <p:cNvSpPr>
+            <a:spLocks noGrp="1"/>
+          </p:cNvSpPr>
+          <p:nvPr>
+            <p:ph idx="1"/>
+          </p:nvPr>
+        </p:nvSpPr>
+        <p:spPr>
+          <a:xfrm>
+            <a:off x="611560" y="1492161"/>
+            <a:ext cx="7992888" cy="4648200"/>
+          </a:xfrm>
+        </p:spPr>
+        <p:txBody>
+          <a:bodyPr>
+            <a:normAutofit/>
+          </a:bodyPr>
+          <a:lstStyle/>
+          <a:p>
+            <a:r>
+              <a:rPr lang="en-US" dirty="0"/>
+              <a:t>The </a:t>
+            </a:r>
+            <a:r>
+              <a:rPr lang="en-US" u="sng" dirty="0">
+                <a:hlinkClick r:id="rId3"/>
+              </a:rPr>
+              <a:t>buildspec.yml</a:t>
+            </a:r>
+            <a:r>
+              <a:rPr lang="en-US" dirty="0"/>
+              <a:t> defines the commands used to build the project and the output artifacts.</a:t>
+            </a:r>
+          </a:p>
+          <a:p>
+            <a:pPr marL="0" indent="0">
+              <a:buNone/>
+            </a:pPr>
+            <a:br>
+              <a:rPr lang="en-US" dirty="0"/>
+            </a:br>
+            <a:endParaRPr lang="en-US" dirty="0"/>
+          </a:p>
+        </p:txBody>
+      </p:sp>
+    </p:spTree>
+    <p:extLst>
+      <p:ext uri="{BB962C8B-B14F-4D97-AF65-F5344CB8AC3E}">
+        <p14:creationId xmlns:p14="http://schemas.microsoft.com/office/powerpoint/2010/main" val="1540772109"/>
+      </p:ext>
+    </p:extLst>
+  </p:cSld>
+  <p:clrMapOvr>
+    <a:masterClrMapping/>
+  </p:clrMapOvr>
+</p:sld>
+</file>
+
+<file path=ppt/slides/slide22.xml><?xml version="1.0" encoding="utf-8"?>
+<p:sld xmlns:a="http://schemas.openxmlformats.org/drawingml/2006/main" xmlns:r="http://schemas.openxmlformats.org/officeDocument/2006/relationships" xmlns:p="http://schemas.openxmlformats.org/presentationml/2006/main">
+  <p:cSld>
+    <p:spTree>
+      <p:nvGrpSpPr>
+        <p:cNvPr id="1" name=""/>
+        <p:cNvGrpSpPr/>
+        <p:nvPr/>
+      </p:nvGrpSpPr>
+      <p:grpSpPr>
+        <a:xfrm>
+          <a:off x="0" y="0"/>
+          <a:ext cx="0" cy="0"/>
+          <a:chOff x="0" y="0"/>
+          <a:chExt cx="0" cy="0"/>
+        </a:xfrm>
+      </p:grpSpPr>
+      <p:sp>
+        <p:nvSpPr>
+          <p:cNvPr id="2" name="Title 1"/>
+          <p:cNvSpPr>
+            <a:spLocks noGrp="1"/>
+          </p:cNvSpPr>
+          <p:nvPr>
+            <p:ph type="title"/>
+          </p:nvPr>
+        </p:nvSpPr>
+        <p:spPr/>
+        <p:txBody>
+          <a:bodyPr>
+            <a:normAutofit/>
+          </a:bodyPr>
+          <a:lstStyle/>
+          <a:p>
+            <a:r>
+              <a:rPr lang="en-US" b="1" dirty="0"/>
+              <a:t>CodeBuild</a:t>
+            </a:r>
+          </a:p>
+        </p:txBody>
+      </p:sp>
+      <p:sp>
+        <p:nvSpPr>
+          <p:cNvPr id="7" name="Content Placeholder 4">
+            <a:extLst>
+              <a:ext uri="{FF2B5EF4-FFF2-40B4-BE49-F238E27FC236}">
+                <a16:creationId xmlns:a16="http://schemas.microsoft.com/office/drawing/2014/main" id="{E7E4FB82-0726-224A-B827-AB74385322EE}"/>
+              </a:ext>
+            </a:extLst>
+          </p:cNvPr>
+          <p:cNvSpPr>
+            <a:spLocks noGrp="1"/>
+          </p:cNvSpPr>
+          <p:nvPr>
+            <p:ph idx="1"/>
+          </p:nvPr>
+        </p:nvSpPr>
+        <p:spPr>
+          <a:xfrm>
+            <a:off x="611560" y="1492161"/>
+            <a:ext cx="7992888" cy="4648200"/>
+          </a:xfrm>
+        </p:spPr>
+        <p:txBody>
+          <a:bodyPr>
+            <a:normAutofit/>
+          </a:bodyPr>
+          <a:lstStyle/>
+          <a:p>
+            <a:r>
+              <a:rPr lang="en-US" dirty="0"/>
+              <a:t>The </a:t>
+            </a:r>
+            <a:r>
+              <a:rPr lang="en-US" b="1" dirty="0"/>
+              <a:t>CloudFormation </a:t>
+            </a:r>
+            <a:r>
+              <a:rPr lang="en-US" b="1" dirty="0">
+                <a:hlinkClick r:id="rId3"/>
+              </a:rPr>
+              <a:t>package</a:t>
+            </a:r>
+            <a:r>
+              <a:rPr lang="en-US" dirty="0"/>
+              <a:t> command zips the local source code, uploads it to S3, and returns a new CloudFormation template that has been modified to use the S3 references as the </a:t>
+            </a:r>
+            <a:r>
+              <a:rPr lang="en-US" dirty="0" err="1"/>
+              <a:t>CodeUri</a:t>
+            </a:r>
+            <a:r>
+              <a:rPr lang="en-US" dirty="0"/>
+              <a:t>.</a:t>
+            </a:r>
+          </a:p>
+          <a:p>
+            <a:r>
+              <a:rPr lang="en-US" dirty="0"/>
+              <a:t>the output artifact is a zip archive that includes only the template-</a:t>
+            </a:r>
+            <a:r>
+              <a:rPr lang="en-US" dirty="0" err="1"/>
+              <a:t>export.yml</a:t>
+            </a:r>
+            <a:r>
+              <a:rPr lang="en-US" dirty="0"/>
+              <a:t> file.</a:t>
+            </a:r>
+            <a:br>
+              <a:rPr lang="en-US" dirty="0"/>
+            </a:br>
+            <a:endParaRPr lang="en-US" dirty="0"/>
+          </a:p>
+        </p:txBody>
+      </p:sp>
+    </p:spTree>
+    <p:extLst>
+      <p:ext uri="{BB962C8B-B14F-4D97-AF65-F5344CB8AC3E}">
+        <p14:creationId xmlns:p14="http://schemas.microsoft.com/office/powerpoint/2010/main" val="1098514971"/>
+      </p:ext>
+    </p:extLst>
+  </p:cSld>
+  <p:clrMapOvr>
+    <a:masterClrMapping/>
+  </p:clrMapOvr>
+</p:sld>
+</file>
+
+<file path=ppt/slides/slide23.xml><?xml version="1.0" encoding="utf-8"?>
+<p:sld xmlns:a="http://schemas.openxmlformats.org/drawingml/2006/main" xmlns:r="http://schemas.openxmlformats.org/officeDocument/2006/relationships" xmlns:p="http://schemas.openxmlformats.org/presentationml/2006/main">
+  <p:cSld>
+    <p:spTree>
+      <p:nvGrpSpPr>
+        <p:cNvPr id="1" name=""/>
+        <p:cNvGrpSpPr/>
+        <p:nvPr/>
+      </p:nvGrpSpPr>
+      <p:grpSpPr>
+        <a:xfrm>
+          <a:off x="0" y="0"/>
+          <a:ext cx="0" cy="0"/>
+          <a:chOff x="0" y="0"/>
+          <a:chExt cx="0" cy="0"/>
+        </a:xfrm>
+      </p:grpSpPr>
+    </p:spTree>
+    <p:extLst>
+      <p:ext uri="{BB962C8B-B14F-4D97-AF65-F5344CB8AC3E}">
+        <p14:creationId xmlns:p14="http://schemas.microsoft.com/office/powerpoint/2010/main" val="2797801054"/>
       </p:ext>
     </p:extLst>
   </p:cSld>
@@ -6842,10 +10625,184 @@
           <a:chExt cx="0" cy="0"/>
         </a:xfrm>
       </p:grpSpPr>
+      <p:sp>
+        <p:nvSpPr>
+          <p:cNvPr id="2" name="Title 1"/>
+          <p:cNvSpPr>
+            <a:spLocks noGrp="1"/>
+          </p:cNvSpPr>
+          <p:nvPr>
+            <p:ph type="title"/>
+          </p:nvPr>
+        </p:nvSpPr>
+        <p:spPr/>
+        <p:txBody>
+          <a:bodyPr>
+            <a:normAutofit/>
+          </a:bodyPr>
+          <a:lstStyle/>
+          <a:p>
+            <a:r>
+              <a:rPr lang="en-US" dirty="0"/>
+              <a:t>AWS SAM</a:t>
+            </a:r>
+          </a:p>
+        </p:txBody>
+      </p:sp>
+      <p:sp>
+        <p:nvSpPr>
+          <p:cNvPr id="5" name="Content Placeholder 4">
+            <a:extLst>
+              <a:ext uri="{FF2B5EF4-FFF2-40B4-BE49-F238E27FC236}">
+                <a16:creationId xmlns:a16="http://schemas.microsoft.com/office/drawing/2014/main" id="{63F591BC-ACCE-834D-80A0-C88EB6FD5E33}"/>
+              </a:ext>
+            </a:extLst>
+          </p:cNvPr>
+          <p:cNvSpPr>
+            <a:spLocks noGrp="1"/>
+          </p:cNvSpPr>
+          <p:nvPr>
+            <p:ph idx="1"/>
+          </p:nvPr>
+        </p:nvSpPr>
+        <p:spPr/>
+        <p:txBody>
+          <a:bodyPr>
+            <a:normAutofit/>
+          </a:bodyPr>
+          <a:lstStyle/>
+          <a:p>
+            <a:r>
+              <a:rPr lang="en-US" dirty="0"/>
+              <a:t>AWS SAM is a model used to define serverless applications on AWS.</a:t>
+            </a:r>
+          </a:p>
+          <a:p>
+            <a:r>
+              <a:rPr lang="en-US" dirty="0"/>
+              <a:t>Serverless applications are applications composed of functions triggered by events.</a:t>
+            </a:r>
+          </a:p>
+          <a:p>
+            <a:r>
+              <a:rPr lang="en-US" dirty="0"/>
+              <a:t>A typical serverless application consists of one or more AWS Lambda functions triggered by events such as object uploads to Amazon S3, Amazon SNS notifications, and API actions. </a:t>
+            </a:r>
+          </a:p>
+          <a:p>
+            <a:r>
+              <a:rPr lang="en-US" dirty="0"/>
+              <a:t>.The most basic serverless application is simply a function.</a:t>
+            </a:r>
+          </a:p>
+        </p:txBody>
+      </p:sp>
     </p:spTree>
     <p:extLst>
       <p:ext uri="{BB962C8B-B14F-4D97-AF65-F5344CB8AC3E}">
-        <p14:creationId xmlns:p14="http://schemas.microsoft.com/office/powerpoint/2010/main" val="2797801054"/>
+        <p14:creationId xmlns:p14="http://schemas.microsoft.com/office/powerpoint/2010/main" val="2436589132"/>
+      </p:ext>
+    </p:extLst>
+  </p:cSld>
+  <p:clrMapOvr>
+    <a:masterClrMapping/>
+  </p:clrMapOvr>
+</p:sld>
+</file>
+
+<file path=ppt/slides/slide9.xml><?xml version="1.0" encoding="utf-8"?>
+<p:sld xmlns:a="http://schemas.openxmlformats.org/drawingml/2006/main" xmlns:r="http://schemas.openxmlformats.org/officeDocument/2006/relationships" xmlns:p="http://schemas.openxmlformats.org/presentationml/2006/main">
+  <p:cSld>
+    <p:spTree>
+      <p:nvGrpSpPr>
+        <p:cNvPr id="1" name=""/>
+        <p:cNvGrpSpPr/>
+        <p:nvPr/>
+      </p:nvGrpSpPr>
+      <p:grpSpPr>
+        <a:xfrm>
+          <a:off x="0" y="0"/>
+          <a:ext cx="0" cy="0"/>
+          <a:chOff x="0" y="0"/>
+          <a:chExt cx="0" cy="0"/>
+        </a:xfrm>
+      </p:grpSpPr>
+      <p:sp>
+        <p:nvSpPr>
+          <p:cNvPr id="2" name="Title 1"/>
+          <p:cNvSpPr>
+            <a:spLocks noGrp="1"/>
+          </p:cNvSpPr>
+          <p:nvPr>
+            <p:ph type="title"/>
+          </p:nvPr>
+        </p:nvSpPr>
+        <p:spPr/>
+        <p:txBody>
+          <a:bodyPr>
+            <a:normAutofit/>
+          </a:bodyPr>
+          <a:lstStyle/>
+          <a:p>
+            <a:r>
+              <a:rPr lang="en-US" dirty="0"/>
+              <a:t>AWS SAM</a:t>
+            </a:r>
+          </a:p>
+        </p:txBody>
+      </p:sp>
+      <p:sp>
+        <p:nvSpPr>
+          <p:cNvPr id="5" name="Content Placeholder 4">
+            <a:extLst>
+              <a:ext uri="{FF2B5EF4-FFF2-40B4-BE49-F238E27FC236}">
+                <a16:creationId xmlns:a16="http://schemas.microsoft.com/office/drawing/2014/main" id="{63F591BC-ACCE-834D-80A0-C88EB6FD5E33}"/>
+              </a:ext>
+            </a:extLst>
+          </p:cNvPr>
+          <p:cNvSpPr>
+            <a:spLocks noGrp="1"/>
+          </p:cNvSpPr>
+          <p:nvPr>
+            <p:ph idx="1"/>
+          </p:nvPr>
+        </p:nvSpPr>
+        <p:spPr/>
+        <p:txBody>
+          <a:bodyPr>
+            <a:normAutofit/>
+          </a:bodyPr>
+          <a:lstStyle/>
+          <a:p>
+            <a:r>
+              <a:rPr lang="en-US" dirty="0"/>
+              <a:t>AWS SAM is based on AWS CloudFormation.</a:t>
+            </a:r>
+          </a:p>
+          <a:p>
+            <a:r>
+              <a:rPr lang="en-US" dirty="0"/>
+              <a:t>A serverless application is defined in a CloudFormation template and deployed as a CloudFormation stack.</a:t>
+            </a:r>
+          </a:p>
+          <a:p>
+            <a:r>
+              <a:rPr lang="en-US" dirty="0"/>
+              <a:t>An AWS SAM template is a CloudFormation template.</a:t>
+            </a:r>
+          </a:p>
+          <a:p>
+            <a:r>
+              <a:rPr lang="en-US" dirty="0"/>
+              <a:t>AWS SAM defines a set of resources that describe common components of serverless applications</a:t>
+            </a:r>
+          </a:p>
+        </p:txBody>
+      </p:sp>
+    </p:spTree>
+    <p:extLst>
+      <p:ext uri="{BB962C8B-B14F-4D97-AF65-F5344CB8AC3E}">
+        <p14:creationId xmlns:p14="http://schemas.microsoft.com/office/powerpoint/2010/main" val="3198215516"/>
       </p:ext>
     </p:extLst>
   </p:cSld>

--- a/Module 04 Building a CI:CD pipeline for serverless applications within AWS (Lambda).pptx
+++ b/Module 04 Building a CI:CD pipeline for serverless applications within AWS (Lambda).pptx
@@ -5,7 +5,7 @@
     <p:sldMasterId id="2147483648" r:id="rId1"/>
   </p:sldMasterIdLst>
   <p:notesMasterIdLst>
-    <p:notesMasterId r:id="rId25"/>
+    <p:notesMasterId r:id="rId30"/>
   </p:notesMasterIdLst>
   <p:sldIdLst>
     <p:sldId id="256" r:id="rId2"/>
@@ -30,7 +30,12 @@
     <p:sldId id="330" r:id="rId21"/>
     <p:sldId id="331" r:id="rId22"/>
     <p:sldId id="332" r:id="rId23"/>
-    <p:sldId id="268" r:id="rId24"/>
+    <p:sldId id="333" r:id="rId24"/>
+    <p:sldId id="334" r:id="rId25"/>
+    <p:sldId id="335" r:id="rId26"/>
+    <p:sldId id="336" r:id="rId27"/>
+    <p:sldId id="337" r:id="rId28"/>
+    <p:sldId id="268" r:id="rId29"/>
   </p:sldIdLst>
   <p:sldSz cx="9144000" cy="6858000" type="screen4x3"/>
   <p:notesSz cx="6858000" cy="9144000"/>
@@ -1731,6 +1736,356 @@
     <p:extLst>
       <p:ext uri="{BB962C8B-B14F-4D97-AF65-F5344CB8AC3E}">
         <p14:creationId xmlns:p14="http://schemas.microsoft.com/office/powerpoint/2010/main" val="3159338216"/>
+      </p:ext>
+    </p:extLst>
+  </p:cSld>
+  <p:clrMapOvr>
+    <a:masterClrMapping/>
+  </p:clrMapOvr>
+</p:notes>
+</file>
+
+<file path=ppt/notesSlides/notesSlide21.xml><?xml version="1.0" encoding="utf-8"?>
+<p:notes xmlns:a="http://schemas.openxmlformats.org/drawingml/2006/main" xmlns:r="http://schemas.openxmlformats.org/officeDocument/2006/relationships" xmlns:p="http://schemas.openxmlformats.org/presentationml/2006/main">
+  <p:cSld>
+    <p:spTree>
+      <p:nvGrpSpPr>
+        <p:cNvPr id="1" name=""/>
+        <p:cNvGrpSpPr/>
+        <p:nvPr/>
+      </p:nvGrpSpPr>
+      <p:grpSpPr>
+        <a:xfrm>
+          <a:off x="0" y="0"/>
+          <a:ext cx="0" cy="0"/>
+          <a:chOff x="0" y="0"/>
+          <a:chExt cx="0" cy="0"/>
+        </a:xfrm>
+      </p:grpSpPr>
+      <p:sp>
+        <p:nvSpPr>
+          <p:cNvPr id="2" name="Slide Image Placeholder 1"/>
+          <p:cNvSpPr>
+            <a:spLocks noGrp="1" noRot="1" noChangeAspect="1"/>
+          </p:cNvSpPr>
+          <p:nvPr>
+            <p:ph type="sldImg"/>
+          </p:nvPr>
+        </p:nvSpPr>
+        <p:spPr/>
+      </p:sp>
+      <p:sp>
+        <p:nvSpPr>
+          <p:cNvPr id="3" name="Notes Placeholder 2"/>
+          <p:cNvSpPr>
+            <a:spLocks noGrp="1"/>
+          </p:cNvSpPr>
+          <p:nvPr>
+            <p:ph type="body" idx="1"/>
+          </p:nvPr>
+        </p:nvSpPr>
+        <p:spPr/>
+        <p:txBody>
+          <a:bodyPr>
+            <a:normAutofit/>
+          </a:bodyPr>
+          <a:lstStyle/>
+          <a:p>
+            <a:endParaRPr lang="en-US" sz="1200" b="0" i="0" kern="1200" dirty="0">
+              <a:solidFill>
+                <a:schemeClr val="tx1"/>
+              </a:solidFill>
+              <a:effectLst/>
+              <a:latin typeface="+mn-lt"/>
+              <a:ea typeface="+mn-ea"/>
+              <a:cs typeface="+mn-cs"/>
+            </a:endParaRPr>
+          </a:p>
+        </p:txBody>
+      </p:sp>
+      <p:sp>
+        <p:nvSpPr>
+          <p:cNvPr id="4" name="Slide Number Placeholder 3"/>
+          <p:cNvSpPr>
+            <a:spLocks noGrp="1"/>
+          </p:cNvSpPr>
+          <p:nvPr>
+            <p:ph type="sldNum" sz="quarter" idx="10"/>
+          </p:nvPr>
+        </p:nvSpPr>
+        <p:spPr/>
+        <p:txBody>
+          <a:bodyPr/>
+          <a:lstStyle/>
+          <a:p>
+            <a:fld id="{C18343ED-3762-4D46-A439-B4D407E13EF8}" type="slidenum">
+              <a:rPr lang="en-US" smtClean="0"/>
+              <a:pPr/>
+              <a:t>24</a:t>
+            </a:fld>
+            <a:endParaRPr lang="en-US"/>
+          </a:p>
+        </p:txBody>
+      </p:sp>
+    </p:spTree>
+    <p:extLst>
+      <p:ext uri="{BB962C8B-B14F-4D97-AF65-F5344CB8AC3E}">
+        <p14:creationId xmlns:p14="http://schemas.microsoft.com/office/powerpoint/2010/main" val="2535113311"/>
+      </p:ext>
+    </p:extLst>
+  </p:cSld>
+  <p:clrMapOvr>
+    <a:masterClrMapping/>
+  </p:clrMapOvr>
+</p:notes>
+</file>
+
+<file path=ppt/notesSlides/notesSlide22.xml><?xml version="1.0" encoding="utf-8"?>
+<p:notes xmlns:a="http://schemas.openxmlformats.org/drawingml/2006/main" xmlns:r="http://schemas.openxmlformats.org/officeDocument/2006/relationships" xmlns:p="http://schemas.openxmlformats.org/presentationml/2006/main">
+  <p:cSld>
+    <p:spTree>
+      <p:nvGrpSpPr>
+        <p:cNvPr id="1" name=""/>
+        <p:cNvGrpSpPr/>
+        <p:nvPr/>
+      </p:nvGrpSpPr>
+      <p:grpSpPr>
+        <a:xfrm>
+          <a:off x="0" y="0"/>
+          <a:ext cx="0" cy="0"/>
+          <a:chOff x="0" y="0"/>
+          <a:chExt cx="0" cy="0"/>
+        </a:xfrm>
+      </p:grpSpPr>
+      <p:sp>
+        <p:nvSpPr>
+          <p:cNvPr id="2" name="Slide Image Placeholder 1"/>
+          <p:cNvSpPr>
+            <a:spLocks noGrp="1" noRot="1" noChangeAspect="1"/>
+          </p:cNvSpPr>
+          <p:nvPr>
+            <p:ph type="sldImg"/>
+          </p:nvPr>
+        </p:nvSpPr>
+        <p:spPr/>
+      </p:sp>
+      <p:sp>
+        <p:nvSpPr>
+          <p:cNvPr id="3" name="Notes Placeholder 2"/>
+          <p:cNvSpPr>
+            <a:spLocks noGrp="1"/>
+          </p:cNvSpPr>
+          <p:nvPr>
+            <p:ph type="body" idx="1"/>
+          </p:nvPr>
+        </p:nvSpPr>
+        <p:spPr/>
+        <p:txBody>
+          <a:bodyPr>
+            <a:normAutofit/>
+          </a:bodyPr>
+          <a:lstStyle/>
+          <a:p>
+            <a:endParaRPr lang="en-US" sz="1200" b="0" i="0" kern="1200" dirty="0">
+              <a:solidFill>
+                <a:schemeClr val="tx1"/>
+              </a:solidFill>
+              <a:effectLst/>
+              <a:latin typeface="+mn-lt"/>
+              <a:ea typeface="+mn-ea"/>
+              <a:cs typeface="+mn-cs"/>
+            </a:endParaRPr>
+          </a:p>
+        </p:txBody>
+      </p:sp>
+      <p:sp>
+        <p:nvSpPr>
+          <p:cNvPr id="4" name="Slide Number Placeholder 3"/>
+          <p:cNvSpPr>
+            <a:spLocks noGrp="1"/>
+          </p:cNvSpPr>
+          <p:nvPr>
+            <p:ph type="sldNum" sz="quarter" idx="10"/>
+          </p:nvPr>
+        </p:nvSpPr>
+        <p:spPr/>
+        <p:txBody>
+          <a:bodyPr/>
+          <a:lstStyle/>
+          <a:p>
+            <a:fld id="{C18343ED-3762-4D46-A439-B4D407E13EF8}" type="slidenum">
+              <a:rPr lang="en-US" smtClean="0"/>
+              <a:pPr/>
+              <a:t>25</a:t>
+            </a:fld>
+            <a:endParaRPr lang="en-US"/>
+          </a:p>
+        </p:txBody>
+      </p:sp>
+    </p:spTree>
+    <p:extLst>
+      <p:ext uri="{BB962C8B-B14F-4D97-AF65-F5344CB8AC3E}">
+        <p14:creationId xmlns:p14="http://schemas.microsoft.com/office/powerpoint/2010/main" val="2780016604"/>
+      </p:ext>
+    </p:extLst>
+  </p:cSld>
+  <p:clrMapOvr>
+    <a:masterClrMapping/>
+  </p:clrMapOvr>
+</p:notes>
+</file>
+
+<file path=ppt/notesSlides/notesSlide23.xml><?xml version="1.0" encoding="utf-8"?>
+<p:notes xmlns:a="http://schemas.openxmlformats.org/drawingml/2006/main" xmlns:r="http://schemas.openxmlformats.org/officeDocument/2006/relationships" xmlns:p="http://schemas.openxmlformats.org/presentationml/2006/main">
+  <p:cSld>
+    <p:spTree>
+      <p:nvGrpSpPr>
+        <p:cNvPr id="1" name=""/>
+        <p:cNvGrpSpPr/>
+        <p:nvPr/>
+      </p:nvGrpSpPr>
+      <p:grpSpPr>
+        <a:xfrm>
+          <a:off x="0" y="0"/>
+          <a:ext cx="0" cy="0"/>
+          <a:chOff x="0" y="0"/>
+          <a:chExt cx="0" cy="0"/>
+        </a:xfrm>
+      </p:grpSpPr>
+      <p:sp>
+        <p:nvSpPr>
+          <p:cNvPr id="2" name="Slide Image Placeholder 1"/>
+          <p:cNvSpPr>
+            <a:spLocks noGrp="1" noRot="1" noChangeAspect="1"/>
+          </p:cNvSpPr>
+          <p:nvPr>
+            <p:ph type="sldImg"/>
+          </p:nvPr>
+        </p:nvSpPr>
+        <p:spPr/>
+      </p:sp>
+      <p:sp>
+        <p:nvSpPr>
+          <p:cNvPr id="3" name="Notes Placeholder 2"/>
+          <p:cNvSpPr>
+            <a:spLocks noGrp="1"/>
+          </p:cNvSpPr>
+          <p:nvPr>
+            <p:ph type="body" idx="1"/>
+          </p:nvPr>
+        </p:nvSpPr>
+        <p:spPr/>
+        <p:txBody>
+          <a:bodyPr>
+            <a:normAutofit/>
+          </a:bodyPr>
+          <a:lstStyle/>
+          <a:p>
+            <a:r>
+              <a:rPr lang="en-US" sz="1200" b="0" i="0" kern="1200" dirty="0">
+                <a:solidFill>
+                  <a:schemeClr val="tx1"/>
+                </a:solidFill>
+                <a:effectLst/>
+                <a:latin typeface="+mn-lt"/>
+                <a:ea typeface="+mn-ea"/>
+                <a:cs typeface="+mn-cs"/>
+              </a:rPr>
+              <a:t>As you can see, the basic X-Ray integration into Lambda requires only two changes. One new line of code to include the </a:t>
+            </a:r>
+            <a:r>
+              <a:rPr lang="en-US" sz="1200" b="0" i="0" kern="1200" dirty="0" err="1">
+                <a:solidFill>
+                  <a:schemeClr val="tx1"/>
+                </a:solidFill>
+                <a:effectLst/>
+                <a:latin typeface="+mn-lt"/>
+                <a:ea typeface="+mn-ea"/>
+                <a:cs typeface="+mn-cs"/>
+              </a:rPr>
+              <a:t>aws-xray-sdk</a:t>
+            </a:r>
+            <a:r>
+              <a:rPr lang="en-US" sz="1200" b="0" i="0" kern="1200" dirty="0">
+                <a:solidFill>
+                  <a:schemeClr val="tx1"/>
+                </a:solidFill>
+                <a:effectLst/>
+                <a:latin typeface="+mn-lt"/>
+                <a:ea typeface="+mn-ea"/>
+                <a:cs typeface="+mn-cs"/>
+              </a:rPr>
+              <a:t>, and a second modification to wrap the </a:t>
+            </a:r>
+            <a:r>
+              <a:rPr lang="en-US" sz="1200" b="0" i="0" kern="1200" dirty="0" err="1">
+                <a:solidFill>
+                  <a:schemeClr val="tx1"/>
+                </a:solidFill>
+                <a:effectLst/>
+                <a:latin typeface="+mn-lt"/>
+                <a:ea typeface="+mn-ea"/>
+                <a:cs typeface="+mn-cs"/>
+              </a:rPr>
+              <a:t>aws-sdk</a:t>
+            </a:r>
+            <a:r>
+              <a:rPr lang="en-US" sz="1200" b="0" i="0" kern="1200" dirty="0">
+                <a:solidFill>
+                  <a:schemeClr val="tx1"/>
+                </a:solidFill>
+                <a:effectLst/>
+                <a:latin typeface="+mn-lt"/>
+                <a:ea typeface="+mn-ea"/>
+                <a:cs typeface="+mn-cs"/>
+              </a:rPr>
+              <a:t> library with X-Ray. This causes all the AWS API calls to be wrapped by X-Ray for instrumentation without having to change the code further.</a:t>
+            </a:r>
+          </a:p>
+          <a:p>
+            <a:br>
+              <a:rPr lang="en-US" dirty="0"/>
+            </a:br>
+            <a:endParaRPr lang="en-US" sz="1200" b="0" i="0" kern="1200" dirty="0">
+              <a:solidFill>
+                <a:schemeClr val="tx1"/>
+              </a:solidFill>
+              <a:effectLst/>
+              <a:latin typeface="+mn-lt"/>
+              <a:ea typeface="+mn-ea"/>
+              <a:cs typeface="+mn-cs"/>
+            </a:endParaRPr>
+          </a:p>
+        </p:txBody>
+      </p:sp>
+      <p:sp>
+        <p:nvSpPr>
+          <p:cNvPr id="4" name="Slide Number Placeholder 3"/>
+          <p:cNvSpPr>
+            <a:spLocks noGrp="1"/>
+          </p:cNvSpPr>
+          <p:nvPr>
+            <p:ph type="sldNum" sz="quarter" idx="10"/>
+          </p:nvPr>
+        </p:nvSpPr>
+        <p:spPr/>
+        <p:txBody>
+          <a:bodyPr/>
+          <a:lstStyle/>
+          <a:p>
+            <a:fld id="{C18343ED-3762-4D46-A439-B4D407E13EF8}" type="slidenum">
+              <a:rPr lang="en-US" smtClean="0"/>
+              <a:pPr/>
+              <a:t>26</a:t>
+            </a:fld>
+            <a:endParaRPr lang="en-US"/>
+          </a:p>
+        </p:txBody>
+      </p:sp>
+    </p:spTree>
+    <p:extLst>
+      <p:ext uri="{BB962C8B-B14F-4D97-AF65-F5344CB8AC3E}">
+        <p14:creationId xmlns:p14="http://schemas.microsoft.com/office/powerpoint/2010/main" val="3105779326"/>
       </p:ext>
     </p:extLst>
   </p:cSld>
@@ -9147,13 +9502,6 @@
               <a:t>AWS CodeBuild</a:t>
             </a:r>
           </a:p>
-          <a:p>
-            <a:r>
-              <a:rPr lang="en-US" b="1" dirty="0"/>
-              <a:t>Amazon S3 Bucket</a:t>
-            </a:r>
-            <a:endParaRPr lang="en-US" dirty="0"/>
-          </a:p>
         </p:txBody>
       </p:sp>
     </p:spTree>
@@ -9444,13 +9792,8 @@
           <a:p>
             <a:r>
               <a:rPr lang="en-US" dirty="0"/>
-              <a:t>AWS X-Ray </a:t>
-            </a:r>
-            <a:r>
-              <a:rPr lang="en-US" dirty="0" err="1"/>
-              <a:t>Integraion</a:t>
-            </a:r>
-            <a:endParaRPr lang="en-US" dirty="0"/>
+              <a:t>AWS X-Ray Integration</a:t>
+            </a:r>
           </a:p>
         </p:txBody>
       </p:sp>
@@ -10005,6 +10348,1257 @@
 </file>
 
 <file path=ppt/slides/slide23.xml><?xml version="1.0" encoding="utf-8"?>
+<p:sld xmlns:a="http://schemas.openxmlformats.org/drawingml/2006/main" xmlns:r="http://schemas.openxmlformats.org/officeDocument/2006/relationships" xmlns:p="http://schemas.openxmlformats.org/presentationml/2006/main">
+  <p:cSld>
+    <p:spTree>
+      <p:nvGrpSpPr>
+        <p:cNvPr id="1" name=""/>
+        <p:cNvGrpSpPr/>
+        <p:nvPr/>
+      </p:nvGrpSpPr>
+      <p:grpSpPr>
+        <a:xfrm>
+          <a:off x="0" y="0"/>
+          <a:ext cx="0" cy="0"/>
+          <a:chOff x="0" y="0"/>
+          <a:chExt cx="0" cy="0"/>
+        </a:xfrm>
+      </p:grpSpPr>
+      <p:sp>
+        <p:nvSpPr>
+          <p:cNvPr id="4" name="Title 3"/>
+          <p:cNvSpPr>
+            <a:spLocks noGrp="1"/>
+          </p:cNvSpPr>
+          <p:nvPr>
+            <p:ph type="title"/>
+          </p:nvPr>
+        </p:nvSpPr>
+        <p:spPr/>
+        <p:txBody>
+          <a:bodyPr/>
+          <a:lstStyle/>
+          <a:p>
+            <a:r>
+              <a:rPr lang="en-US" dirty="0"/>
+              <a:t>Lab: CodeBuild</a:t>
+            </a:r>
+          </a:p>
+        </p:txBody>
+      </p:sp>
+      <p:sp>
+        <p:nvSpPr>
+          <p:cNvPr id="7" name="object 2">
+            <a:extLst>
+              <a:ext uri="{FF2B5EF4-FFF2-40B4-BE49-F238E27FC236}">
+                <a16:creationId xmlns:a16="http://schemas.microsoft.com/office/drawing/2014/main" id="{78E4DFED-6995-4008-B935-BB168A28B722}"/>
+              </a:ext>
+            </a:extLst>
+          </p:cNvPr>
+          <p:cNvSpPr txBox="1"/>
+          <p:nvPr/>
+        </p:nvSpPr>
+        <p:spPr>
+          <a:xfrm>
+            <a:off x="575556" y="5678306"/>
+            <a:ext cx="8046895" cy="126958"/>
+          </a:xfrm>
+          <a:prstGeom prst="rect">
+            <a:avLst/>
+          </a:prstGeom>
+        </p:spPr>
+        <p:txBody>
+          <a:bodyPr vert="horz" wrap="square" lIns="0" tIns="0" rIns="0" bIns="0" rtlCol="0">
+            <a:spAutoFit/>
+          </a:bodyPr>
+          <a:lstStyle/>
+          <a:p>
+            <a:pPr marL="9525"/>
+            <a:r>
+              <a:rPr lang="en-US" sz="825" dirty="0">
+                <a:solidFill>
+                  <a:schemeClr val="tx1">
+                    <a:lumMod val="85000"/>
+                    <a:lumOff val="15000"/>
+                  </a:schemeClr>
+                </a:solidFill>
+                <a:latin typeface="Segoe UI"/>
+                <a:cs typeface="Segoe UI"/>
+              </a:rPr>
+              <a:t>© Copyright SELA Software &amp; Education Labs Ltd. | 14-18 Baruch Hirsch St </a:t>
+            </a:r>
+            <a:r>
+              <a:rPr lang="en-US" sz="825" dirty="0" err="1">
+                <a:solidFill>
+                  <a:schemeClr val="tx1">
+                    <a:lumMod val="85000"/>
+                    <a:lumOff val="15000"/>
+                  </a:schemeClr>
+                </a:solidFill>
+                <a:latin typeface="Segoe UI"/>
+                <a:cs typeface="Segoe UI"/>
+              </a:rPr>
+              <a:t>Bnei</a:t>
+            </a:r>
+            <a:r>
+              <a:rPr lang="en-US" sz="825" dirty="0">
+                <a:solidFill>
+                  <a:schemeClr val="tx1">
+                    <a:lumMod val="85000"/>
+                    <a:lumOff val="15000"/>
+                  </a:schemeClr>
+                </a:solidFill>
+                <a:latin typeface="Segoe UI"/>
+                <a:cs typeface="Segoe UI"/>
+              </a:rPr>
+              <a:t> </a:t>
+            </a:r>
+            <a:r>
+              <a:rPr lang="en-US" sz="825" dirty="0" err="1">
+                <a:solidFill>
+                  <a:schemeClr val="tx1">
+                    <a:lumMod val="85000"/>
+                    <a:lumOff val="15000"/>
+                  </a:schemeClr>
+                </a:solidFill>
+                <a:latin typeface="Segoe UI"/>
+                <a:cs typeface="Segoe UI"/>
+              </a:rPr>
+              <a:t>Brak</a:t>
+            </a:r>
+            <a:r>
+              <a:rPr lang="en-US" sz="825" dirty="0">
+                <a:solidFill>
+                  <a:schemeClr val="tx1">
+                    <a:lumMod val="85000"/>
+                    <a:lumOff val="15000"/>
+                  </a:schemeClr>
+                </a:solidFill>
+                <a:latin typeface="Segoe UI"/>
+                <a:cs typeface="Segoe UI"/>
+              </a:rPr>
+              <a:t>, 51202 Israel | www.selagroup.com | DevOps Course | Trainer Name – trainer@email.com</a:t>
+            </a:r>
+            <a:endParaRPr sz="825" dirty="0">
+              <a:solidFill>
+                <a:schemeClr val="tx1">
+                  <a:lumMod val="85000"/>
+                  <a:lumOff val="15000"/>
+                </a:schemeClr>
+              </a:solidFill>
+              <a:latin typeface="Segoe UI"/>
+              <a:cs typeface="Segoe UI"/>
+            </a:endParaRPr>
+          </a:p>
+        </p:txBody>
+      </p:sp>
+    </p:spTree>
+    <p:extLst>
+      <p:ext uri="{BB962C8B-B14F-4D97-AF65-F5344CB8AC3E}">
+        <p14:creationId xmlns:p14="http://schemas.microsoft.com/office/powerpoint/2010/main" val="3520223469"/>
+      </p:ext>
+    </p:extLst>
+  </p:cSld>
+  <p:clrMapOvr>
+    <a:masterClrMapping/>
+  </p:clrMapOvr>
+</p:sld>
+</file>
+
+<file path=ppt/slides/slide24.xml><?xml version="1.0" encoding="utf-8"?>
+<p:sld xmlns:a="http://schemas.openxmlformats.org/drawingml/2006/main" xmlns:r="http://schemas.openxmlformats.org/officeDocument/2006/relationships" xmlns:p="http://schemas.openxmlformats.org/presentationml/2006/main">
+  <p:cSld>
+    <p:spTree>
+      <p:nvGrpSpPr>
+        <p:cNvPr id="1" name=""/>
+        <p:cNvGrpSpPr/>
+        <p:nvPr/>
+      </p:nvGrpSpPr>
+      <p:grpSpPr>
+        <a:xfrm>
+          <a:off x="0" y="0"/>
+          <a:ext cx="0" cy="0"/>
+          <a:chOff x="0" y="0"/>
+          <a:chExt cx="0" cy="0"/>
+        </a:xfrm>
+      </p:grpSpPr>
+      <p:sp>
+        <p:nvSpPr>
+          <p:cNvPr id="2" name="Title 1"/>
+          <p:cNvSpPr>
+            <a:spLocks noGrp="1"/>
+          </p:cNvSpPr>
+          <p:nvPr>
+            <p:ph type="title"/>
+          </p:nvPr>
+        </p:nvSpPr>
+        <p:spPr/>
+        <p:txBody>
+          <a:bodyPr>
+            <a:normAutofit/>
+          </a:bodyPr>
+          <a:lstStyle/>
+          <a:p>
+            <a:r>
+              <a:rPr lang="en-US" b="1" dirty="0"/>
+              <a:t>AWS X-Ray Integration</a:t>
+            </a:r>
+          </a:p>
+        </p:txBody>
+      </p:sp>
+      <p:sp>
+        <p:nvSpPr>
+          <p:cNvPr id="7" name="Content Placeholder 4">
+            <a:extLst>
+              <a:ext uri="{FF2B5EF4-FFF2-40B4-BE49-F238E27FC236}">
+                <a16:creationId xmlns:a16="http://schemas.microsoft.com/office/drawing/2014/main" id="{E7E4FB82-0726-224A-B827-AB74385322EE}"/>
+              </a:ext>
+            </a:extLst>
+          </p:cNvPr>
+          <p:cNvSpPr>
+            <a:spLocks noGrp="1"/>
+          </p:cNvSpPr>
+          <p:nvPr>
+            <p:ph idx="1"/>
+          </p:nvPr>
+        </p:nvSpPr>
+        <p:spPr>
+          <a:xfrm>
+            <a:off x="611560" y="1492161"/>
+            <a:ext cx="7992888" cy="4648200"/>
+          </a:xfrm>
+        </p:spPr>
+        <p:txBody>
+          <a:bodyPr>
+            <a:normAutofit/>
+          </a:bodyPr>
+          <a:lstStyle/>
+          <a:p>
+            <a:r>
+              <a:rPr lang="en-US" dirty="0">
+                <a:hlinkClick r:id="rId3"/>
+              </a:rPr>
+              <a:t>AWS X-Ray</a:t>
+            </a:r>
+            <a:r>
+              <a:rPr lang="en-US" dirty="0"/>
+              <a:t> helps you analyze and debug production, distributed applications. </a:t>
+            </a:r>
+          </a:p>
+          <a:p>
+            <a:r>
+              <a:rPr lang="en-US" dirty="0"/>
+              <a:t>X-Ray provides an end-to-end view of requests as they travel through your application, and shows a map of your application's underlying components.</a:t>
+            </a:r>
+          </a:p>
+          <a:p>
+            <a:r>
+              <a:rPr lang="en-US" dirty="0"/>
+              <a:t>You can use X-Ray to analyze both applications in development and in production.</a:t>
+            </a:r>
+          </a:p>
+        </p:txBody>
+      </p:sp>
+    </p:spTree>
+    <p:extLst>
+      <p:ext uri="{BB962C8B-B14F-4D97-AF65-F5344CB8AC3E}">
+        <p14:creationId xmlns:p14="http://schemas.microsoft.com/office/powerpoint/2010/main" val="2702598001"/>
+      </p:ext>
+    </p:extLst>
+  </p:cSld>
+  <p:clrMapOvr>
+    <a:masterClrMapping/>
+  </p:clrMapOvr>
+</p:sld>
+</file>
+
+<file path=ppt/slides/slide25.xml><?xml version="1.0" encoding="utf-8"?>
+<p:sld xmlns:a="http://schemas.openxmlformats.org/drawingml/2006/main" xmlns:r="http://schemas.openxmlformats.org/officeDocument/2006/relationships" xmlns:p="http://schemas.openxmlformats.org/presentationml/2006/main">
+  <p:cSld>
+    <p:spTree>
+      <p:nvGrpSpPr>
+        <p:cNvPr id="1" name=""/>
+        <p:cNvGrpSpPr/>
+        <p:nvPr/>
+      </p:nvGrpSpPr>
+      <p:grpSpPr>
+        <a:xfrm>
+          <a:off x="0" y="0"/>
+          <a:ext cx="0" cy="0"/>
+          <a:chOff x="0" y="0"/>
+          <a:chExt cx="0" cy="0"/>
+        </a:xfrm>
+      </p:grpSpPr>
+      <p:sp>
+        <p:nvSpPr>
+          <p:cNvPr id="2" name="Title 1"/>
+          <p:cNvSpPr>
+            <a:spLocks noGrp="1"/>
+          </p:cNvSpPr>
+          <p:nvPr>
+            <p:ph type="title"/>
+          </p:nvPr>
+        </p:nvSpPr>
+        <p:spPr/>
+        <p:txBody>
+          <a:bodyPr>
+            <a:normAutofit fontScale="90000"/>
+          </a:bodyPr>
+          <a:lstStyle/>
+          <a:p>
+            <a:r>
+              <a:rPr lang="en-US" b="1" dirty="0"/>
+              <a:t>AWS X-Ray Integration with AWS Lambda</a:t>
+            </a:r>
+          </a:p>
+        </p:txBody>
+      </p:sp>
+      <p:sp>
+        <p:nvSpPr>
+          <p:cNvPr id="7" name="Content Placeholder 4">
+            <a:extLst>
+              <a:ext uri="{FF2B5EF4-FFF2-40B4-BE49-F238E27FC236}">
+                <a16:creationId xmlns:a16="http://schemas.microsoft.com/office/drawing/2014/main" id="{E7E4FB82-0726-224A-B827-AB74385322EE}"/>
+              </a:ext>
+            </a:extLst>
+          </p:cNvPr>
+          <p:cNvSpPr>
+            <a:spLocks noGrp="1"/>
+          </p:cNvSpPr>
+          <p:nvPr>
+            <p:ph idx="1"/>
+          </p:nvPr>
+        </p:nvSpPr>
+        <p:spPr>
+          <a:xfrm>
+            <a:off x="611560" y="1492161"/>
+            <a:ext cx="7992888" cy="4648200"/>
+          </a:xfrm>
+        </p:spPr>
+        <p:txBody>
+          <a:bodyPr>
+            <a:normAutofit/>
+          </a:bodyPr>
+          <a:lstStyle/>
+          <a:p>
+            <a:r>
+              <a:rPr lang="en-US" b="1" dirty="0"/>
+              <a:t>Enable Active Tracing on Lambda Functions - </a:t>
+            </a:r>
+            <a:r>
+              <a:rPr lang="en-US" dirty="0"/>
+              <a:t>Each Lambda Function must be enabled for active tracing for X-Ray by adding a Tracing property with a value of Active</a:t>
+            </a:r>
+          </a:p>
+          <a:p>
+            <a:r>
+              <a:rPr lang="en-US" b="1" dirty="0"/>
+              <a:t>Integrate AWS X-Ray SDK with Lambda Function - </a:t>
+            </a:r>
+            <a:r>
+              <a:rPr lang="en-US" dirty="0"/>
+              <a:t>To integrate the X-Ray SDK into the Node.js Unicorn API, the </a:t>
+            </a:r>
+            <a:r>
+              <a:rPr lang="en-US" dirty="0">
+                <a:hlinkClick r:id="rId3"/>
+              </a:rPr>
+              <a:t>aws-xray-sdk</a:t>
+            </a:r>
+            <a:r>
+              <a:rPr lang="en-US" dirty="0"/>
+              <a:t> node module is added as a project dependency using </a:t>
+            </a:r>
+            <a:r>
+              <a:rPr lang="en-US" dirty="0">
+                <a:hlinkClick r:id="rId4"/>
+              </a:rPr>
+              <a:t>npm</a:t>
+            </a:r>
+            <a:r>
+              <a:rPr lang="en-US" dirty="0"/>
+              <a:t>. This has already been included in the </a:t>
+            </a:r>
+            <a:r>
+              <a:rPr lang="en-US" dirty="0">
+                <a:hlinkClick r:id="rId5"/>
+              </a:rPr>
+              <a:t>package.json</a:t>
+            </a:r>
+            <a:r>
+              <a:rPr lang="en-US" dirty="0"/>
+              <a:t> file.</a:t>
+            </a:r>
+            <a:endParaRPr lang="en-US" b="1" dirty="0"/>
+          </a:p>
+        </p:txBody>
+      </p:sp>
+    </p:spTree>
+    <p:extLst>
+      <p:ext uri="{BB962C8B-B14F-4D97-AF65-F5344CB8AC3E}">
+        <p14:creationId xmlns:p14="http://schemas.microsoft.com/office/powerpoint/2010/main" val="1714136649"/>
+      </p:ext>
+    </p:extLst>
+  </p:cSld>
+  <p:clrMapOvr>
+    <a:masterClrMapping/>
+  </p:clrMapOvr>
+</p:sld>
+</file>
+
+<file path=ppt/slides/slide26.xml><?xml version="1.0" encoding="utf-8"?>
+<p:sld xmlns:a="http://schemas.openxmlformats.org/drawingml/2006/main" xmlns:r="http://schemas.openxmlformats.org/officeDocument/2006/relationships" xmlns:p="http://schemas.openxmlformats.org/presentationml/2006/main">
+  <p:cSld>
+    <p:spTree>
+      <p:nvGrpSpPr>
+        <p:cNvPr id="1" name=""/>
+        <p:cNvGrpSpPr/>
+        <p:nvPr/>
+      </p:nvGrpSpPr>
+      <p:grpSpPr>
+        <a:xfrm>
+          <a:off x="0" y="0"/>
+          <a:ext cx="0" cy="0"/>
+          <a:chOff x="0" y="0"/>
+          <a:chExt cx="0" cy="0"/>
+        </a:xfrm>
+      </p:grpSpPr>
+      <p:sp>
+        <p:nvSpPr>
+          <p:cNvPr id="2" name="Title 1"/>
+          <p:cNvSpPr>
+            <a:spLocks noGrp="1"/>
+          </p:cNvSpPr>
+          <p:nvPr>
+            <p:ph type="title"/>
+          </p:nvPr>
+        </p:nvSpPr>
+        <p:spPr/>
+        <p:txBody>
+          <a:bodyPr>
+            <a:normAutofit fontScale="90000"/>
+          </a:bodyPr>
+          <a:lstStyle/>
+          <a:p>
+            <a:r>
+              <a:rPr lang="en-US" b="1" dirty="0"/>
+              <a:t>AWS X-Ray Integration with AWS Lambda</a:t>
+            </a:r>
+          </a:p>
+        </p:txBody>
+      </p:sp>
+      <p:sp>
+        <p:nvSpPr>
+          <p:cNvPr id="7" name="Content Placeholder 4">
+            <a:extLst>
+              <a:ext uri="{FF2B5EF4-FFF2-40B4-BE49-F238E27FC236}">
+                <a16:creationId xmlns:a16="http://schemas.microsoft.com/office/drawing/2014/main" id="{E7E4FB82-0726-224A-B827-AB74385322EE}"/>
+              </a:ext>
+            </a:extLst>
+          </p:cNvPr>
+          <p:cNvSpPr>
+            <a:spLocks noGrp="1"/>
+          </p:cNvSpPr>
+          <p:nvPr>
+            <p:ph idx="1"/>
+          </p:nvPr>
+        </p:nvSpPr>
+        <p:spPr>
+          <a:xfrm>
+            <a:off x="611560" y="1492161"/>
+            <a:ext cx="7992888" cy="2296879"/>
+          </a:xfrm>
+        </p:spPr>
+        <p:txBody>
+          <a:bodyPr>
+            <a:normAutofit/>
+          </a:bodyPr>
+          <a:lstStyle/>
+          <a:p>
+            <a:r>
+              <a:rPr lang="en-US" dirty="0"/>
+              <a:t>With the addition of the </a:t>
+            </a:r>
+            <a:r>
+              <a:rPr lang="en-US" dirty="0">
+                <a:hlinkClick r:id="rId3"/>
+              </a:rPr>
+              <a:t>aws-xray-sdk</a:t>
+            </a:r>
+            <a:r>
+              <a:rPr lang="en-US" dirty="0"/>
+              <a:t> library to the project, the library needs to be integrated into the application code. Below are the Lambda function initialization code snippets before and after the X-Ray integration.</a:t>
+            </a:r>
+          </a:p>
+          <a:p>
+            <a:endParaRPr lang="en-US" b="1" dirty="0"/>
+          </a:p>
+        </p:txBody>
+      </p:sp>
+      <p:sp>
+        <p:nvSpPr>
+          <p:cNvPr id="3" name="TextBox 2">
+            <a:extLst>
+              <a:ext uri="{FF2B5EF4-FFF2-40B4-BE49-F238E27FC236}">
+                <a16:creationId xmlns:a16="http://schemas.microsoft.com/office/drawing/2014/main" id="{B237E316-91EF-1B4A-BDC3-537E307111BE}"/>
+              </a:ext>
+            </a:extLst>
+          </p:cNvPr>
+          <p:cNvSpPr txBox="1"/>
+          <p:nvPr/>
+        </p:nvSpPr>
+        <p:spPr>
+          <a:xfrm>
+            <a:off x="899592" y="3789040"/>
+            <a:ext cx="5627118" cy="923330"/>
+          </a:xfrm>
+          <a:prstGeom prst="rect">
+            <a:avLst/>
+          </a:prstGeom>
+          <a:solidFill>
+            <a:schemeClr val="tx1"/>
+          </a:solidFill>
+        </p:spPr>
+        <p:txBody>
+          <a:bodyPr wrap="none" rtlCol="0">
+            <a:spAutoFit/>
+          </a:bodyPr>
+          <a:lstStyle/>
+          <a:p>
+            <a:r>
+              <a:rPr lang="en-US" dirty="0" err="1">
+                <a:solidFill>
+                  <a:srgbClr val="B73999"/>
+                </a:solidFill>
+              </a:rPr>
+              <a:t>const</a:t>
+            </a:r>
+            <a:r>
+              <a:rPr lang="en-US" dirty="0"/>
+              <a:t> </a:t>
+            </a:r>
+            <a:r>
+              <a:rPr lang="en-US" dirty="0">
+                <a:solidFill>
+                  <a:srgbClr val="CF6A4C"/>
+                </a:solidFill>
+              </a:rPr>
+              <a:t>AWS</a:t>
+            </a:r>
+            <a:r>
+              <a:rPr lang="en-US" dirty="0"/>
+              <a:t> </a:t>
+            </a:r>
+            <a:r>
+              <a:rPr lang="en-US" dirty="0">
+                <a:solidFill>
+                  <a:srgbClr val="B73999"/>
+                </a:solidFill>
+              </a:rPr>
+              <a:t>=</a:t>
+            </a:r>
+            <a:r>
+              <a:rPr lang="en-US" dirty="0"/>
+              <a:t> </a:t>
+            </a:r>
+            <a:r>
+              <a:rPr lang="en-US" dirty="0">
+                <a:solidFill>
+                  <a:srgbClr val="CF6A4C"/>
+                </a:solidFill>
+              </a:rPr>
+              <a:t>require</a:t>
+            </a:r>
+            <a:r>
+              <a:rPr lang="en-US" dirty="0"/>
+              <a:t>(</a:t>
+            </a:r>
+            <a:r>
+              <a:rPr lang="en-US" dirty="0">
+                <a:solidFill>
+                  <a:srgbClr val="4078C0"/>
+                </a:solidFill>
+              </a:rPr>
+              <a:t>'</a:t>
+            </a:r>
+            <a:r>
+              <a:rPr lang="en-US" dirty="0" err="1">
+                <a:solidFill>
+                  <a:srgbClr val="4078C0"/>
+                </a:solidFill>
+              </a:rPr>
+              <a:t>aws-sdk</a:t>
+            </a:r>
+            <a:r>
+              <a:rPr lang="en-US" dirty="0">
+                <a:solidFill>
+                  <a:srgbClr val="4078C0"/>
+                </a:solidFill>
+              </a:rPr>
+              <a:t>’</a:t>
+            </a:r>
+            <a:r>
+              <a:rPr lang="en-US" dirty="0"/>
+              <a:t>);</a:t>
+            </a:r>
+          </a:p>
+          <a:p>
+            <a:r>
+              <a:rPr lang="en-US" dirty="0" err="1">
+                <a:solidFill>
+                  <a:srgbClr val="B73999"/>
+                </a:solidFill>
+              </a:rPr>
+              <a:t>const</a:t>
+            </a:r>
+            <a:r>
+              <a:rPr lang="en-US" dirty="0"/>
+              <a:t> </a:t>
+            </a:r>
+            <a:r>
+              <a:rPr lang="en-US" dirty="0" err="1">
+                <a:solidFill>
+                  <a:srgbClr val="CF6A4C"/>
+                </a:solidFill>
+              </a:rPr>
+              <a:t>docClient</a:t>
+            </a:r>
+            <a:r>
+              <a:rPr lang="en-US" dirty="0"/>
+              <a:t> </a:t>
+            </a:r>
+            <a:r>
+              <a:rPr lang="en-US" dirty="0">
+                <a:solidFill>
+                  <a:srgbClr val="B73999"/>
+                </a:solidFill>
+              </a:rPr>
+              <a:t>=</a:t>
+            </a:r>
+            <a:r>
+              <a:rPr lang="en-US" dirty="0"/>
+              <a:t> </a:t>
+            </a:r>
+            <a:r>
+              <a:rPr lang="en-US" dirty="0">
+                <a:solidFill>
+                  <a:srgbClr val="B73999"/>
+                </a:solidFill>
+              </a:rPr>
+              <a:t>new</a:t>
+            </a:r>
+            <a:r>
+              <a:rPr lang="en-US" dirty="0"/>
+              <a:t> </a:t>
+            </a:r>
+            <a:r>
+              <a:rPr lang="en-US" dirty="0" err="1">
+                <a:solidFill>
+                  <a:srgbClr val="AC885B"/>
+                </a:solidFill>
+              </a:rPr>
+              <a:t>AWS.DynamoDB.DocumentClient</a:t>
+            </a:r>
+            <a:r>
+              <a:rPr lang="en-US" dirty="0"/>
+              <a:t>();</a:t>
+            </a:r>
+          </a:p>
+          <a:p>
+            <a:r>
+              <a:rPr lang="en-US" dirty="0" err="1">
+                <a:solidFill>
+                  <a:srgbClr val="B73999"/>
+                </a:solidFill>
+              </a:rPr>
+              <a:t>const</a:t>
+            </a:r>
+            <a:r>
+              <a:rPr lang="en-US" dirty="0"/>
+              <a:t> </a:t>
+            </a:r>
+            <a:r>
+              <a:rPr lang="en-US" dirty="0" err="1">
+                <a:solidFill>
+                  <a:srgbClr val="CF6A4C"/>
+                </a:solidFill>
+              </a:rPr>
+              <a:t>tableName</a:t>
+            </a:r>
+            <a:r>
+              <a:rPr lang="en-US" dirty="0"/>
+              <a:t> </a:t>
+            </a:r>
+            <a:r>
+              <a:rPr lang="en-US" dirty="0">
+                <a:solidFill>
+                  <a:srgbClr val="B73999"/>
+                </a:solidFill>
+              </a:rPr>
+              <a:t>=</a:t>
+            </a:r>
+            <a:r>
+              <a:rPr lang="en-US" dirty="0"/>
+              <a:t> </a:t>
+            </a:r>
+            <a:r>
+              <a:rPr lang="en-US" dirty="0" err="1">
+                <a:solidFill>
+                  <a:srgbClr val="CF6A4C"/>
+                </a:solidFill>
+              </a:rPr>
+              <a:t>process</a:t>
+            </a:r>
+            <a:r>
+              <a:rPr lang="en-US" dirty="0" err="1"/>
+              <a:t>.</a:t>
+            </a:r>
+            <a:r>
+              <a:rPr lang="en-US" dirty="0" err="1">
+                <a:solidFill>
+                  <a:srgbClr val="BBBBBB"/>
+                </a:solidFill>
+              </a:rPr>
+              <a:t>env</a:t>
+            </a:r>
+            <a:r>
+              <a:rPr lang="en-US" dirty="0" err="1"/>
+              <a:t>.</a:t>
+            </a:r>
+            <a:r>
+              <a:rPr lang="en-US" dirty="0" err="1">
+                <a:solidFill>
+                  <a:srgbClr val="CF6A4C"/>
+                </a:solidFill>
+              </a:rPr>
+              <a:t>TABLE_NAME</a:t>
+            </a:r>
+            <a:r>
+              <a:rPr lang="en-US" dirty="0"/>
+              <a:t>;</a:t>
+            </a:r>
+          </a:p>
+        </p:txBody>
+      </p:sp>
+      <p:sp>
+        <p:nvSpPr>
+          <p:cNvPr id="5" name="TextBox 4">
+            <a:extLst>
+              <a:ext uri="{FF2B5EF4-FFF2-40B4-BE49-F238E27FC236}">
+                <a16:creationId xmlns:a16="http://schemas.microsoft.com/office/drawing/2014/main" id="{9D691674-B9AB-244A-B1BB-AD6BE06D97F5}"/>
+              </a:ext>
+            </a:extLst>
+          </p:cNvPr>
+          <p:cNvSpPr txBox="1"/>
+          <p:nvPr/>
+        </p:nvSpPr>
+        <p:spPr>
+          <a:xfrm>
+            <a:off x="899592" y="5013176"/>
+            <a:ext cx="5494068" cy="1200329"/>
+          </a:xfrm>
+          <a:prstGeom prst="rect">
+            <a:avLst/>
+          </a:prstGeom>
+          <a:solidFill>
+            <a:schemeClr val="tx1"/>
+          </a:solidFill>
+        </p:spPr>
+        <p:txBody>
+          <a:bodyPr wrap="none" rtlCol="0">
+            <a:spAutoFit/>
+          </a:bodyPr>
+          <a:lstStyle/>
+          <a:p>
+            <a:r>
+              <a:rPr lang="en-US" dirty="0" err="1">
+                <a:solidFill>
+                  <a:srgbClr val="B73999"/>
+                </a:solidFill>
+              </a:rPr>
+              <a:t>const</a:t>
+            </a:r>
+            <a:r>
+              <a:rPr lang="en-US" dirty="0"/>
+              <a:t> </a:t>
+            </a:r>
+            <a:r>
+              <a:rPr lang="en-US" dirty="0" err="1">
+                <a:solidFill>
+                  <a:srgbClr val="CF6A4C"/>
+                </a:solidFill>
+              </a:rPr>
+              <a:t>AWSXRay</a:t>
+            </a:r>
+            <a:r>
+              <a:rPr lang="en-US" dirty="0"/>
+              <a:t> </a:t>
+            </a:r>
+            <a:r>
+              <a:rPr lang="en-US" dirty="0">
+                <a:solidFill>
+                  <a:srgbClr val="B73999"/>
+                </a:solidFill>
+              </a:rPr>
+              <a:t>=</a:t>
+            </a:r>
+            <a:r>
+              <a:rPr lang="en-US" dirty="0"/>
+              <a:t> </a:t>
+            </a:r>
+            <a:r>
+              <a:rPr lang="en-US" dirty="0">
+                <a:solidFill>
+                  <a:srgbClr val="CF6A4C"/>
+                </a:solidFill>
+              </a:rPr>
+              <a:t>require</a:t>
+            </a:r>
+            <a:r>
+              <a:rPr lang="en-US" dirty="0"/>
+              <a:t>(</a:t>
+            </a:r>
+            <a:r>
+              <a:rPr lang="en-US" dirty="0">
+                <a:solidFill>
+                  <a:srgbClr val="4078C0"/>
+                </a:solidFill>
+              </a:rPr>
+              <a:t>'</a:t>
+            </a:r>
+            <a:r>
+              <a:rPr lang="en-US" dirty="0" err="1">
+                <a:solidFill>
+                  <a:srgbClr val="4078C0"/>
+                </a:solidFill>
+              </a:rPr>
+              <a:t>aws-xray-sdk</a:t>
+            </a:r>
+            <a:r>
+              <a:rPr lang="en-US" dirty="0">
+                <a:solidFill>
+                  <a:srgbClr val="4078C0"/>
+                </a:solidFill>
+              </a:rPr>
+              <a:t>’</a:t>
+            </a:r>
+            <a:r>
+              <a:rPr lang="en-US" dirty="0"/>
+              <a:t>)</a:t>
+            </a:r>
+          </a:p>
+          <a:p>
+            <a:r>
+              <a:rPr lang="en-US" dirty="0" err="1">
+                <a:solidFill>
+                  <a:srgbClr val="B73999"/>
+                </a:solidFill>
+              </a:rPr>
+              <a:t>const</a:t>
+            </a:r>
+            <a:r>
+              <a:rPr lang="en-US" dirty="0"/>
+              <a:t> </a:t>
+            </a:r>
+            <a:r>
+              <a:rPr lang="en-US" dirty="0">
+                <a:solidFill>
+                  <a:srgbClr val="CF6A4C"/>
+                </a:solidFill>
+              </a:rPr>
+              <a:t>AWS</a:t>
+            </a:r>
+            <a:r>
+              <a:rPr lang="en-US" dirty="0"/>
+              <a:t> </a:t>
+            </a:r>
+            <a:r>
+              <a:rPr lang="en-US" dirty="0">
+                <a:solidFill>
+                  <a:srgbClr val="B73999"/>
+                </a:solidFill>
+              </a:rPr>
+              <a:t>=</a:t>
+            </a:r>
+            <a:r>
+              <a:rPr lang="en-US" dirty="0"/>
+              <a:t> </a:t>
+            </a:r>
+            <a:r>
+              <a:rPr lang="en-US" dirty="0" err="1">
+                <a:solidFill>
+                  <a:srgbClr val="BBBBBB"/>
+                </a:solidFill>
+              </a:rPr>
+              <a:t>AWSXRay</a:t>
+            </a:r>
+            <a:r>
+              <a:rPr lang="en-US" dirty="0" err="1"/>
+              <a:t>.</a:t>
+            </a:r>
+            <a:r>
+              <a:rPr lang="en-US" dirty="0" err="1">
+                <a:solidFill>
+                  <a:srgbClr val="AC885B"/>
+                </a:solidFill>
+              </a:rPr>
+              <a:t>captureAWS</a:t>
+            </a:r>
+            <a:r>
+              <a:rPr lang="en-US" dirty="0"/>
+              <a:t>(</a:t>
+            </a:r>
+            <a:r>
+              <a:rPr lang="en-US" dirty="0">
+                <a:solidFill>
+                  <a:srgbClr val="CF6A4C"/>
+                </a:solidFill>
+              </a:rPr>
+              <a:t>require</a:t>
+            </a:r>
+            <a:r>
+              <a:rPr lang="en-US" dirty="0"/>
+              <a:t>(</a:t>
+            </a:r>
+            <a:r>
+              <a:rPr lang="en-US" dirty="0">
+                <a:solidFill>
+                  <a:srgbClr val="4078C0"/>
+                </a:solidFill>
+              </a:rPr>
+              <a:t>'</a:t>
+            </a:r>
+            <a:r>
+              <a:rPr lang="en-US" dirty="0" err="1">
+                <a:solidFill>
+                  <a:srgbClr val="4078C0"/>
+                </a:solidFill>
+              </a:rPr>
+              <a:t>aws-sdk</a:t>
+            </a:r>
+            <a:r>
+              <a:rPr lang="en-US" dirty="0">
+                <a:solidFill>
+                  <a:srgbClr val="4078C0"/>
+                </a:solidFill>
+              </a:rPr>
+              <a:t>’</a:t>
+            </a:r>
+            <a:r>
+              <a:rPr lang="en-US" dirty="0"/>
+              <a:t>) </a:t>
+            </a:r>
+          </a:p>
+          <a:p>
+            <a:r>
+              <a:rPr lang="en-US" dirty="0" err="1">
+                <a:solidFill>
+                  <a:srgbClr val="B73999"/>
+                </a:solidFill>
+              </a:rPr>
+              <a:t>const</a:t>
+            </a:r>
+            <a:r>
+              <a:rPr lang="en-US" dirty="0"/>
+              <a:t> </a:t>
+            </a:r>
+            <a:r>
+              <a:rPr lang="en-US" dirty="0" err="1">
+                <a:solidFill>
+                  <a:srgbClr val="CF6A4C"/>
+                </a:solidFill>
+              </a:rPr>
+              <a:t>docClient</a:t>
+            </a:r>
+            <a:r>
+              <a:rPr lang="en-US" dirty="0"/>
+              <a:t> </a:t>
+            </a:r>
+            <a:r>
+              <a:rPr lang="en-US" dirty="0">
+                <a:solidFill>
+                  <a:srgbClr val="B73999"/>
+                </a:solidFill>
+              </a:rPr>
+              <a:t>=</a:t>
+            </a:r>
+            <a:r>
+              <a:rPr lang="en-US" dirty="0"/>
+              <a:t> </a:t>
+            </a:r>
+            <a:r>
+              <a:rPr lang="en-US" dirty="0">
+                <a:solidFill>
+                  <a:srgbClr val="B73999"/>
+                </a:solidFill>
+              </a:rPr>
+              <a:t>new</a:t>
+            </a:r>
+            <a:r>
+              <a:rPr lang="en-US" dirty="0"/>
+              <a:t> </a:t>
+            </a:r>
+            <a:r>
+              <a:rPr lang="en-US" dirty="0" err="1">
+                <a:solidFill>
+                  <a:srgbClr val="AC885B"/>
+                </a:solidFill>
+              </a:rPr>
+              <a:t>AWS.DynamoDB.DocumentClient</a:t>
+            </a:r>
+            <a:r>
+              <a:rPr lang="en-US" dirty="0"/>
+              <a:t>(</a:t>
+            </a:r>
+          </a:p>
+          <a:p>
+            <a:r>
+              <a:rPr lang="en-US" dirty="0" err="1">
+                <a:solidFill>
+                  <a:srgbClr val="B73999"/>
+                </a:solidFill>
+              </a:rPr>
+              <a:t>const</a:t>
+            </a:r>
+            <a:r>
+              <a:rPr lang="en-US" dirty="0"/>
+              <a:t> </a:t>
+            </a:r>
+            <a:r>
+              <a:rPr lang="en-US" dirty="0" err="1">
+                <a:solidFill>
+                  <a:srgbClr val="CF6A4C"/>
+                </a:solidFill>
+              </a:rPr>
+              <a:t>tableName</a:t>
+            </a:r>
+            <a:r>
+              <a:rPr lang="en-US" dirty="0"/>
+              <a:t> </a:t>
+            </a:r>
+            <a:r>
+              <a:rPr lang="en-US" dirty="0">
+                <a:solidFill>
+                  <a:srgbClr val="B73999"/>
+                </a:solidFill>
+              </a:rPr>
+              <a:t>=</a:t>
+            </a:r>
+            <a:r>
+              <a:rPr lang="en-US" dirty="0"/>
+              <a:t> </a:t>
+            </a:r>
+            <a:r>
+              <a:rPr lang="en-US" dirty="0" err="1">
+                <a:solidFill>
+                  <a:srgbClr val="CF6A4C"/>
+                </a:solidFill>
+              </a:rPr>
+              <a:t>process</a:t>
+            </a:r>
+            <a:r>
+              <a:rPr lang="en-US" dirty="0" err="1"/>
+              <a:t>.</a:t>
+            </a:r>
+            <a:r>
+              <a:rPr lang="en-US" dirty="0" err="1">
+                <a:solidFill>
+                  <a:srgbClr val="BBBBBB"/>
+                </a:solidFill>
+              </a:rPr>
+              <a:t>env</a:t>
+            </a:r>
+            <a:r>
+              <a:rPr lang="en-US" dirty="0" err="1"/>
+              <a:t>.</a:t>
+            </a:r>
+            <a:r>
+              <a:rPr lang="en-US" dirty="0" err="1">
+                <a:solidFill>
+                  <a:srgbClr val="CF6A4C"/>
+                </a:solidFill>
+              </a:rPr>
+              <a:t>TABLE_NAME</a:t>
+            </a:r>
+            <a:r>
+              <a:rPr lang="en-US" dirty="0"/>
+              <a:t>;</a:t>
+            </a:r>
+          </a:p>
+        </p:txBody>
+      </p:sp>
+    </p:spTree>
+    <p:extLst>
+      <p:ext uri="{BB962C8B-B14F-4D97-AF65-F5344CB8AC3E}">
+        <p14:creationId xmlns:p14="http://schemas.microsoft.com/office/powerpoint/2010/main" val="310653872"/>
+      </p:ext>
+    </p:extLst>
+  </p:cSld>
+  <p:clrMapOvr>
+    <a:masterClrMapping/>
+  </p:clrMapOvr>
+</p:sld>
+</file>
+
+<file path=ppt/slides/slide27.xml><?xml version="1.0" encoding="utf-8"?>
+<p:sld xmlns:a="http://schemas.openxmlformats.org/drawingml/2006/main" xmlns:r="http://schemas.openxmlformats.org/officeDocument/2006/relationships" xmlns:p="http://schemas.openxmlformats.org/presentationml/2006/main">
+  <p:cSld>
+    <p:spTree>
+      <p:nvGrpSpPr>
+        <p:cNvPr id="1" name=""/>
+        <p:cNvGrpSpPr/>
+        <p:nvPr/>
+      </p:nvGrpSpPr>
+      <p:grpSpPr>
+        <a:xfrm>
+          <a:off x="0" y="0"/>
+          <a:ext cx="0" cy="0"/>
+          <a:chOff x="0" y="0"/>
+          <a:chExt cx="0" cy="0"/>
+        </a:xfrm>
+      </p:grpSpPr>
+      <p:sp>
+        <p:nvSpPr>
+          <p:cNvPr id="4" name="Title 3"/>
+          <p:cNvSpPr>
+            <a:spLocks noGrp="1"/>
+          </p:cNvSpPr>
+          <p:nvPr>
+            <p:ph type="title"/>
+          </p:nvPr>
+        </p:nvSpPr>
+        <p:spPr/>
+        <p:txBody>
+          <a:bodyPr/>
+          <a:lstStyle/>
+          <a:p>
+            <a:r>
+              <a:rPr lang="en-US" dirty="0"/>
+              <a:t>Lab: AWS X-Ray</a:t>
+            </a:r>
+          </a:p>
+        </p:txBody>
+      </p:sp>
+      <p:sp>
+        <p:nvSpPr>
+          <p:cNvPr id="7" name="object 2">
+            <a:extLst>
+              <a:ext uri="{FF2B5EF4-FFF2-40B4-BE49-F238E27FC236}">
+                <a16:creationId xmlns:a16="http://schemas.microsoft.com/office/drawing/2014/main" id="{78E4DFED-6995-4008-B935-BB168A28B722}"/>
+              </a:ext>
+            </a:extLst>
+          </p:cNvPr>
+          <p:cNvSpPr txBox="1"/>
+          <p:nvPr/>
+        </p:nvSpPr>
+        <p:spPr>
+          <a:xfrm>
+            <a:off x="575556" y="5678306"/>
+            <a:ext cx="8046895" cy="126958"/>
+          </a:xfrm>
+          <a:prstGeom prst="rect">
+            <a:avLst/>
+          </a:prstGeom>
+        </p:spPr>
+        <p:txBody>
+          <a:bodyPr vert="horz" wrap="square" lIns="0" tIns="0" rIns="0" bIns="0" rtlCol="0">
+            <a:spAutoFit/>
+          </a:bodyPr>
+          <a:lstStyle/>
+          <a:p>
+            <a:pPr marL="9525"/>
+            <a:r>
+              <a:rPr lang="en-US" sz="825" dirty="0">
+                <a:solidFill>
+                  <a:schemeClr val="tx1">
+                    <a:lumMod val="85000"/>
+                    <a:lumOff val="15000"/>
+                  </a:schemeClr>
+                </a:solidFill>
+                <a:latin typeface="Segoe UI"/>
+                <a:cs typeface="Segoe UI"/>
+              </a:rPr>
+              <a:t>© Copyright SELA Software &amp; Education Labs Ltd. | 14-18 Baruch Hirsch St </a:t>
+            </a:r>
+            <a:r>
+              <a:rPr lang="en-US" sz="825" dirty="0" err="1">
+                <a:solidFill>
+                  <a:schemeClr val="tx1">
+                    <a:lumMod val="85000"/>
+                    <a:lumOff val="15000"/>
+                  </a:schemeClr>
+                </a:solidFill>
+                <a:latin typeface="Segoe UI"/>
+                <a:cs typeface="Segoe UI"/>
+              </a:rPr>
+              <a:t>Bnei</a:t>
+            </a:r>
+            <a:r>
+              <a:rPr lang="en-US" sz="825" dirty="0">
+                <a:solidFill>
+                  <a:schemeClr val="tx1">
+                    <a:lumMod val="85000"/>
+                    <a:lumOff val="15000"/>
+                  </a:schemeClr>
+                </a:solidFill>
+                <a:latin typeface="Segoe UI"/>
+                <a:cs typeface="Segoe UI"/>
+              </a:rPr>
+              <a:t> </a:t>
+            </a:r>
+            <a:r>
+              <a:rPr lang="en-US" sz="825" dirty="0" err="1">
+                <a:solidFill>
+                  <a:schemeClr val="tx1">
+                    <a:lumMod val="85000"/>
+                    <a:lumOff val="15000"/>
+                  </a:schemeClr>
+                </a:solidFill>
+                <a:latin typeface="Segoe UI"/>
+                <a:cs typeface="Segoe UI"/>
+              </a:rPr>
+              <a:t>Brak</a:t>
+            </a:r>
+            <a:r>
+              <a:rPr lang="en-US" sz="825" dirty="0">
+                <a:solidFill>
+                  <a:schemeClr val="tx1">
+                    <a:lumMod val="85000"/>
+                    <a:lumOff val="15000"/>
+                  </a:schemeClr>
+                </a:solidFill>
+                <a:latin typeface="Segoe UI"/>
+                <a:cs typeface="Segoe UI"/>
+              </a:rPr>
+              <a:t>, 51202 Israel | www.selagroup.com | DevOps Course | Trainer Name – trainer@email.com</a:t>
+            </a:r>
+            <a:endParaRPr sz="825" dirty="0">
+              <a:solidFill>
+                <a:schemeClr val="tx1">
+                  <a:lumMod val="85000"/>
+                  <a:lumOff val="15000"/>
+                </a:schemeClr>
+              </a:solidFill>
+              <a:latin typeface="Segoe UI"/>
+              <a:cs typeface="Segoe UI"/>
+            </a:endParaRPr>
+          </a:p>
+        </p:txBody>
+      </p:sp>
+    </p:spTree>
+    <p:extLst>
+      <p:ext uri="{BB962C8B-B14F-4D97-AF65-F5344CB8AC3E}">
+        <p14:creationId xmlns:p14="http://schemas.microsoft.com/office/powerpoint/2010/main" val="1657723952"/>
+      </p:ext>
+    </p:extLst>
+  </p:cSld>
+  <p:clrMapOvr>
+    <a:masterClrMapping/>
+  </p:clrMapOvr>
+</p:sld>
+</file>
+
+<file path=ppt/slides/slide28.xml><?xml version="1.0" encoding="utf-8"?>
 <p:sld xmlns:a="http://schemas.openxmlformats.org/drawingml/2006/main" xmlns:r="http://schemas.openxmlformats.org/officeDocument/2006/relationships" xmlns:p="http://schemas.openxmlformats.org/presentationml/2006/main">
   <p:cSld>
     <p:spTree>
